--- a/Presentation.pptx
+++ b/Presentation.pptx
@@ -5,16 +5,19 @@
     <p:sldMasterId id="2147483648" r:id="rId4"/>
   </p:sldMasterIdLst>
   <p:notesMasterIdLst>
-    <p:notesMasterId r:id="rId9"/>
+    <p:notesMasterId r:id="rId12"/>
   </p:notesMasterIdLst>
   <p:handoutMasterIdLst>
-    <p:handoutMasterId r:id="rId10"/>
+    <p:handoutMasterId r:id="rId13"/>
   </p:handoutMasterIdLst>
   <p:sldIdLst>
     <p:sldId id="277" r:id="rId5"/>
     <p:sldId id="278" r:id="rId6"/>
     <p:sldId id="279" r:id="rId7"/>
     <p:sldId id="280" r:id="rId8"/>
+    <p:sldId id="281" r:id="rId9"/>
+    <p:sldId id="282" r:id="rId10"/>
+    <p:sldId id="283" r:id="rId11"/>
   </p:sldIdLst>
   <p:sldSz cx="12192000" cy="6858000"/>
   <p:notesSz cx="6858000" cy="9144000"/>
@@ -6731,13 +6734,13 @@
   <p:clrMapOvr>
     <a:overrideClrMapping bg1="dk1" tx1="lt1" bg2="dk2" tx2="lt2" accent1="accent1" accent2="accent2" accent3="accent3" accent4="accent4" accent5="accent5" accent6="accent6" hlink="hlink" folHlink="folHlink"/>
   </p:clrMapOvr>
-  <mc:AlternateContent xmlns:mc="http://schemas.openxmlformats.org/markup-compatibility/2006">
-    <mc:Choice xmlns:p14="http://schemas.microsoft.com/office/powerpoint/2010/main" Requires="p14">
+  <mc:AlternateContent xmlns:mc="http://schemas.openxmlformats.org/markup-compatibility/2006" xmlns:p14="http://schemas.microsoft.com/office/powerpoint/2010/main">
+    <mc:Choice Requires="p14">
       <p:transition spd="slow" p14:dur="800">
         <p14:flythrough/>
       </p:transition>
     </mc:Choice>
-    <mc:Fallback>
+    <mc:Fallback xmlns="">
       <p:transition spd="slow">
         <p:fade/>
       </p:transition>
@@ -7184,13 +7187,13 @@
   <p:clrMapOvr>
     <a:overrideClrMapping bg1="dk1" tx1="lt1" bg2="dk2" tx2="lt2" accent1="accent1" accent2="accent2" accent3="accent3" accent4="accent4" accent5="accent5" accent6="accent6" hlink="hlink" folHlink="folHlink"/>
   </p:clrMapOvr>
-  <mc:AlternateContent xmlns:mc="http://schemas.openxmlformats.org/markup-compatibility/2006">
-    <mc:Choice xmlns:p14="http://schemas.microsoft.com/office/powerpoint/2010/main" Requires="p14">
+  <mc:AlternateContent xmlns:mc="http://schemas.openxmlformats.org/markup-compatibility/2006" xmlns:p14="http://schemas.microsoft.com/office/powerpoint/2010/main">
+    <mc:Choice Requires="p14">
       <p:transition spd="slow" p14:dur="900">
         <p14:warp dir="in"/>
       </p:transition>
     </mc:Choice>
-    <mc:Fallback>
+    <mc:Fallback xmlns="">
       <p:transition spd="slow">
         <p:fade/>
       </p:transition>
@@ -8442,10 +8445,10 @@
       </p:sp>
       <p:pic>
         <p:nvPicPr>
-          <p:cNvPr id="10" name="Kép 9">
+          <p:cNvPr id="9" name="Kép 8">
             <a:extLst>
               <a:ext uri="{FF2B5EF4-FFF2-40B4-BE49-F238E27FC236}">
-                <a16:creationId xmlns:a16="http://schemas.microsoft.com/office/drawing/2014/main" id="{C22145A8-A221-4115-8067-94A62DA61479}"/>
+                <a16:creationId xmlns:a16="http://schemas.microsoft.com/office/drawing/2014/main" id="{01F06FBE-0B3D-4CB3-B919-B43235785353}"/>
               </a:ext>
             </a:extLst>
           </p:cNvPr>
@@ -8462,28 +8465,25 @@
         </p:blipFill>
         <p:spPr>
           <a:xfrm>
-            <a:off x="4654300" y="3038870"/>
-            <a:ext cx="7327975" cy="3604238"/>
+            <a:off x="4530055" y="3383523"/>
+            <a:ext cx="7024382" cy="3091828"/>
           </a:xfrm>
-          <a:prstGeom prst="round2DiagRect">
-            <a:avLst>
-              <a:gd name="adj1" fmla="val 16667"/>
-              <a:gd name="adj2" fmla="val 0"/>
-            </a:avLst>
+          <a:prstGeom prst="rect">
+            <a:avLst/>
           </a:prstGeom>
-          <a:ln w="88900" cap="sq">
+          <a:ln w="38100" cap="sq">
             <a:solidFill>
-              <a:srgbClr val="FFFFFF"/>
+              <a:srgbClr val="000000"/>
             </a:solidFill>
+            <a:prstDash val="solid"/>
             <a:miter lim="800000"/>
           </a:ln>
           <a:effectLst>
-            <a:innerShdw blurRad="63500" dist="50800" dir="16200000">
-              <a:prstClr val="black">
-                <a:alpha val="50000"/>
-              </a:prstClr>
-            </a:innerShdw>
-            <a:softEdge rad="63500"/>
+            <a:outerShdw blurRad="50800" dist="38100" dir="2700000" algn="tl" rotWithShape="0">
+              <a:srgbClr val="000000">
+                <a:alpha val="43000"/>
+              </a:srgbClr>
+            </a:outerShdw>
           </a:effectLst>
         </p:spPr>
       </p:pic>
@@ -8497,13 +8497,13 @@
   <p:clrMapOvr>
     <a:masterClrMapping/>
   </p:clrMapOvr>
-  <mc:AlternateContent xmlns:mc="http://schemas.openxmlformats.org/markup-compatibility/2006">
-    <mc:Choice xmlns:p14="http://schemas.microsoft.com/office/powerpoint/2010/main" Requires="p14">
+  <mc:AlternateContent xmlns:mc="http://schemas.openxmlformats.org/markup-compatibility/2006" xmlns:p14="http://schemas.microsoft.com/office/powerpoint/2010/main">
+    <mc:Choice Requires="p14">
       <p:transition spd="slow" p14:dur="900">
         <p14:warp dir="in"/>
       </p:transition>
     </mc:Choice>
-    <mc:Fallback>
+    <mc:Fallback xmlns="">
       <p:transition spd="slow">
         <p:fade/>
       </p:transition>
@@ -8583,7 +8583,7 @@
                             </p:stCondLst>
                             <p:childTnLst>
                               <p:par>
-                                <p:cTn id="10" presetID="6" presetClass="entr" presetSubtype="16" fill="hold" nodeType="clickEffect">
+                                <p:cTn id="10" presetID="42" presetClass="entr" presetSubtype="0" fill="hold" grpId="0" nodeType="clickEffect">
                                   <p:stCondLst>
                                     <p:cond delay="0"/>
                                   </p:stCondLst>
@@ -8591,59 +8591,6 @@
                                     <p:set>
                                       <p:cBhvr>
                                         <p:cTn id="11" dur="1" fill="hold">
-                                          <p:stCondLst>
-                                            <p:cond delay="0"/>
-                                          </p:stCondLst>
-                                        </p:cTn>
-                                        <p:tgtEl>
-                                          <p:spTgt spid="10"/>
-                                        </p:tgtEl>
-                                        <p:attrNameLst>
-                                          <p:attrName>style.visibility</p:attrName>
-                                        </p:attrNameLst>
-                                      </p:cBhvr>
-                                      <p:to>
-                                        <p:strVal val="visible"/>
-                                      </p:to>
-                                    </p:set>
-                                    <p:animEffect transition="in" filter="circle(in)">
-                                      <p:cBhvr>
-                                        <p:cTn id="12" dur="2000"/>
-                                        <p:tgtEl>
-                                          <p:spTgt spid="10"/>
-                                        </p:tgtEl>
-                                      </p:cBhvr>
-                                    </p:animEffect>
-                                  </p:childTnLst>
-                                </p:cTn>
-                              </p:par>
-                            </p:childTnLst>
-                          </p:cTn>
-                        </p:par>
-                      </p:childTnLst>
-                    </p:cTn>
-                  </p:par>
-                  <p:par>
-                    <p:cTn id="13" fill="hold">
-                      <p:stCondLst>
-                        <p:cond delay="indefinite"/>
-                      </p:stCondLst>
-                      <p:childTnLst>
-                        <p:par>
-                          <p:cTn id="14" fill="hold">
-                            <p:stCondLst>
-                              <p:cond delay="0"/>
-                            </p:stCondLst>
-                            <p:childTnLst>
-                              <p:par>
-                                <p:cTn id="15" presetID="42" presetClass="entr" presetSubtype="0" fill="hold" grpId="0" nodeType="clickEffect">
-                                  <p:stCondLst>
-                                    <p:cond delay="0"/>
-                                  </p:stCondLst>
-                                  <p:childTnLst>
-                                    <p:set>
-                                      <p:cBhvr>
-                                        <p:cTn id="16" dur="1" fill="hold">
                                           <p:stCondLst>
                                             <p:cond delay="0"/>
                                           </p:stCondLst>
@@ -8661,7 +8608,7 @@
                                     </p:set>
                                     <p:animEffect transition="in" filter="fade">
                                       <p:cBhvr>
-                                        <p:cTn id="17" dur="1000"/>
+                                        <p:cTn id="12" dur="1000"/>
                                         <p:tgtEl>
                                           <p:spTgt spid="3"/>
                                         </p:tgtEl>
@@ -8669,7 +8616,7 @@
                                     </p:animEffect>
                                     <p:anim calcmode="lin" valueType="num">
                                       <p:cBhvr>
-                                        <p:cTn id="18" dur="1000" fill="hold"/>
+                                        <p:cTn id="13" dur="1000" fill="hold"/>
                                         <p:tgtEl>
                                           <p:spTgt spid="3"/>
                                         </p:tgtEl>
@@ -8692,7 +8639,7 @@
                                     </p:anim>
                                     <p:anim calcmode="lin" valueType="num">
                                       <p:cBhvr>
-                                        <p:cTn id="19" dur="1000" fill="hold"/>
+                                        <p:cTn id="14" dur="1000" fill="hold"/>
                                         <p:tgtEl>
                                           <p:spTgt spid="3"/>
                                         </p:tgtEl>
@@ -8723,26 +8670,26 @@
                     </p:cTn>
                   </p:par>
                   <p:par>
-                    <p:cTn id="20" fill="hold">
+                    <p:cTn id="15" fill="hold">
                       <p:stCondLst>
                         <p:cond delay="indefinite"/>
                       </p:stCondLst>
                       <p:childTnLst>
                         <p:par>
-                          <p:cTn id="21" fill="hold">
+                          <p:cTn id="16" fill="hold">
                             <p:stCondLst>
                               <p:cond delay="0"/>
                             </p:stCondLst>
                             <p:childTnLst>
                               <p:par>
-                                <p:cTn id="22" presetID="2" presetClass="entr" presetSubtype="4" fill="hold" grpId="0" nodeType="clickEffect">
+                                <p:cTn id="17" presetID="2" presetClass="entr" presetSubtype="4" fill="hold" grpId="0" nodeType="clickEffect">
                                   <p:stCondLst>
                                     <p:cond delay="0"/>
                                   </p:stCondLst>
                                   <p:childTnLst>
                                     <p:set>
                                       <p:cBhvr>
-                                        <p:cTn id="23" dur="1" fill="hold">
+                                        <p:cTn id="18" dur="1" fill="hold">
                                           <p:stCondLst>
                                             <p:cond delay="0"/>
                                           </p:stCondLst>
@@ -8760,7 +8707,7 @@
                                     </p:set>
                                     <p:anim calcmode="lin" valueType="num">
                                       <p:cBhvr additive="base">
-                                        <p:cTn id="24" dur="500" fill="hold"/>
+                                        <p:cTn id="19" dur="500" fill="hold"/>
                                         <p:tgtEl>
                                           <p:spTgt spid="4"/>
                                         </p:tgtEl>
@@ -8783,7 +8730,7 @@
                                     </p:anim>
                                     <p:anim calcmode="lin" valueType="num">
                                       <p:cBhvr additive="base">
-                                        <p:cTn id="25" dur="500" fill="hold"/>
+                                        <p:cTn id="20" dur="500" fill="hold"/>
                                         <p:tgtEl>
                                           <p:spTgt spid="4"/>
                                         </p:tgtEl>
@@ -8814,26 +8761,26 @@
                     </p:cTn>
                   </p:par>
                   <p:par>
-                    <p:cTn id="26" fill="hold">
+                    <p:cTn id="21" fill="hold">
                       <p:stCondLst>
                         <p:cond delay="indefinite"/>
                       </p:stCondLst>
                       <p:childTnLst>
                         <p:par>
-                          <p:cTn id="27" fill="hold">
+                          <p:cTn id="22" fill="hold">
                             <p:stCondLst>
                               <p:cond delay="0"/>
                             </p:stCondLst>
                             <p:childTnLst>
                               <p:par>
-                                <p:cTn id="28" presetID="42" presetClass="entr" presetSubtype="0" fill="hold" grpId="0" nodeType="clickEffect">
+                                <p:cTn id="23" presetID="42" presetClass="entr" presetSubtype="0" fill="hold" grpId="0" nodeType="clickEffect">
                                   <p:stCondLst>
                                     <p:cond delay="0"/>
                                   </p:stCondLst>
                                   <p:childTnLst>
                                     <p:set>
                                       <p:cBhvr>
-                                        <p:cTn id="29" dur="1" fill="hold">
+                                        <p:cTn id="24" dur="1" fill="hold">
                                           <p:stCondLst>
                                             <p:cond delay="0"/>
                                           </p:stCondLst>
@@ -8851,7 +8798,7 @@
                                     </p:set>
                                     <p:animEffect transition="in" filter="fade">
                                       <p:cBhvr>
-                                        <p:cTn id="30" dur="1000"/>
+                                        <p:cTn id="25" dur="1000"/>
                                         <p:tgtEl>
                                           <p:spTgt spid="5"/>
                                         </p:tgtEl>
@@ -8859,7 +8806,7 @@
                                     </p:animEffect>
                                     <p:anim calcmode="lin" valueType="num">
                                       <p:cBhvr>
-                                        <p:cTn id="31" dur="1000" fill="hold"/>
+                                        <p:cTn id="26" dur="1000" fill="hold"/>
                                         <p:tgtEl>
                                           <p:spTgt spid="5"/>
                                         </p:tgtEl>
@@ -8882,7 +8829,7 @@
                                     </p:anim>
                                     <p:anim calcmode="lin" valueType="num">
                                       <p:cBhvr>
-                                        <p:cTn id="32" dur="1000" fill="hold"/>
+                                        <p:cTn id="27" dur="1000" fill="hold"/>
                                         <p:tgtEl>
                                           <p:spTgt spid="5"/>
                                         </p:tgtEl>
@@ -8913,26 +8860,26 @@
                     </p:cTn>
                   </p:par>
                   <p:par>
-                    <p:cTn id="33" fill="hold">
+                    <p:cTn id="28" fill="hold">
                       <p:stCondLst>
                         <p:cond delay="indefinite"/>
                       </p:stCondLst>
                       <p:childTnLst>
                         <p:par>
-                          <p:cTn id="34" fill="hold">
+                          <p:cTn id="29" fill="hold">
                             <p:stCondLst>
                               <p:cond delay="0"/>
                             </p:stCondLst>
                             <p:childTnLst>
                               <p:par>
-                                <p:cTn id="35" presetID="2" presetClass="entr" presetSubtype="4" fill="hold" grpId="0" nodeType="clickEffect">
+                                <p:cTn id="30" presetID="2" presetClass="entr" presetSubtype="4" fill="hold" grpId="0" nodeType="clickEffect">
                                   <p:stCondLst>
                                     <p:cond delay="0"/>
                                   </p:stCondLst>
                                   <p:childTnLst>
                                     <p:set>
                                       <p:cBhvr>
-                                        <p:cTn id="36" dur="1" fill="hold">
+                                        <p:cTn id="31" dur="1" fill="hold">
                                           <p:stCondLst>
                                             <p:cond delay="0"/>
                                           </p:stCondLst>
@@ -8950,7 +8897,7 @@
                                     </p:set>
                                     <p:anim calcmode="lin" valueType="num">
                                       <p:cBhvr additive="base">
-                                        <p:cTn id="37" dur="500" fill="hold"/>
+                                        <p:cTn id="32" dur="500" fill="hold"/>
                                         <p:tgtEl>
                                           <p:spTgt spid="7"/>
                                         </p:tgtEl>
@@ -8973,7 +8920,7 @@
                                     </p:anim>
                                     <p:anim calcmode="lin" valueType="num">
                                       <p:cBhvr additive="base">
-                                        <p:cTn id="38" dur="500" fill="hold"/>
+                                        <p:cTn id="33" dur="500" fill="hold"/>
                                         <p:tgtEl>
                                           <p:spTgt spid="7"/>
                                         </p:tgtEl>
@@ -9004,26 +8951,26 @@
                     </p:cTn>
                   </p:par>
                   <p:par>
-                    <p:cTn id="39" fill="hold">
+                    <p:cTn id="34" fill="hold">
                       <p:stCondLst>
                         <p:cond delay="indefinite"/>
                       </p:stCondLst>
                       <p:childTnLst>
                         <p:par>
-                          <p:cTn id="40" fill="hold">
+                          <p:cTn id="35" fill="hold">
                             <p:stCondLst>
                               <p:cond delay="0"/>
                             </p:stCondLst>
                             <p:childTnLst>
                               <p:par>
-                                <p:cTn id="41" presetID="42" presetClass="entr" presetSubtype="0" fill="hold" grpId="0" nodeType="clickEffect">
+                                <p:cTn id="36" presetID="42" presetClass="entr" presetSubtype="0" fill="hold" grpId="0" nodeType="clickEffect">
                                   <p:stCondLst>
                                     <p:cond delay="0"/>
                                   </p:stCondLst>
                                   <p:childTnLst>
                                     <p:set>
                                       <p:cBhvr>
-                                        <p:cTn id="42" dur="1" fill="hold">
+                                        <p:cTn id="37" dur="1" fill="hold">
                                           <p:stCondLst>
                                             <p:cond delay="0"/>
                                           </p:stCondLst>
@@ -9041,7 +8988,7 @@
                                     </p:set>
                                     <p:animEffect transition="in" filter="fade">
                                       <p:cBhvr>
-                                        <p:cTn id="43" dur="1000"/>
+                                        <p:cTn id="38" dur="1000"/>
                                         <p:tgtEl>
                                           <p:spTgt spid="8"/>
                                         </p:tgtEl>
@@ -9049,7 +8996,7 @@
                                     </p:animEffect>
                                     <p:anim calcmode="lin" valueType="num">
                                       <p:cBhvr>
-                                        <p:cTn id="44" dur="1000" fill="hold"/>
+                                        <p:cTn id="39" dur="1000" fill="hold"/>
                                         <p:tgtEl>
                                           <p:spTgt spid="8"/>
                                         </p:tgtEl>
@@ -9072,7 +9019,7 @@
                                     </p:anim>
                                     <p:anim calcmode="lin" valueType="num">
                                       <p:cBhvr>
-                                        <p:cTn id="45" dur="1000" fill="hold"/>
+                                        <p:cTn id="40" dur="1000" fill="hold"/>
                                         <p:tgtEl>
                                           <p:spTgt spid="8"/>
                                         </p:tgtEl>
@@ -9646,13 +9593,13 @@
   <p:clrMapOvr>
     <a:masterClrMapping/>
   </p:clrMapOvr>
-  <mc:AlternateContent xmlns:mc="http://schemas.openxmlformats.org/markup-compatibility/2006">
-    <mc:Choice xmlns:p14="http://schemas.microsoft.com/office/powerpoint/2010/main" Requires="p14">
+  <mc:AlternateContent xmlns:mc="http://schemas.openxmlformats.org/markup-compatibility/2006" xmlns:p14="http://schemas.microsoft.com/office/powerpoint/2010/main">
+    <mc:Choice Requires="p14">
       <p:transition spd="med" p14:dur="700">
         <p:fade/>
       </p:transition>
     </mc:Choice>
-    <mc:Fallback>
+    <mc:Fallback xmlns="">
       <p:transition spd="med">
         <p:fade/>
       </p:transition>
@@ -10302,6 +10249,752 @@
       <p:bldP spid="18" grpId="0"/>
     </p:bldLst>
   </p:timing>
+</p:sld>
+</file>
+
+<file path=ppt/slides/slide5.xml><?xml version="1.0" encoding="utf-8"?>
+<p:sld xmlns:a="http://schemas.openxmlformats.org/drawingml/2006/main" xmlns:r="http://schemas.openxmlformats.org/officeDocument/2006/relationships" xmlns:p="http://schemas.openxmlformats.org/presentationml/2006/main">
+  <p:cSld>
+    <p:spTree>
+      <p:nvGrpSpPr>
+        <p:cNvPr id="1" name=""/>
+        <p:cNvGrpSpPr/>
+        <p:nvPr/>
+      </p:nvGrpSpPr>
+      <p:grpSpPr>
+        <a:xfrm>
+          <a:off x="0" y="0"/>
+          <a:ext cx="0" cy="0"/>
+          <a:chOff x="0" y="0"/>
+          <a:chExt cx="0" cy="0"/>
+        </a:xfrm>
+      </p:grpSpPr>
+      <p:sp>
+        <p:nvSpPr>
+          <p:cNvPr id="4" name="Szövegdoboz 3">
+            <a:extLst>
+              <a:ext uri="{FF2B5EF4-FFF2-40B4-BE49-F238E27FC236}">
+                <a16:creationId xmlns:a16="http://schemas.microsoft.com/office/drawing/2014/main" id="{823CB1F3-6DEC-49F4-8D91-8D2A37CB6FD1}"/>
+              </a:ext>
+            </a:extLst>
+          </p:cNvPr>
+          <p:cNvSpPr txBox="1"/>
+          <p:nvPr/>
+        </p:nvSpPr>
+        <p:spPr>
+          <a:xfrm>
+            <a:off x="3792908" y="173962"/>
+            <a:ext cx="4606183" cy="923330"/>
+          </a:xfrm>
+          <a:prstGeom prst="rect">
+            <a:avLst/>
+          </a:prstGeom>
+          <a:noFill/>
+        </p:spPr>
+        <p:txBody>
+          <a:bodyPr wrap="square" rtlCol="0">
+            <a:spAutoFit/>
+          </a:bodyPr>
+          <a:lstStyle/>
+          <a:p>
+            <a:pPr algn="ctr"/>
+            <a:r>
+              <a:rPr lang="hu-HU" sz="5400" dirty="0">
+                <a:effectLst>
+                  <a:outerShdw blurRad="38100" dist="38100" dir="2700000" algn="tl">
+                    <a:srgbClr val="000000">
+                      <a:alpha val="43137"/>
+                    </a:srgbClr>
+                  </a:outerShdw>
+                </a:effectLst>
+              </a:rPr>
+              <a:t>Az adatbázisom</a:t>
+            </a:r>
+          </a:p>
+        </p:txBody>
+      </p:sp>
+      <p:pic>
+        <p:nvPicPr>
+          <p:cNvPr id="10" name="Kép 9">
+            <a:extLst>
+              <a:ext uri="{FF2B5EF4-FFF2-40B4-BE49-F238E27FC236}">
+                <a16:creationId xmlns:a16="http://schemas.microsoft.com/office/drawing/2014/main" id="{6995AF53-61AC-4E1F-8C74-669DEEB7F318}"/>
+              </a:ext>
+            </a:extLst>
+          </p:cNvPr>
+          <p:cNvPicPr>
+            <a:picLocks noChangeAspect="1"/>
+          </p:cNvPicPr>
+          <p:nvPr/>
+        </p:nvPicPr>
+        <p:blipFill>
+          <a:blip r:embed="rId2"/>
+          <a:stretch>
+            <a:fillRect/>
+          </a:stretch>
+        </p:blipFill>
+        <p:spPr>
+          <a:xfrm>
+            <a:off x="1426128" y="1322692"/>
+            <a:ext cx="9339743" cy="5050223"/>
+          </a:xfrm>
+          <a:prstGeom prst="rect">
+            <a:avLst/>
+          </a:prstGeom>
+          <a:ln w="88900" cap="sq" cmpd="thickThin">
+            <a:solidFill>
+              <a:srgbClr val="000000"/>
+            </a:solidFill>
+            <a:prstDash val="solid"/>
+            <a:miter lim="800000"/>
+          </a:ln>
+          <a:effectLst>
+            <a:innerShdw blurRad="76200">
+              <a:srgbClr val="000000"/>
+            </a:innerShdw>
+          </a:effectLst>
+        </p:spPr>
+      </p:pic>
+    </p:spTree>
+    <p:extLst>
+      <p:ext uri="{BB962C8B-B14F-4D97-AF65-F5344CB8AC3E}">
+        <p14:creationId xmlns:p14="http://schemas.microsoft.com/office/powerpoint/2010/main" val="1831625302"/>
+      </p:ext>
+    </p:extLst>
+  </p:cSld>
+  <p:clrMapOvr>
+    <a:masterClrMapping/>
+  </p:clrMapOvr>
+  <mc:AlternateContent xmlns:mc="http://schemas.openxmlformats.org/markup-compatibility/2006">
+    <mc:Choice xmlns:p14="http://schemas.microsoft.com/office/powerpoint/2010/main" Requires="p14">
+      <p:transition spd="slow" p14:dur="3400">
+        <p14:reveal/>
+      </p:transition>
+    </mc:Choice>
+    <mc:Fallback>
+      <p:transition spd="slow">
+        <p:fade/>
+      </p:transition>
+    </mc:Fallback>
+  </mc:AlternateContent>
+</p:sld>
+</file>
+
+<file path=ppt/slides/slide6.xml><?xml version="1.0" encoding="utf-8"?>
+<p:sld xmlns:a="http://schemas.openxmlformats.org/drawingml/2006/main" xmlns:r="http://schemas.openxmlformats.org/officeDocument/2006/relationships" xmlns:p="http://schemas.openxmlformats.org/presentationml/2006/main">
+  <p:cSld>
+    <p:spTree>
+      <p:nvGrpSpPr>
+        <p:cNvPr id="1" name=""/>
+        <p:cNvGrpSpPr/>
+        <p:nvPr/>
+      </p:nvGrpSpPr>
+      <p:grpSpPr>
+        <a:xfrm>
+          <a:off x="0" y="0"/>
+          <a:ext cx="0" cy="0"/>
+          <a:chOff x="0" y="0"/>
+          <a:chExt cx="0" cy="0"/>
+        </a:xfrm>
+      </p:grpSpPr>
+      <p:sp>
+        <p:nvSpPr>
+          <p:cNvPr id="2" name="Szövegdoboz 1">
+            <a:extLst>
+              <a:ext uri="{FF2B5EF4-FFF2-40B4-BE49-F238E27FC236}">
+                <a16:creationId xmlns:a16="http://schemas.microsoft.com/office/drawing/2014/main" id="{E1588923-FD3C-41C6-9DF1-120198BD97E9}"/>
+              </a:ext>
+            </a:extLst>
+          </p:cNvPr>
+          <p:cNvSpPr txBox="1"/>
+          <p:nvPr/>
+        </p:nvSpPr>
+        <p:spPr>
+          <a:xfrm>
+            <a:off x="2457974" y="83890"/>
+            <a:ext cx="6174297" cy="646331"/>
+          </a:xfrm>
+          <a:prstGeom prst="rect">
+            <a:avLst/>
+          </a:prstGeom>
+          <a:noFill/>
+        </p:spPr>
+        <p:txBody>
+          <a:bodyPr wrap="square" rtlCol="0">
+            <a:spAutoFit/>
+          </a:bodyPr>
+          <a:lstStyle/>
+          <a:p>
+            <a:r>
+              <a:rPr lang="hu-HU" sz="3600" dirty="0"/>
+              <a:t>Kiemelt kódrész </a:t>
+            </a:r>
+            <a:r>
+              <a:rPr lang="hu-HU" sz="3600" b="0" i="0" dirty="0">
+                <a:solidFill>
+                  <a:srgbClr val="E2EEFF"/>
+                </a:solidFill>
+                <a:effectLst/>
+                <a:latin typeface="Google Sans"/>
+              </a:rPr>
+              <a:t>→ A login mező</a:t>
+            </a:r>
+            <a:endParaRPr lang="hu-HU" sz="3600" dirty="0"/>
+          </a:p>
+        </p:txBody>
+      </p:sp>
+      <p:pic>
+        <p:nvPicPr>
+          <p:cNvPr id="4" name="Kép 3">
+            <a:extLst>
+              <a:ext uri="{FF2B5EF4-FFF2-40B4-BE49-F238E27FC236}">
+                <a16:creationId xmlns:a16="http://schemas.microsoft.com/office/drawing/2014/main" id="{AE3D5439-3059-4F4A-BEF5-DE976099827F}"/>
+              </a:ext>
+            </a:extLst>
+          </p:cNvPr>
+          <p:cNvPicPr>
+            <a:picLocks noChangeAspect="1"/>
+          </p:cNvPicPr>
+          <p:nvPr/>
+        </p:nvPicPr>
+        <p:blipFill>
+          <a:blip r:embed="rId2"/>
+          <a:stretch>
+            <a:fillRect/>
+          </a:stretch>
+        </p:blipFill>
+        <p:spPr>
+          <a:xfrm>
+            <a:off x="142613" y="843169"/>
+            <a:ext cx="6931201" cy="3168549"/>
+          </a:xfrm>
+          <a:prstGeom prst="rect">
+            <a:avLst/>
+          </a:prstGeom>
+        </p:spPr>
+      </p:pic>
+      <p:pic>
+        <p:nvPicPr>
+          <p:cNvPr id="6" name="Kép 5">
+            <a:extLst>
+              <a:ext uri="{FF2B5EF4-FFF2-40B4-BE49-F238E27FC236}">
+                <a16:creationId xmlns:a16="http://schemas.microsoft.com/office/drawing/2014/main" id="{EEF8D917-41FC-42BB-990E-E744AC18B120}"/>
+              </a:ext>
+            </a:extLst>
+          </p:cNvPr>
+          <p:cNvPicPr>
+            <a:picLocks noChangeAspect="1"/>
+          </p:cNvPicPr>
+          <p:nvPr/>
+        </p:nvPicPr>
+        <p:blipFill>
+          <a:blip r:embed="rId3"/>
+          <a:stretch>
+            <a:fillRect/>
+          </a:stretch>
+        </p:blipFill>
+        <p:spPr>
+          <a:xfrm>
+            <a:off x="7755506" y="1000422"/>
+            <a:ext cx="4159657" cy="2834276"/>
+          </a:xfrm>
+          <a:prstGeom prst="rect">
+            <a:avLst/>
+          </a:prstGeom>
+        </p:spPr>
+      </p:pic>
+      <p:pic>
+        <p:nvPicPr>
+          <p:cNvPr id="8" name="Kép 7">
+            <a:extLst>
+              <a:ext uri="{FF2B5EF4-FFF2-40B4-BE49-F238E27FC236}">
+                <a16:creationId xmlns:a16="http://schemas.microsoft.com/office/drawing/2014/main" id="{36B9A6BE-CBED-4DD8-A804-56FAD119D995}"/>
+              </a:ext>
+            </a:extLst>
+          </p:cNvPr>
+          <p:cNvPicPr>
+            <a:picLocks noChangeAspect="1"/>
+          </p:cNvPicPr>
+          <p:nvPr/>
+        </p:nvPicPr>
+        <p:blipFill>
+          <a:blip r:embed="rId4"/>
+          <a:stretch>
+            <a:fillRect/>
+          </a:stretch>
+        </p:blipFill>
+        <p:spPr>
+          <a:xfrm>
+            <a:off x="6645034" y="4430556"/>
+            <a:ext cx="5258534" cy="2238687"/>
+          </a:xfrm>
+          <a:prstGeom prst="rect">
+            <a:avLst/>
+          </a:prstGeom>
+        </p:spPr>
+      </p:pic>
+    </p:spTree>
+    <p:extLst>
+      <p:ext uri="{BB962C8B-B14F-4D97-AF65-F5344CB8AC3E}">
+        <p14:creationId xmlns:p14="http://schemas.microsoft.com/office/powerpoint/2010/main" val="4245430920"/>
+      </p:ext>
+    </p:extLst>
+  </p:cSld>
+  <p:clrMapOvr>
+    <a:masterClrMapping/>
+  </p:clrMapOvr>
+  <mc:AlternateContent xmlns:mc="http://schemas.openxmlformats.org/markup-compatibility/2006">
+    <mc:Choice xmlns:p14="http://schemas.microsoft.com/office/powerpoint/2010/main" Requires="p14">
+      <p:transition spd="slow" p14:dur="3400">
+        <p14:reveal/>
+      </p:transition>
+    </mc:Choice>
+    <mc:Fallback>
+      <p:transition spd="slow">
+        <p:fade/>
+      </p:transition>
+    </mc:Fallback>
+  </mc:AlternateContent>
+  <p:timing>
+    <p:tnLst>
+      <p:par>
+        <p:cTn id="1" dur="indefinite" restart="never" nodeType="tmRoot">
+          <p:childTnLst>
+            <p:seq concurrent="1" nextAc="seek">
+              <p:cTn id="2" dur="indefinite" nodeType="mainSeq">
+                <p:childTnLst>
+                  <p:par>
+                    <p:cTn id="3" fill="hold">
+                      <p:stCondLst>
+                        <p:cond delay="indefinite"/>
+                      </p:stCondLst>
+                      <p:childTnLst>
+                        <p:par>
+                          <p:cTn id="4" fill="hold">
+                            <p:stCondLst>
+                              <p:cond delay="0"/>
+                            </p:stCondLst>
+                            <p:childTnLst>
+                              <p:par>
+                                <p:cTn id="5" presetID="42" presetClass="entr" presetSubtype="0" fill="hold" nodeType="clickEffect">
+                                  <p:stCondLst>
+                                    <p:cond delay="0"/>
+                                  </p:stCondLst>
+                                  <p:childTnLst>
+                                    <p:set>
+                                      <p:cBhvr>
+                                        <p:cTn id="6" dur="1" fill="hold">
+                                          <p:stCondLst>
+                                            <p:cond delay="0"/>
+                                          </p:stCondLst>
+                                        </p:cTn>
+                                        <p:tgtEl>
+                                          <p:spTgt spid="4"/>
+                                        </p:tgtEl>
+                                        <p:attrNameLst>
+                                          <p:attrName>style.visibility</p:attrName>
+                                        </p:attrNameLst>
+                                      </p:cBhvr>
+                                      <p:to>
+                                        <p:strVal val="visible"/>
+                                      </p:to>
+                                    </p:set>
+                                    <p:animEffect transition="in" filter="fade">
+                                      <p:cBhvr>
+                                        <p:cTn id="7" dur="1000"/>
+                                        <p:tgtEl>
+                                          <p:spTgt spid="4"/>
+                                        </p:tgtEl>
+                                      </p:cBhvr>
+                                    </p:animEffect>
+                                    <p:anim calcmode="lin" valueType="num">
+                                      <p:cBhvr>
+                                        <p:cTn id="8" dur="1000" fill="hold"/>
+                                        <p:tgtEl>
+                                          <p:spTgt spid="4"/>
+                                        </p:tgtEl>
+                                        <p:attrNameLst>
+                                          <p:attrName>ppt_x</p:attrName>
+                                        </p:attrNameLst>
+                                      </p:cBhvr>
+                                      <p:tavLst>
+                                        <p:tav tm="0">
+                                          <p:val>
+                                            <p:strVal val="#ppt_x"/>
+                                          </p:val>
+                                        </p:tav>
+                                        <p:tav tm="100000">
+                                          <p:val>
+                                            <p:strVal val="#ppt_x"/>
+                                          </p:val>
+                                        </p:tav>
+                                      </p:tavLst>
+                                    </p:anim>
+                                    <p:anim calcmode="lin" valueType="num">
+                                      <p:cBhvr>
+                                        <p:cTn id="9" dur="1000" fill="hold"/>
+                                        <p:tgtEl>
+                                          <p:spTgt spid="4"/>
+                                        </p:tgtEl>
+                                        <p:attrNameLst>
+                                          <p:attrName>ppt_y</p:attrName>
+                                        </p:attrNameLst>
+                                      </p:cBhvr>
+                                      <p:tavLst>
+                                        <p:tav tm="0">
+                                          <p:val>
+                                            <p:strVal val="#ppt_y+.1"/>
+                                          </p:val>
+                                        </p:tav>
+                                        <p:tav tm="100000">
+                                          <p:val>
+                                            <p:strVal val="#ppt_y"/>
+                                          </p:val>
+                                        </p:tav>
+                                      </p:tavLst>
+                                    </p:anim>
+                                  </p:childTnLst>
+                                </p:cTn>
+                              </p:par>
+                            </p:childTnLst>
+                          </p:cTn>
+                        </p:par>
+                      </p:childTnLst>
+                    </p:cTn>
+                  </p:par>
+                  <p:par>
+                    <p:cTn id="10" fill="hold">
+                      <p:stCondLst>
+                        <p:cond delay="indefinite"/>
+                      </p:stCondLst>
+                      <p:childTnLst>
+                        <p:par>
+                          <p:cTn id="11" fill="hold">
+                            <p:stCondLst>
+                              <p:cond delay="0"/>
+                            </p:stCondLst>
+                            <p:childTnLst>
+                              <p:par>
+                                <p:cTn id="12" presetID="42" presetClass="entr" presetSubtype="0" fill="hold" nodeType="clickEffect">
+                                  <p:stCondLst>
+                                    <p:cond delay="0"/>
+                                  </p:stCondLst>
+                                  <p:childTnLst>
+                                    <p:set>
+                                      <p:cBhvr>
+                                        <p:cTn id="13" dur="1" fill="hold">
+                                          <p:stCondLst>
+                                            <p:cond delay="0"/>
+                                          </p:stCondLst>
+                                        </p:cTn>
+                                        <p:tgtEl>
+                                          <p:spTgt spid="6"/>
+                                        </p:tgtEl>
+                                        <p:attrNameLst>
+                                          <p:attrName>style.visibility</p:attrName>
+                                        </p:attrNameLst>
+                                      </p:cBhvr>
+                                      <p:to>
+                                        <p:strVal val="visible"/>
+                                      </p:to>
+                                    </p:set>
+                                    <p:animEffect transition="in" filter="fade">
+                                      <p:cBhvr>
+                                        <p:cTn id="14" dur="1000"/>
+                                        <p:tgtEl>
+                                          <p:spTgt spid="6"/>
+                                        </p:tgtEl>
+                                      </p:cBhvr>
+                                    </p:animEffect>
+                                    <p:anim calcmode="lin" valueType="num">
+                                      <p:cBhvr>
+                                        <p:cTn id="15" dur="1000" fill="hold"/>
+                                        <p:tgtEl>
+                                          <p:spTgt spid="6"/>
+                                        </p:tgtEl>
+                                        <p:attrNameLst>
+                                          <p:attrName>ppt_x</p:attrName>
+                                        </p:attrNameLst>
+                                      </p:cBhvr>
+                                      <p:tavLst>
+                                        <p:tav tm="0">
+                                          <p:val>
+                                            <p:strVal val="#ppt_x"/>
+                                          </p:val>
+                                        </p:tav>
+                                        <p:tav tm="100000">
+                                          <p:val>
+                                            <p:strVal val="#ppt_x"/>
+                                          </p:val>
+                                        </p:tav>
+                                      </p:tavLst>
+                                    </p:anim>
+                                    <p:anim calcmode="lin" valueType="num">
+                                      <p:cBhvr>
+                                        <p:cTn id="16" dur="1000" fill="hold"/>
+                                        <p:tgtEl>
+                                          <p:spTgt spid="6"/>
+                                        </p:tgtEl>
+                                        <p:attrNameLst>
+                                          <p:attrName>ppt_y</p:attrName>
+                                        </p:attrNameLst>
+                                      </p:cBhvr>
+                                      <p:tavLst>
+                                        <p:tav tm="0">
+                                          <p:val>
+                                            <p:strVal val="#ppt_y+.1"/>
+                                          </p:val>
+                                        </p:tav>
+                                        <p:tav tm="100000">
+                                          <p:val>
+                                            <p:strVal val="#ppt_y"/>
+                                          </p:val>
+                                        </p:tav>
+                                      </p:tavLst>
+                                    </p:anim>
+                                  </p:childTnLst>
+                                </p:cTn>
+                              </p:par>
+                            </p:childTnLst>
+                          </p:cTn>
+                        </p:par>
+                      </p:childTnLst>
+                    </p:cTn>
+                  </p:par>
+                  <p:par>
+                    <p:cTn id="17" fill="hold">
+                      <p:stCondLst>
+                        <p:cond delay="indefinite"/>
+                      </p:stCondLst>
+                      <p:childTnLst>
+                        <p:par>
+                          <p:cTn id="18" fill="hold">
+                            <p:stCondLst>
+                              <p:cond delay="0"/>
+                            </p:stCondLst>
+                            <p:childTnLst>
+                              <p:par>
+                                <p:cTn id="19" presetID="42" presetClass="entr" presetSubtype="0" fill="hold" nodeType="clickEffect">
+                                  <p:stCondLst>
+                                    <p:cond delay="0"/>
+                                  </p:stCondLst>
+                                  <p:childTnLst>
+                                    <p:set>
+                                      <p:cBhvr>
+                                        <p:cTn id="20" dur="1" fill="hold">
+                                          <p:stCondLst>
+                                            <p:cond delay="0"/>
+                                          </p:stCondLst>
+                                        </p:cTn>
+                                        <p:tgtEl>
+                                          <p:spTgt spid="8"/>
+                                        </p:tgtEl>
+                                        <p:attrNameLst>
+                                          <p:attrName>style.visibility</p:attrName>
+                                        </p:attrNameLst>
+                                      </p:cBhvr>
+                                      <p:to>
+                                        <p:strVal val="visible"/>
+                                      </p:to>
+                                    </p:set>
+                                    <p:animEffect transition="in" filter="fade">
+                                      <p:cBhvr>
+                                        <p:cTn id="21" dur="1000"/>
+                                        <p:tgtEl>
+                                          <p:spTgt spid="8"/>
+                                        </p:tgtEl>
+                                      </p:cBhvr>
+                                    </p:animEffect>
+                                    <p:anim calcmode="lin" valueType="num">
+                                      <p:cBhvr>
+                                        <p:cTn id="22" dur="1000" fill="hold"/>
+                                        <p:tgtEl>
+                                          <p:spTgt spid="8"/>
+                                        </p:tgtEl>
+                                        <p:attrNameLst>
+                                          <p:attrName>ppt_x</p:attrName>
+                                        </p:attrNameLst>
+                                      </p:cBhvr>
+                                      <p:tavLst>
+                                        <p:tav tm="0">
+                                          <p:val>
+                                            <p:strVal val="#ppt_x"/>
+                                          </p:val>
+                                        </p:tav>
+                                        <p:tav tm="100000">
+                                          <p:val>
+                                            <p:strVal val="#ppt_x"/>
+                                          </p:val>
+                                        </p:tav>
+                                      </p:tavLst>
+                                    </p:anim>
+                                    <p:anim calcmode="lin" valueType="num">
+                                      <p:cBhvr>
+                                        <p:cTn id="23" dur="1000" fill="hold"/>
+                                        <p:tgtEl>
+                                          <p:spTgt spid="8"/>
+                                        </p:tgtEl>
+                                        <p:attrNameLst>
+                                          <p:attrName>ppt_y</p:attrName>
+                                        </p:attrNameLst>
+                                      </p:cBhvr>
+                                      <p:tavLst>
+                                        <p:tav tm="0">
+                                          <p:val>
+                                            <p:strVal val="#ppt_y+.1"/>
+                                          </p:val>
+                                        </p:tav>
+                                        <p:tav tm="100000">
+                                          <p:val>
+                                            <p:strVal val="#ppt_y"/>
+                                          </p:val>
+                                        </p:tav>
+                                      </p:tavLst>
+                                    </p:anim>
+                                  </p:childTnLst>
+                                </p:cTn>
+                              </p:par>
+                            </p:childTnLst>
+                          </p:cTn>
+                        </p:par>
+                      </p:childTnLst>
+                    </p:cTn>
+                  </p:par>
+                </p:childTnLst>
+              </p:cTn>
+              <p:prevCondLst>
+                <p:cond evt="onPrev" delay="0">
+                  <p:tgtEl>
+                    <p:sldTgt/>
+                  </p:tgtEl>
+                </p:cond>
+              </p:prevCondLst>
+              <p:nextCondLst>
+                <p:cond evt="onNext" delay="0">
+                  <p:tgtEl>
+                    <p:sldTgt/>
+                  </p:tgtEl>
+                </p:cond>
+              </p:nextCondLst>
+            </p:seq>
+          </p:childTnLst>
+        </p:cTn>
+      </p:par>
+    </p:tnLst>
+  </p:timing>
+</p:sld>
+</file>
+
+<file path=ppt/slides/slide7.xml><?xml version="1.0" encoding="utf-8"?>
+<p:sld xmlns:a="http://schemas.openxmlformats.org/drawingml/2006/main" xmlns:r="http://schemas.openxmlformats.org/officeDocument/2006/relationships" xmlns:p="http://schemas.openxmlformats.org/presentationml/2006/main">
+  <p:cSld>
+    <p:spTree>
+      <p:nvGrpSpPr>
+        <p:cNvPr id="1" name=""/>
+        <p:cNvGrpSpPr/>
+        <p:nvPr/>
+      </p:nvGrpSpPr>
+      <p:grpSpPr>
+        <a:xfrm>
+          <a:off x="0" y="0"/>
+          <a:ext cx="0" cy="0"/>
+          <a:chOff x="0" y="0"/>
+          <a:chExt cx="0" cy="0"/>
+        </a:xfrm>
+      </p:grpSpPr>
+      <p:sp>
+        <p:nvSpPr>
+          <p:cNvPr id="2" name="Cím 1">
+            <a:extLst>
+              <a:ext uri="{FF2B5EF4-FFF2-40B4-BE49-F238E27FC236}">
+                <a16:creationId xmlns:a16="http://schemas.microsoft.com/office/drawing/2014/main" id="{3D733B70-A9F9-4E02-B5CC-6FADCEF72A64}"/>
+              </a:ext>
+            </a:extLst>
+          </p:cNvPr>
+          <p:cNvSpPr>
+            <a:spLocks noGrp="1"/>
+          </p:cNvSpPr>
+          <p:nvPr>
+            <p:ph type="ctrTitle"/>
+          </p:nvPr>
+        </p:nvSpPr>
+        <p:spPr>
+          <a:xfrm>
+            <a:off x="1744939" y="1918362"/>
+            <a:ext cx="10447061" cy="2421464"/>
+          </a:xfrm>
+        </p:spPr>
+        <p:txBody>
+          <a:bodyPr>
+            <a:normAutofit fontScale="90000"/>
+          </a:bodyPr>
+          <a:lstStyle/>
+          <a:p>
+            <a:r>
+              <a:rPr lang="hu-HU" sz="8000" b="1" dirty="0">
+                <a:effectLst>
+                  <a:outerShdw blurRad="38100" dist="38100" dir="2700000" algn="tl">
+                    <a:srgbClr val="000000">
+                      <a:alpha val="43137"/>
+                    </a:srgbClr>
+                  </a:outerShdw>
+                </a:effectLst>
+              </a:rPr>
+              <a:t>Köszönöm a figyelmet!</a:t>
+            </a:r>
+          </a:p>
+        </p:txBody>
+      </p:sp>
+      <p:sp>
+        <p:nvSpPr>
+          <p:cNvPr id="3" name="Alcím 2">
+            <a:extLst>
+              <a:ext uri="{FF2B5EF4-FFF2-40B4-BE49-F238E27FC236}">
+                <a16:creationId xmlns:a16="http://schemas.microsoft.com/office/drawing/2014/main" id="{FB40609F-A849-4E08-9C5E-E1775F46B6BF}"/>
+              </a:ext>
+            </a:extLst>
+          </p:cNvPr>
+          <p:cNvSpPr>
+            <a:spLocks noGrp="1"/>
+          </p:cNvSpPr>
+          <p:nvPr>
+            <p:ph type="subTitle" idx="1"/>
+          </p:nvPr>
+        </p:nvSpPr>
+        <p:spPr/>
+        <p:txBody>
+          <a:bodyPr/>
+          <a:lstStyle/>
+          <a:p>
+            <a:r>
+              <a:rPr lang="hu-HU" dirty="0"/>
+              <a:t> </a:t>
+            </a:r>
+          </a:p>
+        </p:txBody>
+      </p:sp>
+    </p:spTree>
+    <p:extLst>
+      <p:ext uri="{BB962C8B-B14F-4D97-AF65-F5344CB8AC3E}">
+        <p14:creationId xmlns:p14="http://schemas.microsoft.com/office/powerpoint/2010/main" val="3984854648"/>
+      </p:ext>
+    </p:extLst>
+  </p:cSld>
+  <p:clrMapOvr>
+    <a:masterClrMapping/>
+  </p:clrMapOvr>
+  <mc:AlternateContent xmlns:mc="http://schemas.openxmlformats.org/markup-compatibility/2006">
+    <mc:Choice xmlns:p14="http://schemas.microsoft.com/office/powerpoint/2010/main" Requires="p14">
+      <p:transition spd="slow" p14:dur="4000">
+        <p14:vortex dir="r"/>
+      </p:transition>
+    </mc:Choice>
+    <mc:Fallback>
+      <p:transition spd="slow">
+        <p:fade/>
+      </p:transition>
+    </mc:Fallback>
+  </mc:AlternateContent>
 </p:sld>
 </file>
 
@@ -11119,6 +11812,15 @@
 </file>
 
 <file path=customXml/item2.xml><?xml version="1.0" encoding="utf-8"?>
+<?mso-contentType ?>
+<FormTemplates xmlns="http://schemas.microsoft.com/sharepoint/v3/contenttype/forms">
+  <Display>DocumentLibraryForm</Display>
+  <Edit>DocumentLibraryForm</Edit>
+  <New>DocumentLibraryForm</New>
+</FormTemplates>
+</file>
+
+<file path=customXml/item3.xml><?xml version="1.0" encoding="utf-8"?>
 <ct:contentTypeSchema xmlns:ct="http://schemas.microsoft.com/office/2006/metadata/contentType" xmlns:ma="http://schemas.microsoft.com/office/2006/metadata/properties/metaAttributes" ct:_="" ma:_="" ma:contentTypeName="Document" ma:contentTypeID="0x01010079F111ED35F8CC479449609E8A0923A6" ma:contentTypeVersion="11" ma:contentTypeDescription="Create a new document." ma:contentTypeScope="" ma:versionID="9677210f24a1be23c92c90fd886aa0aa">
   <xsd:schema xmlns:xsd="http://www.w3.org/2001/XMLSchema" xmlns:xs="http://www.w3.org/2001/XMLSchema" xmlns:p="http://schemas.microsoft.com/office/2006/metadata/properties" xmlns:ns2="71af3243-3dd4-4a8d-8c0d-dd76da1f02a5" xmlns:ns3="16c05727-aa75-4e4a-9b5f-8a80a1165891" targetNamespace="http://schemas.microsoft.com/office/2006/metadata/properties" ma:root="true" ma:fieldsID="60e05723c5c1908df1a1a4ebf11d344e" ns2:_="" ns3:_="">
     <xsd:import namespace="71af3243-3dd4-4a8d-8c0d-dd76da1f02a5"/>
@@ -11329,15 +12031,6 @@
 </ct:contentTypeSchema>
 </file>
 
-<file path=customXml/item3.xml><?xml version="1.0" encoding="utf-8"?>
-<?mso-contentType ?>
-<FormTemplates xmlns="http://schemas.microsoft.com/sharepoint/v3/contenttype/forms">
-  <Display>DocumentLibraryForm</Display>
-  <Edit>DocumentLibraryForm</Edit>
-  <New>DocumentLibraryForm</New>
-</FormTemplates>
-</file>
-
 <file path=customXml/itemProps1.xml><?xml version="1.0" encoding="utf-8"?>
 <ds:datastoreItem xmlns:ds="http://schemas.openxmlformats.org/officeDocument/2006/customXml" ds:itemID="{B26D5668-1971-40BB-BC7C-94C9B101AAB7}">
   <ds:schemaRefs>
@@ -11349,6 +12042,14 @@
 </file>
 
 <file path=customXml/itemProps2.xml><?xml version="1.0" encoding="utf-8"?>
+<ds:datastoreItem xmlns:ds="http://schemas.openxmlformats.org/officeDocument/2006/customXml" ds:itemID="{FE57094B-4684-420B-AFE0-4E41CA2AF714}">
+  <ds:schemaRefs>
+    <ds:schemaRef ds:uri="http://schemas.microsoft.com/sharepoint/v3/contenttype/forms"/>
+  </ds:schemaRefs>
+</ds:datastoreItem>
+</file>
+
+<file path=customXml/itemProps3.xml><?xml version="1.0" encoding="utf-8"?>
 <ds:datastoreItem xmlns:ds="http://schemas.openxmlformats.org/officeDocument/2006/customXml" ds:itemID="{3370F4A1-FC59-4361-989F-6C79533DA565}">
   <ds:schemaRefs>
     <ds:schemaRef ds:uri="http://schemas.microsoft.com/office/2006/metadata/contentType"/>
@@ -11365,12 +12066,4 @@
     <ds:schemaRef ds:uri="http://schemas.microsoft.com/internal/obd"/>
   </ds:schemaRefs>
 </ds:datastoreItem>
-</file>
-
-<file path=customXml/itemProps3.xml><?xml version="1.0" encoding="utf-8"?>
-<ds:datastoreItem xmlns:ds="http://schemas.openxmlformats.org/officeDocument/2006/customXml" ds:itemID="{FE57094B-4684-420B-AFE0-4E41CA2AF714}">
-  <ds:schemaRefs>
-    <ds:schemaRef ds:uri="http://schemas.microsoft.com/sharepoint/v3/contenttype/forms"/>
-  </ds:schemaRefs>
-</ds:datastoreItem>
 </file>
--- a/Presentation.pptx
+++ b/Presentation.pptx
@@ -5,10 +5,10 @@
     <p:sldMasterId id="2147483648" r:id="rId4"/>
   </p:sldMasterIdLst>
   <p:notesMasterIdLst>
-    <p:notesMasterId r:id="rId12"/>
+    <p:notesMasterId r:id="rId13"/>
   </p:notesMasterIdLst>
   <p:handoutMasterIdLst>
-    <p:handoutMasterId r:id="rId13"/>
+    <p:handoutMasterId r:id="rId14"/>
   </p:handoutMasterIdLst>
   <p:sldIdLst>
     <p:sldId id="277" r:id="rId5"/>
@@ -17,7 +17,8 @@
     <p:sldId id="280" r:id="rId8"/>
     <p:sldId id="281" r:id="rId9"/>
     <p:sldId id="282" r:id="rId10"/>
-    <p:sldId id="283" r:id="rId11"/>
+    <p:sldId id="284" r:id="rId11"/>
+    <p:sldId id="283" r:id="rId12"/>
   </p:sldIdLst>
   <p:sldSz cx="12192000" cy="6858000"/>
   <p:notesSz cx="6858000" cy="9144000"/>
@@ -813,6 +814,422 @@
     <p:extLst>
       <p:ext uri="{BB962C8B-B14F-4D97-AF65-F5344CB8AC3E}">
         <p14:creationId xmlns:p14="http://schemas.microsoft.com/office/powerpoint/2010/main" val="3250634386"/>
+      </p:ext>
+    </p:extLst>
+  </p:cSld>
+  <p:clrMapOvr>
+    <a:masterClrMapping/>
+  </p:clrMapOvr>
+</p:notes>
+</file>
+
+<file path=ppt/notesSlides/notesSlide3.xml><?xml version="1.0" encoding="utf-8"?>
+<p:notes xmlns:a="http://schemas.openxmlformats.org/drawingml/2006/main" xmlns:r="http://schemas.openxmlformats.org/officeDocument/2006/relationships" xmlns:p="http://schemas.openxmlformats.org/presentationml/2006/main">
+  <p:cSld>
+    <p:spTree>
+      <p:nvGrpSpPr>
+        <p:cNvPr id="1" name=""/>
+        <p:cNvGrpSpPr/>
+        <p:nvPr/>
+      </p:nvGrpSpPr>
+      <p:grpSpPr>
+        <a:xfrm>
+          <a:off x="0" y="0"/>
+          <a:ext cx="0" cy="0"/>
+          <a:chOff x="0" y="0"/>
+          <a:chExt cx="0" cy="0"/>
+        </a:xfrm>
+      </p:grpSpPr>
+      <p:sp>
+        <p:nvSpPr>
+          <p:cNvPr id="2" name="Diakép helye 1"/>
+          <p:cNvSpPr>
+            <a:spLocks noGrp="1" noRot="1" noChangeAspect="1"/>
+          </p:cNvSpPr>
+          <p:nvPr>
+            <p:ph type="sldImg"/>
+          </p:nvPr>
+        </p:nvSpPr>
+        <p:spPr/>
+      </p:sp>
+      <p:sp>
+        <p:nvSpPr>
+          <p:cNvPr id="3" name="Jegyzetek helye 2"/>
+          <p:cNvSpPr>
+            <a:spLocks noGrp="1"/>
+          </p:cNvSpPr>
+          <p:nvPr>
+            <p:ph type="body" idx="1"/>
+          </p:nvPr>
+        </p:nvSpPr>
+        <p:spPr/>
+        <p:txBody>
+          <a:bodyPr/>
+          <a:lstStyle/>
+          <a:p>
+            <a:pPr marL="285750" indent="-285750">
+              <a:buFont typeface="Arial" panose="020B0604020202020204" pitchFamily="34" charset="0"/>
+              <a:buChar char="•"/>
+            </a:pPr>
+            <a:r>
+              <a:rPr lang="hu-HU" dirty="0"/>
+              <a:t>Ez egy olyan webalkalmazás ami egy autó-alkatrész bolt webáruházát szimulálja </a:t>
+            </a:r>
+            <a:r>
+              <a:rPr lang="hu-HU" dirty="0">
+                <a:solidFill>
+                  <a:srgbClr val="00B0F0"/>
+                </a:solidFill>
+              </a:rPr>
+              <a:t>felhasználói</a:t>
+            </a:r>
+            <a:r>
+              <a:rPr lang="hu-HU" dirty="0"/>
+              <a:t> és </a:t>
+            </a:r>
+            <a:r>
+              <a:rPr lang="hu-HU" dirty="0">
+                <a:solidFill>
+                  <a:srgbClr val="00B0F0"/>
+                </a:solidFill>
+              </a:rPr>
+              <a:t>fejlesztői</a:t>
+            </a:r>
+            <a:r>
+              <a:rPr lang="hu-HU" dirty="0"/>
+              <a:t> szempontból is.</a:t>
+            </a:r>
+          </a:p>
+          <a:p>
+            <a:pPr marL="285750" indent="-285750">
+              <a:buFont typeface="Arial" panose="020B0604020202020204" pitchFamily="34" charset="0"/>
+              <a:buChar char="•"/>
+            </a:pPr>
+            <a:endParaRPr lang="hu-HU" dirty="0"/>
+          </a:p>
+          <a:p>
+            <a:pPr marL="285750" marR="0" lvl="0" indent="-285750" algn="l" defTabSz="914400" rtl="0" eaLnBrk="1" fontAlgn="auto" latinLnBrk="0" hangingPunct="1">
+              <a:lnSpc>
+                <a:spcPct val="100000"/>
+              </a:lnSpc>
+              <a:spcBef>
+                <a:spcPts val="0"/>
+              </a:spcBef>
+              <a:spcAft>
+                <a:spcPts val="0"/>
+              </a:spcAft>
+              <a:buClrTx/>
+              <a:buSzTx/>
+              <a:buFont typeface="Arial" panose="020B0604020202020204" pitchFamily="34" charset="0"/>
+              <a:buChar char="•"/>
+              <a:tabLst/>
+              <a:defRPr/>
+            </a:pPr>
+            <a:r>
+              <a:rPr lang="hu-HU" dirty="0"/>
+              <a:t>Minden olyan dolgot lehet rajta végezni mint egy rendes webáruházon: a </a:t>
+            </a:r>
+            <a:r>
+              <a:rPr lang="hu-HU" dirty="0">
+                <a:solidFill>
+                  <a:srgbClr val="00B0F0"/>
+                </a:solidFill>
+              </a:rPr>
+              <a:t>felhasználó</a:t>
+            </a:r>
+            <a:r>
+              <a:rPr lang="hu-HU" dirty="0"/>
+              <a:t> szemszögéből</a:t>
+            </a:r>
+          </a:p>
+          <a:p>
+            <a:pPr marL="742950" lvl="1" indent="-285750">
+              <a:buFont typeface="Arial" panose="020B0604020202020204" pitchFamily="34" charset="0"/>
+              <a:buChar char="•"/>
+            </a:pPr>
+            <a:r>
+              <a:rPr lang="hu-HU" dirty="0"/>
+              <a:t>Bejelentkezés felület</a:t>
+            </a:r>
+          </a:p>
+          <a:p>
+            <a:pPr marL="742950" lvl="1" indent="-285750">
+              <a:buFont typeface="Arial" panose="020B0604020202020204" pitchFamily="34" charset="0"/>
+              <a:buChar char="•"/>
+            </a:pPr>
+            <a:r>
+              <a:rPr lang="hu-HU" dirty="0" err="1"/>
+              <a:t>About</a:t>
+            </a:r>
+            <a:r>
+              <a:rPr lang="hu-HU" dirty="0"/>
+              <a:t>/GYIK oldal</a:t>
+            </a:r>
+          </a:p>
+          <a:p>
+            <a:pPr marL="742950" lvl="1" indent="-285750">
+              <a:buFont typeface="Arial" panose="020B0604020202020204" pitchFamily="34" charset="0"/>
+              <a:buChar char="•"/>
+            </a:pPr>
+            <a:r>
+              <a:rPr lang="hu-HU" dirty="0"/>
+              <a:t>Áruk megtekintése, kosárba rakás</a:t>
+            </a:r>
+          </a:p>
+          <a:p>
+            <a:pPr marL="742950" lvl="1" indent="-285750">
+              <a:buFont typeface="Arial" panose="020B0604020202020204" pitchFamily="34" charset="0"/>
+              <a:buChar char="•"/>
+            </a:pPr>
+            <a:r>
+              <a:rPr lang="hu-HU" dirty="0"/>
+              <a:t>Rendelés szimulálás</a:t>
+            </a:r>
+          </a:p>
+          <a:p>
+            <a:pPr marL="742950" lvl="1" indent="-285750">
+              <a:buFont typeface="Arial" panose="020B0604020202020204" pitchFamily="34" charset="0"/>
+              <a:buChar char="•"/>
+            </a:pPr>
+            <a:endParaRPr lang="hu-HU" dirty="0"/>
+          </a:p>
+          <a:p>
+            <a:pPr marL="285750" marR="0" lvl="0" indent="-285750" algn="l" defTabSz="914400" rtl="0" eaLnBrk="1" fontAlgn="auto" latinLnBrk="0" hangingPunct="1">
+              <a:lnSpc>
+                <a:spcPct val="100000"/>
+              </a:lnSpc>
+              <a:spcBef>
+                <a:spcPts val="0"/>
+              </a:spcBef>
+              <a:spcAft>
+                <a:spcPts val="0"/>
+              </a:spcAft>
+              <a:buClrTx/>
+              <a:buSzTx/>
+              <a:buFont typeface="Arial" panose="020B0604020202020204" pitchFamily="34" charset="0"/>
+              <a:buChar char="•"/>
+              <a:tabLst/>
+              <a:defRPr/>
+            </a:pPr>
+            <a:r>
+              <a:rPr lang="hu-HU" dirty="0"/>
+              <a:t>A </a:t>
+            </a:r>
+            <a:r>
+              <a:rPr lang="hu-HU" dirty="0">
+                <a:solidFill>
+                  <a:srgbClr val="00B0F0"/>
+                </a:solidFill>
+              </a:rPr>
+              <a:t>fejlesztők</a:t>
+            </a:r>
+            <a:r>
+              <a:rPr lang="hu-HU" dirty="0"/>
+              <a:t> képesek az árukat kezelni</a:t>
+            </a:r>
+          </a:p>
+          <a:p>
+            <a:pPr marL="742950" lvl="1" indent="-285750">
+              <a:buFont typeface="Arial" panose="020B0604020202020204" pitchFamily="34" charset="0"/>
+              <a:buChar char="•"/>
+            </a:pPr>
+            <a:r>
+              <a:rPr lang="hu-HU" dirty="0"/>
+              <a:t>Új áru felvétele</a:t>
+            </a:r>
+          </a:p>
+          <a:p>
+            <a:pPr marL="742950" lvl="1" indent="-285750">
+              <a:buFont typeface="Arial" panose="020B0604020202020204" pitchFamily="34" charset="0"/>
+              <a:buChar char="•"/>
+            </a:pPr>
+            <a:r>
+              <a:rPr lang="hu-HU" dirty="0"/>
+              <a:t>Áru módosítása</a:t>
+            </a:r>
+          </a:p>
+          <a:p>
+            <a:pPr marL="742950" lvl="1" indent="-285750">
+              <a:buFont typeface="Arial" panose="020B0604020202020204" pitchFamily="34" charset="0"/>
+              <a:buChar char="•"/>
+            </a:pPr>
+            <a:r>
+              <a:rPr lang="hu-HU" dirty="0"/>
+              <a:t>Áru törlése</a:t>
+            </a:r>
+          </a:p>
+          <a:p>
+            <a:pPr marL="285750" marR="0" lvl="0" indent="-285750" algn="l" defTabSz="914400" rtl="0" eaLnBrk="1" fontAlgn="auto" latinLnBrk="0" hangingPunct="1">
+              <a:lnSpc>
+                <a:spcPct val="100000"/>
+              </a:lnSpc>
+              <a:spcBef>
+                <a:spcPts val="0"/>
+              </a:spcBef>
+              <a:spcAft>
+                <a:spcPts val="0"/>
+              </a:spcAft>
+              <a:buClrTx/>
+              <a:buSzTx/>
+              <a:buFont typeface="Arial" panose="020B0604020202020204" pitchFamily="34" charset="0"/>
+              <a:buChar char="•"/>
+              <a:tabLst/>
+              <a:defRPr/>
+            </a:pPr>
+            <a:endParaRPr lang="hu-HU" dirty="0"/>
+          </a:p>
+          <a:p>
+            <a:pPr marL="742950" lvl="1" indent="-285750">
+              <a:buFont typeface="Arial" panose="020B0604020202020204" pitchFamily="34" charset="0"/>
+              <a:buChar char="•"/>
+            </a:pPr>
+            <a:endParaRPr lang="hu-HU" dirty="0"/>
+          </a:p>
+          <a:p>
+            <a:pPr marL="285750" marR="0" lvl="0" indent="-285750" algn="l" defTabSz="914400" rtl="0" eaLnBrk="1" fontAlgn="auto" latinLnBrk="0" hangingPunct="1">
+              <a:lnSpc>
+                <a:spcPct val="100000"/>
+              </a:lnSpc>
+              <a:spcBef>
+                <a:spcPts val="0"/>
+              </a:spcBef>
+              <a:spcAft>
+                <a:spcPts val="0"/>
+              </a:spcAft>
+              <a:buClrTx/>
+              <a:buSzTx/>
+              <a:buFont typeface="Arial" panose="020B0604020202020204" pitchFamily="34" charset="0"/>
+              <a:buChar char="•"/>
+              <a:tabLst/>
+              <a:defRPr/>
+            </a:pPr>
+            <a:endParaRPr lang="hu-HU" dirty="0"/>
+          </a:p>
+          <a:p>
+            <a:pPr marL="285750" indent="-285750">
+              <a:buFont typeface="Arial" panose="020B0604020202020204" pitchFamily="34" charset="0"/>
+              <a:buChar char="•"/>
+            </a:pPr>
+            <a:endParaRPr lang="hu-HU" dirty="0"/>
+          </a:p>
+          <a:p>
+            <a:endParaRPr lang="hu-HU" dirty="0"/>
+          </a:p>
+        </p:txBody>
+      </p:sp>
+      <p:sp>
+        <p:nvSpPr>
+          <p:cNvPr id="4" name="Dia számának helye 3"/>
+          <p:cNvSpPr>
+            <a:spLocks noGrp="1"/>
+          </p:cNvSpPr>
+          <p:nvPr>
+            <p:ph type="sldNum" sz="quarter" idx="5"/>
+          </p:nvPr>
+        </p:nvSpPr>
+        <p:spPr/>
+        <p:txBody>
+          <a:bodyPr/>
+          <a:lstStyle/>
+          <a:p>
+            <a:pPr rtl="0"/>
+            <a:fld id="{9946CEE3-4835-4F73-BA0B-02C09C038718}" type="slidenum">
+              <a:rPr lang="en-US" noProof="0" smtClean="0"/>
+              <a:t>3</a:t>
+            </a:fld>
+            <a:endParaRPr lang="en-US" noProof="0" dirty="0"/>
+          </a:p>
+        </p:txBody>
+      </p:sp>
+    </p:spTree>
+    <p:extLst>
+      <p:ext uri="{BB962C8B-B14F-4D97-AF65-F5344CB8AC3E}">
+        <p14:creationId xmlns:p14="http://schemas.microsoft.com/office/powerpoint/2010/main" val="3386444131"/>
+      </p:ext>
+    </p:extLst>
+  </p:cSld>
+  <p:clrMapOvr>
+    <a:masterClrMapping/>
+  </p:clrMapOvr>
+</p:notes>
+</file>
+
+<file path=ppt/notesSlides/notesSlide4.xml><?xml version="1.0" encoding="utf-8"?>
+<p:notes xmlns:a="http://schemas.openxmlformats.org/drawingml/2006/main" xmlns:r="http://schemas.openxmlformats.org/officeDocument/2006/relationships" xmlns:p="http://schemas.openxmlformats.org/presentationml/2006/main">
+  <p:cSld>
+    <p:spTree>
+      <p:nvGrpSpPr>
+        <p:cNvPr id="1" name=""/>
+        <p:cNvGrpSpPr/>
+        <p:nvPr/>
+      </p:nvGrpSpPr>
+      <p:grpSpPr>
+        <a:xfrm>
+          <a:off x="0" y="0"/>
+          <a:ext cx="0" cy="0"/>
+          <a:chOff x="0" y="0"/>
+          <a:chExt cx="0" cy="0"/>
+        </a:xfrm>
+      </p:grpSpPr>
+      <p:sp>
+        <p:nvSpPr>
+          <p:cNvPr id="2" name="Diakép helye 1"/>
+          <p:cNvSpPr>
+            <a:spLocks noGrp="1" noRot="1" noChangeAspect="1"/>
+          </p:cNvSpPr>
+          <p:nvPr>
+            <p:ph type="sldImg"/>
+          </p:nvPr>
+        </p:nvSpPr>
+        <p:spPr/>
+      </p:sp>
+      <p:sp>
+        <p:nvSpPr>
+          <p:cNvPr id="3" name="Jegyzetek helye 2"/>
+          <p:cNvSpPr>
+            <a:spLocks noGrp="1"/>
+          </p:cNvSpPr>
+          <p:nvPr>
+            <p:ph type="body" idx="1"/>
+          </p:nvPr>
+        </p:nvSpPr>
+        <p:spPr/>
+        <p:txBody>
+          <a:bodyPr/>
+          <a:lstStyle/>
+          <a:p>
+            <a:endParaRPr lang="hu-HU" dirty="0"/>
+          </a:p>
+        </p:txBody>
+      </p:sp>
+      <p:sp>
+        <p:nvSpPr>
+          <p:cNvPr id="4" name="Dia számának helye 3"/>
+          <p:cNvSpPr>
+            <a:spLocks noGrp="1"/>
+          </p:cNvSpPr>
+          <p:nvPr>
+            <p:ph type="sldNum" sz="quarter" idx="5"/>
+          </p:nvPr>
+        </p:nvSpPr>
+        <p:spPr/>
+        <p:txBody>
+          <a:bodyPr/>
+          <a:lstStyle/>
+          <a:p>
+            <a:pPr rtl="0"/>
+            <a:fld id="{9946CEE3-4835-4F73-BA0B-02C09C038718}" type="slidenum">
+              <a:rPr lang="en-US" noProof="0" smtClean="0"/>
+              <a:t>4</a:t>
+            </a:fld>
+            <a:endParaRPr lang="en-US" noProof="0" dirty="0"/>
+          </a:p>
+        </p:txBody>
+      </p:sp>
+    </p:spTree>
+    <p:extLst>
+      <p:ext uri="{BB962C8B-B14F-4D97-AF65-F5344CB8AC3E}">
+        <p14:creationId xmlns:p14="http://schemas.microsoft.com/office/powerpoint/2010/main" val="413790069"/>
       </p:ext>
     </p:extLst>
   </p:cSld>
@@ -6734,14 +7151,14 @@
   <p:clrMapOvr>
     <a:overrideClrMapping bg1="dk1" tx1="lt1" bg2="dk2" tx2="lt2" accent1="accent1" accent2="accent2" accent3="accent3" accent4="accent4" accent5="accent5" accent6="accent6" hlink="hlink" folHlink="folHlink"/>
   </p:clrMapOvr>
-  <mc:AlternateContent xmlns:mc="http://schemas.openxmlformats.org/markup-compatibility/2006" xmlns:p14="http://schemas.microsoft.com/office/powerpoint/2010/main">
-    <mc:Choice Requires="p14">
-      <p:transition spd="slow" p14:dur="800">
-        <p14:flythrough/>
+  <mc:AlternateContent xmlns:mc="http://schemas.openxmlformats.org/markup-compatibility/2006">
+    <mc:Choice xmlns:p14="http://schemas.microsoft.com/office/powerpoint/2010/main" Requires="p14">
+      <p:transition spd="med" p14:dur="700">
+        <p:fade/>
       </p:transition>
     </mc:Choice>
-    <mc:Fallback xmlns="">
-      <p:transition spd="slow">
+    <mc:Fallback>
+      <p:transition spd="med">
         <p:fade/>
       </p:transition>
     </mc:Fallback>
@@ -7187,18 +7604,9 @@
   <p:clrMapOvr>
     <a:overrideClrMapping bg1="dk1" tx1="lt1" bg2="dk2" tx2="lt2" accent1="accent1" accent2="accent2" accent3="accent3" accent4="accent4" accent5="accent5" accent6="accent6" hlink="hlink" folHlink="folHlink"/>
   </p:clrMapOvr>
-  <mc:AlternateContent xmlns:mc="http://schemas.openxmlformats.org/markup-compatibility/2006" xmlns:p14="http://schemas.microsoft.com/office/powerpoint/2010/main">
-    <mc:Choice Requires="p14">
-      <p:transition spd="slow" p14:dur="900">
-        <p14:warp dir="in"/>
-      </p:transition>
-    </mc:Choice>
-    <mc:Fallback xmlns="">
-      <p:transition spd="slow">
-        <p:fade/>
-      </p:transition>
-    </mc:Fallback>
-  </mc:AlternateContent>
+  <p:transition spd="slow">
+    <p:push dir="u"/>
+  </p:transition>
   <p:timing>
     <p:tnLst>
       <p:par>
@@ -8458,7 +8866,7 @@
           <p:nvPr/>
         </p:nvPicPr>
         <p:blipFill>
-          <a:blip r:embed="rId2"/>
+          <a:blip r:embed="rId3"/>
           <a:stretch>
             <a:fillRect/>
           </a:stretch>
@@ -8497,18 +8905,9 @@
   <p:clrMapOvr>
     <a:masterClrMapping/>
   </p:clrMapOvr>
-  <mc:AlternateContent xmlns:mc="http://schemas.openxmlformats.org/markup-compatibility/2006" xmlns:p14="http://schemas.microsoft.com/office/powerpoint/2010/main">
-    <mc:Choice Requires="p14">
-      <p:transition spd="slow" p14:dur="900">
-        <p14:warp dir="in"/>
-      </p:transition>
-    </mc:Choice>
-    <mc:Fallback xmlns="">
-      <p:transition spd="slow">
-        <p:fade/>
-      </p:transition>
-    </mc:Fallback>
-  </mc:AlternateContent>
+  <p:transition spd="slow">
+    <p:push dir="u"/>
+  </p:transition>
   <p:timing>
     <p:tnLst>
       <p:par>
@@ -9172,7 +9571,7 @@
           <p:nvPr/>
         </p:nvPicPr>
         <p:blipFill>
-          <a:blip r:embed="rId2"/>
+          <a:blip r:embed="rId3"/>
           <a:stretch>
             <a:fillRect/>
           </a:stretch>
@@ -9258,143 +9657,6 @@
             <a:extLst>
               <a:ext uri="{FF2B5EF4-FFF2-40B4-BE49-F238E27FC236}">
                 <a16:creationId xmlns:a16="http://schemas.microsoft.com/office/drawing/2014/main" id="{9C250A02-88A5-41AF-BD84-CB55D5BBCBCD}"/>
-              </a:ext>
-            </a:extLst>
-          </p:cNvPr>
-          <p:cNvPicPr>
-            <a:picLocks noChangeAspect="1"/>
-          </p:cNvPicPr>
-          <p:nvPr/>
-        </p:nvPicPr>
-        <p:blipFill>
-          <a:blip r:embed="rId3"/>
-          <a:stretch>
-            <a:fillRect/>
-          </a:stretch>
-        </p:blipFill>
-        <p:spPr>
-          <a:xfrm>
-            <a:off x="869972" y="2038279"/>
-            <a:ext cx="1302820" cy="1129111"/>
-          </a:xfrm>
-          <a:prstGeom prst="rect">
-            <a:avLst/>
-          </a:prstGeom>
-        </p:spPr>
-      </p:pic>
-      <p:sp>
-        <p:nvSpPr>
-          <p:cNvPr id="10" name="Szövegdoboz 9">
-            <a:extLst>
-              <a:ext uri="{FF2B5EF4-FFF2-40B4-BE49-F238E27FC236}">
-                <a16:creationId xmlns:a16="http://schemas.microsoft.com/office/drawing/2014/main" id="{71087AB1-9E3F-4D02-94C2-29DDBE302551}"/>
-              </a:ext>
-            </a:extLst>
-          </p:cNvPr>
-          <p:cNvSpPr txBox="1"/>
-          <p:nvPr/>
-        </p:nvSpPr>
-        <p:spPr>
-          <a:xfrm>
-            <a:off x="2659310" y="2341224"/>
-            <a:ext cx="3436690" cy="523220"/>
-          </a:xfrm>
-          <a:prstGeom prst="rect">
-            <a:avLst/>
-          </a:prstGeom>
-          <a:noFill/>
-        </p:spPr>
-        <p:txBody>
-          <a:bodyPr wrap="square" rtlCol="0">
-            <a:spAutoFit/>
-          </a:bodyPr>
-          <a:lstStyle/>
-          <a:p>
-            <a:r>
-              <a:rPr kumimoji="0" lang="hu-HU" sz="2800" b="0" i="0" u="none" strike="noStrike" kern="1200" cap="none" spc="0" normalizeH="0" baseline="0" noProof="0" dirty="0">
-                <a:ln>
-                  <a:noFill/>
-                </a:ln>
-                <a:solidFill>
-                  <a:prstClr val="white"/>
-                </a:solidFill>
-                <a:effectLst/>
-                <a:uLnTx/>
-                <a:uFillTx/>
-                <a:latin typeface="Calibri" panose="020F0502020204030204"/>
-                <a:ea typeface="+mn-ea"/>
-                <a:cs typeface="+mn-cs"/>
-              </a:rPr>
-              <a:t>Kliens </a:t>
-            </a:r>
-            <a:r>
-              <a:rPr kumimoji="0" lang="hu-HU" sz="2800" b="0" i="0" u="none" strike="noStrike" kern="1200" cap="none" spc="0" normalizeH="0" baseline="0" noProof="0" dirty="0">
-                <a:ln>
-                  <a:noFill/>
-                </a:ln>
-                <a:solidFill>
-                  <a:srgbClr val="E2EEFF"/>
-                </a:solidFill>
-                <a:effectLst/>
-                <a:uLnTx/>
-                <a:uFillTx/>
-                <a:latin typeface="Google Sans"/>
-                <a:ea typeface="+mn-ea"/>
-                <a:cs typeface="+mn-cs"/>
-              </a:rPr>
-              <a:t>→</a:t>
-            </a:r>
-            <a:r>
-              <a:rPr kumimoji="0" lang="hu-HU" sz="2800" b="0" i="0" u="none" strike="noStrike" kern="1200" cap="none" spc="0" normalizeH="0" baseline="0" noProof="0" dirty="0">
-                <a:ln>
-                  <a:noFill/>
-                </a:ln>
-                <a:solidFill>
-                  <a:prstClr val="white"/>
-                </a:solidFill>
-                <a:effectLst/>
-                <a:uLnTx/>
-                <a:uFillTx/>
-                <a:latin typeface="Calibri" panose="020F0502020204030204"/>
-                <a:ea typeface="+mn-ea"/>
-                <a:cs typeface="+mn-cs"/>
-              </a:rPr>
-              <a:t>  </a:t>
-            </a:r>
-            <a:r>
-              <a:rPr lang="hu-HU" sz="2800" dirty="0">
-                <a:solidFill>
-                  <a:schemeClr val="accent3">
-                    <a:lumMod val="75000"/>
-                  </a:schemeClr>
-                </a:solidFill>
-                <a:latin typeface="Calibri" panose="020F0502020204030204"/>
-              </a:rPr>
-              <a:t>Vue</a:t>
-            </a:r>
-            <a:r>
-              <a:rPr lang="hu-HU" sz="2800" dirty="0">
-                <a:solidFill>
-                  <a:srgbClr val="00B050"/>
-                </a:solidFill>
-                <a:latin typeface="Calibri" panose="020F0502020204030204"/>
-              </a:rPr>
-              <a:t>Js</a:t>
-            </a:r>
-            <a:endParaRPr lang="hu-HU" dirty="0">
-              <a:solidFill>
-                <a:srgbClr val="00B050"/>
-              </a:solidFill>
-            </a:endParaRPr>
-          </a:p>
-        </p:txBody>
-      </p:sp>
-      <p:pic>
-        <p:nvPicPr>
-          <p:cNvPr id="14" name="Kép 13">
-            <a:extLst>
-              <a:ext uri="{FF2B5EF4-FFF2-40B4-BE49-F238E27FC236}">
-                <a16:creationId xmlns:a16="http://schemas.microsoft.com/office/drawing/2014/main" id="{8D74398B-F3E3-41D6-97C9-AEAECA8754D3}"/>
               </a:ext>
             </a:extLst>
           </p:cNvPr>
@@ -9411,6 +9673,143 @@
         </p:blipFill>
         <p:spPr>
           <a:xfrm>
+            <a:off x="869972" y="2038279"/>
+            <a:ext cx="1302820" cy="1129111"/>
+          </a:xfrm>
+          <a:prstGeom prst="rect">
+            <a:avLst/>
+          </a:prstGeom>
+        </p:spPr>
+      </p:pic>
+      <p:sp>
+        <p:nvSpPr>
+          <p:cNvPr id="10" name="Szövegdoboz 9">
+            <a:extLst>
+              <a:ext uri="{FF2B5EF4-FFF2-40B4-BE49-F238E27FC236}">
+                <a16:creationId xmlns:a16="http://schemas.microsoft.com/office/drawing/2014/main" id="{71087AB1-9E3F-4D02-94C2-29DDBE302551}"/>
+              </a:ext>
+            </a:extLst>
+          </p:cNvPr>
+          <p:cNvSpPr txBox="1"/>
+          <p:nvPr/>
+        </p:nvSpPr>
+        <p:spPr>
+          <a:xfrm>
+            <a:off x="2659310" y="2341224"/>
+            <a:ext cx="3436690" cy="523220"/>
+          </a:xfrm>
+          <a:prstGeom prst="rect">
+            <a:avLst/>
+          </a:prstGeom>
+          <a:noFill/>
+        </p:spPr>
+        <p:txBody>
+          <a:bodyPr wrap="square" rtlCol="0">
+            <a:spAutoFit/>
+          </a:bodyPr>
+          <a:lstStyle/>
+          <a:p>
+            <a:r>
+              <a:rPr kumimoji="0" lang="hu-HU" sz="2800" b="0" i="0" u="none" strike="noStrike" kern="1200" cap="none" spc="0" normalizeH="0" baseline="0" noProof="0" dirty="0">
+                <a:ln>
+                  <a:noFill/>
+                </a:ln>
+                <a:solidFill>
+                  <a:prstClr val="white"/>
+                </a:solidFill>
+                <a:effectLst/>
+                <a:uLnTx/>
+                <a:uFillTx/>
+                <a:latin typeface="Calibri" panose="020F0502020204030204"/>
+                <a:ea typeface="+mn-ea"/>
+                <a:cs typeface="+mn-cs"/>
+              </a:rPr>
+              <a:t>Kliens </a:t>
+            </a:r>
+            <a:r>
+              <a:rPr kumimoji="0" lang="hu-HU" sz="2800" b="0" i="0" u="none" strike="noStrike" kern="1200" cap="none" spc="0" normalizeH="0" baseline="0" noProof="0" dirty="0">
+                <a:ln>
+                  <a:noFill/>
+                </a:ln>
+                <a:solidFill>
+                  <a:srgbClr val="E2EEFF"/>
+                </a:solidFill>
+                <a:effectLst/>
+                <a:uLnTx/>
+                <a:uFillTx/>
+                <a:latin typeface="Google Sans"/>
+                <a:ea typeface="+mn-ea"/>
+                <a:cs typeface="+mn-cs"/>
+              </a:rPr>
+              <a:t>→</a:t>
+            </a:r>
+            <a:r>
+              <a:rPr kumimoji="0" lang="hu-HU" sz="2800" b="0" i="0" u="none" strike="noStrike" kern="1200" cap="none" spc="0" normalizeH="0" baseline="0" noProof="0" dirty="0">
+                <a:ln>
+                  <a:noFill/>
+                </a:ln>
+                <a:solidFill>
+                  <a:prstClr val="white"/>
+                </a:solidFill>
+                <a:effectLst/>
+                <a:uLnTx/>
+                <a:uFillTx/>
+                <a:latin typeface="Calibri" panose="020F0502020204030204"/>
+                <a:ea typeface="+mn-ea"/>
+                <a:cs typeface="+mn-cs"/>
+              </a:rPr>
+              <a:t>  </a:t>
+            </a:r>
+            <a:r>
+              <a:rPr lang="hu-HU" sz="2800" dirty="0">
+                <a:solidFill>
+                  <a:schemeClr val="accent3">
+                    <a:lumMod val="75000"/>
+                  </a:schemeClr>
+                </a:solidFill>
+                <a:latin typeface="Calibri" panose="020F0502020204030204"/>
+              </a:rPr>
+              <a:t>Vue</a:t>
+            </a:r>
+            <a:r>
+              <a:rPr lang="hu-HU" sz="2800" dirty="0">
+                <a:solidFill>
+                  <a:srgbClr val="00B050"/>
+                </a:solidFill>
+                <a:latin typeface="Calibri" panose="020F0502020204030204"/>
+              </a:rPr>
+              <a:t>Js</a:t>
+            </a:r>
+            <a:endParaRPr lang="hu-HU" dirty="0">
+              <a:solidFill>
+                <a:srgbClr val="00B050"/>
+              </a:solidFill>
+            </a:endParaRPr>
+          </a:p>
+        </p:txBody>
+      </p:sp>
+      <p:pic>
+        <p:nvPicPr>
+          <p:cNvPr id="14" name="Kép 13">
+            <a:extLst>
+              <a:ext uri="{FF2B5EF4-FFF2-40B4-BE49-F238E27FC236}">
+                <a16:creationId xmlns:a16="http://schemas.microsoft.com/office/drawing/2014/main" id="{8D74398B-F3E3-41D6-97C9-AEAECA8754D3}"/>
+              </a:ext>
+            </a:extLst>
+          </p:cNvPr>
+          <p:cNvPicPr>
+            <a:picLocks noChangeAspect="1"/>
+          </p:cNvPicPr>
+          <p:nvPr/>
+        </p:nvPicPr>
+        <p:blipFill>
+          <a:blip r:embed="rId5"/>
+          <a:stretch>
+            <a:fillRect/>
+          </a:stretch>
+        </p:blipFill>
+        <p:spPr>
+          <a:xfrm>
             <a:off x="760959" y="3407168"/>
             <a:ext cx="1549765" cy="1549765"/>
           </a:xfrm>
@@ -9508,7 +9907,7 @@
           <p:nvPr/>
         </p:nvPicPr>
         <p:blipFill>
-          <a:blip r:embed="rId5"/>
+          <a:blip r:embed="rId6"/>
           <a:stretch>
             <a:fillRect/>
           </a:stretch>
@@ -9593,18 +9992,9 @@
   <p:clrMapOvr>
     <a:masterClrMapping/>
   </p:clrMapOvr>
-  <mc:AlternateContent xmlns:mc="http://schemas.openxmlformats.org/markup-compatibility/2006" xmlns:p14="http://schemas.microsoft.com/office/powerpoint/2010/main">
-    <mc:Choice Requires="p14">
-      <p:transition spd="med" p14:dur="700">
-        <p:fade/>
-      </p:transition>
-    </mc:Choice>
-    <mc:Fallback xmlns="">
-      <p:transition spd="med">
-        <p:fade/>
-      </p:transition>
-    </mc:Fallback>
-  </mc:AlternateContent>
+  <p:transition spd="slow">
+    <p:push dir="u"/>
+  </p:transition>
   <p:timing>
     <p:tnLst>
       <p:par>
@@ -10365,18 +10755,9 @@
   <p:clrMapOvr>
     <a:masterClrMapping/>
   </p:clrMapOvr>
-  <mc:AlternateContent xmlns:mc="http://schemas.openxmlformats.org/markup-compatibility/2006">
-    <mc:Choice xmlns:p14="http://schemas.microsoft.com/office/powerpoint/2010/main" Requires="p14">
-      <p:transition spd="slow" p14:dur="3400">
-        <p14:reveal/>
-      </p:transition>
-    </mc:Choice>
-    <mc:Fallback>
-      <p:transition spd="slow">
-        <p:fade/>
-      </p:transition>
-    </mc:Fallback>
-  </mc:AlternateContent>
+  <p:transition spd="slow">
+    <p:push dir="u"/>
+  </p:transition>
 </p:sld>
 </file>
 
@@ -10446,39 +10827,10 @@
       <p:pic>
         <p:nvPicPr>
           <p:cNvPr id="4" name="Kép 3">
+            <a:hlinkClick r:id="rId2" action="ppaction://hlinksldjump"/>
             <a:extLst>
               <a:ext uri="{FF2B5EF4-FFF2-40B4-BE49-F238E27FC236}">
                 <a16:creationId xmlns:a16="http://schemas.microsoft.com/office/drawing/2014/main" id="{AE3D5439-3059-4F4A-BEF5-DE976099827F}"/>
-              </a:ext>
-            </a:extLst>
-          </p:cNvPr>
-          <p:cNvPicPr>
-            <a:picLocks noChangeAspect="1"/>
-          </p:cNvPicPr>
-          <p:nvPr/>
-        </p:nvPicPr>
-        <p:blipFill>
-          <a:blip r:embed="rId2"/>
-          <a:stretch>
-            <a:fillRect/>
-          </a:stretch>
-        </p:blipFill>
-        <p:spPr>
-          <a:xfrm>
-            <a:off x="142613" y="843169"/>
-            <a:ext cx="6931201" cy="3168549"/>
-          </a:xfrm>
-          <a:prstGeom prst="rect">
-            <a:avLst/>
-          </a:prstGeom>
-        </p:spPr>
-      </p:pic>
-      <p:pic>
-        <p:nvPicPr>
-          <p:cNvPr id="6" name="Kép 5">
-            <a:extLst>
-              <a:ext uri="{FF2B5EF4-FFF2-40B4-BE49-F238E27FC236}">
-                <a16:creationId xmlns:a16="http://schemas.microsoft.com/office/drawing/2014/main" id="{EEF8D917-41FC-42BB-990E-E744AC18B120}"/>
               </a:ext>
             </a:extLst>
           </p:cNvPr>
@@ -10495,38 +10847,8 @@
         </p:blipFill>
         <p:spPr>
           <a:xfrm>
-            <a:off x="7755506" y="1000422"/>
-            <a:ext cx="4159657" cy="2834276"/>
-          </a:xfrm>
-          <a:prstGeom prst="rect">
-            <a:avLst/>
-          </a:prstGeom>
-        </p:spPr>
-      </p:pic>
-      <p:pic>
-        <p:nvPicPr>
-          <p:cNvPr id="8" name="Kép 7">
-            <a:extLst>
-              <a:ext uri="{FF2B5EF4-FFF2-40B4-BE49-F238E27FC236}">
-                <a16:creationId xmlns:a16="http://schemas.microsoft.com/office/drawing/2014/main" id="{36B9A6BE-CBED-4DD8-A804-56FAD119D995}"/>
-              </a:ext>
-            </a:extLst>
-          </p:cNvPr>
-          <p:cNvPicPr>
-            <a:picLocks noChangeAspect="1"/>
-          </p:cNvPicPr>
-          <p:nvPr/>
-        </p:nvPicPr>
-        <p:blipFill>
-          <a:blip r:embed="rId4"/>
-          <a:stretch>
-            <a:fillRect/>
-          </a:stretch>
-        </p:blipFill>
-        <p:spPr>
-          <a:xfrm>
-            <a:off x="6645034" y="4430556"/>
-            <a:ext cx="5258534" cy="2238687"/>
+            <a:off x="142613" y="843169"/>
+            <a:ext cx="11499701" cy="5257006"/>
           </a:xfrm>
           <a:prstGeom prst="rect">
             <a:avLst/>
@@ -10543,18 +10865,9 @@
   <p:clrMapOvr>
     <a:masterClrMapping/>
   </p:clrMapOvr>
-  <mc:AlternateContent xmlns:mc="http://schemas.openxmlformats.org/markup-compatibility/2006">
-    <mc:Choice xmlns:p14="http://schemas.microsoft.com/office/powerpoint/2010/main" Requires="p14">
-      <p:transition spd="slow" p14:dur="3400">
-        <p14:reveal/>
-      </p:transition>
-    </mc:Choice>
-    <mc:Fallback>
-      <p:transition spd="slow">
-        <p:fade/>
-      </p:transition>
-    </mc:Fallback>
-  </mc:AlternateContent>
+  <p:transition spd="slow">
+    <p:push dir="u"/>
+  </p:transition>
   <p:timing>
     <p:tnLst>
       <p:par>
@@ -10662,27 +10975,197 @@
                       </p:childTnLst>
                     </p:cTn>
                   </p:par>
+                </p:childTnLst>
+              </p:cTn>
+              <p:prevCondLst>
+                <p:cond evt="onPrev" delay="0">
+                  <p:tgtEl>
+                    <p:sldTgt/>
+                  </p:tgtEl>
+                </p:cond>
+              </p:prevCondLst>
+              <p:nextCondLst>
+                <p:cond evt="onNext" delay="0">
+                  <p:tgtEl>
+                    <p:sldTgt/>
+                  </p:tgtEl>
+                </p:cond>
+              </p:nextCondLst>
+            </p:seq>
+          </p:childTnLst>
+        </p:cTn>
+      </p:par>
+    </p:tnLst>
+  </p:timing>
+</p:sld>
+</file>
+
+<file path=ppt/slides/slide7.xml><?xml version="1.0" encoding="utf-8"?>
+<p:sld xmlns:a="http://schemas.openxmlformats.org/drawingml/2006/main" xmlns:r="http://schemas.openxmlformats.org/officeDocument/2006/relationships" xmlns:p="http://schemas.openxmlformats.org/presentationml/2006/main">
+  <p:cSld>
+    <p:spTree>
+      <p:nvGrpSpPr>
+        <p:cNvPr id="1" name=""/>
+        <p:cNvGrpSpPr/>
+        <p:nvPr/>
+      </p:nvGrpSpPr>
+      <p:grpSpPr>
+        <a:xfrm>
+          <a:off x="0" y="0"/>
+          <a:ext cx="0" cy="0"/>
+          <a:chOff x="0" y="0"/>
+          <a:chExt cx="0" cy="0"/>
+        </a:xfrm>
+      </p:grpSpPr>
+      <p:sp>
+        <p:nvSpPr>
+          <p:cNvPr id="2" name="Szövegdoboz 1">
+            <a:extLst>
+              <a:ext uri="{FF2B5EF4-FFF2-40B4-BE49-F238E27FC236}">
+                <a16:creationId xmlns:a16="http://schemas.microsoft.com/office/drawing/2014/main" id="{E1588923-FD3C-41C6-9DF1-120198BD97E9}"/>
+              </a:ext>
+            </a:extLst>
+          </p:cNvPr>
+          <p:cNvSpPr txBox="1"/>
+          <p:nvPr/>
+        </p:nvSpPr>
+        <p:spPr>
+          <a:xfrm>
+            <a:off x="2457974" y="83890"/>
+            <a:ext cx="6174297" cy="646331"/>
+          </a:xfrm>
+          <a:prstGeom prst="rect">
+            <a:avLst/>
+          </a:prstGeom>
+          <a:noFill/>
+        </p:spPr>
+        <p:txBody>
+          <a:bodyPr wrap="square" rtlCol="0">
+            <a:spAutoFit/>
+          </a:bodyPr>
+          <a:lstStyle/>
+          <a:p>
+            <a:r>
+              <a:rPr lang="hu-HU" sz="3600" dirty="0"/>
+              <a:t>Kiemelt kódrész </a:t>
+            </a:r>
+            <a:r>
+              <a:rPr lang="hu-HU" sz="3600" b="0" i="0" dirty="0">
+                <a:solidFill>
+                  <a:srgbClr val="E2EEFF"/>
+                </a:solidFill>
+                <a:effectLst/>
+                <a:latin typeface="Google Sans"/>
+              </a:rPr>
+              <a:t>→ A login mező</a:t>
+            </a:r>
+            <a:endParaRPr lang="hu-HU" sz="3600" dirty="0"/>
+          </a:p>
+        </p:txBody>
+      </p:sp>
+      <p:pic>
+        <p:nvPicPr>
+          <p:cNvPr id="8" name="Kép 7">
+            <a:extLst>
+              <a:ext uri="{FF2B5EF4-FFF2-40B4-BE49-F238E27FC236}">
+                <a16:creationId xmlns:a16="http://schemas.microsoft.com/office/drawing/2014/main" id="{36B9A6BE-CBED-4DD8-A804-56FAD119D995}"/>
+              </a:ext>
+            </a:extLst>
+          </p:cNvPr>
+          <p:cNvPicPr>
+            <a:picLocks noChangeAspect="1"/>
+          </p:cNvPicPr>
+          <p:nvPr/>
+        </p:nvPicPr>
+        <p:blipFill>
+          <a:blip r:embed="rId2"/>
+          <a:stretch>
+            <a:fillRect/>
+          </a:stretch>
+        </p:blipFill>
+        <p:spPr>
+          <a:xfrm>
+            <a:off x="276837" y="730221"/>
+            <a:ext cx="8494486" cy="3616311"/>
+          </a:xfrm>
+          <a:prstGeom prst="rect">
+            <a:avLst/>
+          </a:prstGeom>
+        </p:spPr>
+      </p:pic>
+      <p:pic>
+        <p:nvPicPr>
+          <p:cNvPr id="6" name="Kép 5">
+            <a:hlinkClick r:id="rId3" action="ppaction://hlinksldjump"/>
+            <a:extLst>
+              <a:ext uri="{FF2B5EF4-FFF2-40B4-BE49-F238E27FC236}">
+                <a16:creationId xmlns:a16="http://schemas.microsoft.com/office/drawing/2014/main" id="{EEF8D917-41FC-42BB-990E-E744AC18B120}"/>
+              </a:ext>
+            </a:extLst>
+          </p:cNvPr>
+          <p:cNvPicPr>
+            <a:picLocks noChangeAspect="1"/>
+          </p:cNvPicPr>
+          <p:nvPr/>
+        </p:nvPicPr>
+        <p:blipFill>
+          <a:blip r:embed="rId4"/>
+          <a:stretch>
+            <a:fillRect/>
+          </a:stretch>
+        </p:blipFill>
+        <p:spPr>
+          <a:xfrm>
+            <a:off x="5752041" y="2415864"/>
+            <a:ext cx="6396275" cy="4358246"/>
+          </a:xfrm>
+          <a:prstGeom prst="rect">
+            <a:avLst/>
+          </a:prstGeom>
+        </p:spPr>
+      </p:pic>
+    </p:spTree>
+    <p:extLst>
+      <p:ext uri="{BB962C8B-B14F-4D97-AF65-F5344CB8AC3E}">
+        <p14:creationId xmlns:p14="http://schemas.microsoft.com/office/powerpoint/2010/main" val="980257986"/>
+      </p:ext>
+    </p:extLst>
+  </p:cSld>
+  <p:clrMapOvr>
+    <a:masterClrMapping/>
+  </p:clrMapOvr>
+  <p:transition spd="slow">
+    <p:push dir="u"/>
+  </p:transition>
+  <p:timing>
+    <p:tnLst>
+      <p:par>
+        <p:cTn id="1" dur="indefinite" restart="never" nodeType="tmRoot">
+          <p:childTnLst>
+            <p:seq concurrent="1" nextAc="seek">
+              <p:cTn id="2" dur="indefinite" nodeType="mainSeq">
+                <p:childTnLst>
                   <p:par>
-                    <p:cTn id="10" fill="hold">
+                    <p:cTn id="3" fill="hold">
                       <p:stCondLst>
                         <p:cond delay="indefinite"/>
                       </p:stCondLst>
                       <p:childTnLst>
                         <p:par>
-                          <p:cTn id="11" fill="hold">
+                          <p:cTn id="4" fill="hold">
                             <p:stCondLst>
                               <p:cond delay="0"/>
                             </p:stCondLst>
                             <p:childTnLst>
                               <p:par>
-                                <p:cTn id="12" presetID="42" presetClass="entr" presetSubtype="0" fill="hold" nodeType="clickEffect">
+                                <p:cTn id="5" presetID="42" presetClass="entr" presetSubtype="0" fill="hold" nodeType="clickEffect">
                                   <p:stCondLst>
                                     <p:cond delay="0"/>
                                   </p:stCondLst>
                                   <p:childTnLst>
                                     <p:set>
                                       <p:cBhvr>
-                                        <p:cTn id="13" dur="1" fill="hold">
+                                        <p:cTn id="6" dur="1" fill="hold">
                                           <p:stCondLst>
                                             <p:cond delay="0"/>
                                           </p:stCondLst>
@@ -10700,7 +11183,7 @@
                                     </p:set>
                                     <p:animEffect transition="in" filter="fade">
                                       <p:cBhvr>
-                                        <p:cTn id="14" dur="1000"/>
+                                        <p:cTn id="7" dur="1000"/>
                                         <p:tgtEl>
                                           <p:spTgt spid="6"/>
                                         </p:tgtEl>
@@ -10708,7 +11191,7 @@
                                     </p:animEffect>
                                     <p:anim calcmode="lin" valueType="num">
                                       <p:cBhvr>
-                                        <p:cTn id="15" dur="1000" fill="hold"/>
+                                        <p:cTn id="8" dur="1000" fill="hold"/>
                                         <p:tgtEl>
                                           <p:spTgt spid="6"/>
                                         </p:tgtEl>
@@ -10731,7 +11214,7 @@
                                     </p:anim>
                                     <p:anim calcmode="lin" valueType="num">
                                       <p:cBhvr>
-                                        <p:cTn id="16" dur="1000" fill="hold"/>
+                                        <p:cTn id="9" dur="1000" fill="hold"/>
                                         <p:tgtEl>
                                           <p:spTgt spid="6"/>
                                         </p:tgtEl>
@@ -10762,26 +11245,26 @@
                     </p:cTn>
                   </p:par>
                   <p:par>
-                    <p:cTn id="17" fill="hold">
+                    <p:cTn id="10" fill="hold">
                       <p:stCondLst>
                         <p:cond delay="indefinite"/>
                       </p:stCondLst>
                       <p:childTnLst>
                         <p:par>
-                          <p:cTn id="18" fill="hold">
+                          <p:cTn id="11" fill="hold">
                             <p:stCondLst>
                               <p:cond delay="0"/>
                             </p:stCondLst>
                             <p:childTnLst>
                               <p:par>
-                                <p:cTn id="19" presetID="42" presetClass="entr" presetSubtype="0" fill="hold" nodeType="clickEffect">
+                                <p:cTn id="12" presetID="42" presetClass="entr" presetSubtype="0" fill="hold" nodeType="clickEffect">
                                   <p:stCondLst>
                                     <p:cond delay="0"/>
                                   </p:stCondLst>
                                   <p:childTnLst>
                                     <p:set>
                                       <p:cBhvr>
-                                        <p:cTn id="20" dur="1" fill="hold">
+                                        <p:cTn id="13" dur="1" fill="hold">
                                           <p:stCondLst>
                                             <p:cond delay="0"/>
                                           </p:stCondLst>
@@ -10799,7 +11282,7 @@
                                     </p:set>
                                     <p:animEffect transition="in" filter="fade">
                                       <p:cBhvr>
-                                        <p:cTn id="21" dur="1000"/>
+                                        <p:cTn id="14" dur="1000"/>
                                         <p:tgtEl>
                                           <p:spTgt spid="8"/>
                                         </p:tgtEl>
@@ -10807,7 +11290,7 @@
                                     </p:animEffect>
                                     <p:anim calcmode="lin" valueType="num">
                                       <p:cBhvr>
-                                        <p:cTn id="22" dur="1000" fill="hold"/>
+                                        <p:cTn id="15" dur="1000" fill="hold"/>
                                         <p:tgtEl>
                                           <p:spTgt spid="8"/>
                                         </p:tgtEl>
@@ -10830,7 +11313,7 @@
                                     </p:anim>
                                     <p:anim calcmode="lin" valueType="num">
                                       <p:cBhvr>
-                                        <p:cTn id="23" dur="1000" fill="hold"/>
+                                        <p:cTn id="16" dur="1000" fill="hold"/>
                                         <p:tgtEl>
                                           <p:spTgt spid="8"/>
                                         </p:tgtEl>
@@ -10885,7 +11368,7 @@
 </p:sld>
 </file>
 
-<file path=ppt/slides/slide7.xml><?xml version="1.0" encoding="utf-8"?>
+<file path=ppt/slides/slide8.xml><?xml version="1.0" encoding="utf-8"?>
 <p:sld xmlns:a="http://schemas.openxmlformats.org/drawingml/2006/main" xmlns:r="http://schemas.openxmlformats.org/officeDocument/2006/relationships" xmlns:p="http://schemas.openxmlformats.org/presentationml/2006/main">
   <p:cSld>
     <p:spTree>
@@ -10983,18 +11466,9 @@
   <p:clrMapOvr>
     <a:masterClrMapping/>
   </p:clrMapOvr>
-  <mc:AlternateContent xmlns:mc="http://schemas.openxmlformats.org/markup-compatibility/2006">
-    <mc:Choice xmlns:p14="http://schemas.microsoft.com/office/powerpoint/2010/main" Requires="p14">
-      <p:transition spd="slow" p14:dur="4000">
-        <p14:vortex dir="r"/>
-      </p:transition>
-    </mc:Choice>
-    <mc:Fallback>
-      <p:transition spd="slow">
-        <p:fade/>
-      </p:transition>
-    </mc:Fallback>
-  </mc:AlternateContent>
+  <p:transition spd="slow">
+    <p:push dir="u"/>
+  </p:transition>
 </p:sld>
 </file>
 
@@ -11804,23 +12278,6 @@
 </file>
 
 <file path=customXml/item1.xml><?xml version="1.0" encoding="utf-8"?>
-<p:properties xmlns:p="http://schemas.microsoft.com/office/2006/metadata/properties" xmlns:xsi="http://www.w3.org/2001/XMLSchema-instance" xmlns:pc="http://schemas.microsoft.com/office/infopath/2007/PartnerControls">
-  <documentManagement>
-    <MediaServiceKeyPoints xmlns="71af3243-3dd4-4a8d-8c0d-dd76da1f02a5" xsi:nil="true"/>
-  </documentManagement>
-</p:properties>
-</file>
-
-<file path=customXml/item2.xml><?xml version="1.0" encoding="utf-8"?>
-<?mso-contentType ?>
-<FormTemplates xmlns="http://schemas.microsoft.com/sharepoint/v3/contenttype/forms">
-  <Display>DocumentLibraryForm</Display>
-  <Edit>DocumentLibraryForm</Edit>
-  <New>DocumentLibraryForm</New>
-</FormTemplates>
-</file>
-
-<file path=customXml/item3.xml><?xml version="1.0" encoding="utf-8"?>
 <ct:contentTypeSchema xmlns:ct="http://schemas.microsoft.com/office/2006/metadata/contentType" xmlns:ma="http://schemas.microsoft.com/office/2006/metadata/properties/metaAttributes" ct:_="" ma:_="" ma:contentTypeName="Document" ma:contentTypeID="0x01010079F111ED35F8CC479449609E8A0923A6" ma:contentTypeVersion="11" ma:contentTypeDescription="Create a new document." ma:contentTypeScope="" ma:versionID="9677210f24a1be23c92c90fd886aa0aa">
   <xsd:schema xmlns:xsd="http://www.w3.org/2001/XMLSchema" xmlns:xs="http://www.w3.org/2001/XMLSchema" xmlns:p="http://schemas.microsoft.com/office/2006/metadata/properties" xmlns:ns2="71af3243-3dd4-4a8d-8c0d-dd76da1f02a5" xmlns:ns3="16c05727-aa75-4e4a-9b5f-8a80a1165891" targetNamespace="http://schemas.microsoft.com/office/2006/metadata/properties" ma:root="true" ma:fieldsID="60e05723c5c1908df1a1a4ebf11d344e" ns2:_="" ns3:_="">
     <xsd:import namespace="71af3243-3dd4-4a8d-8c0d-dd76da1f02a5"/>
@@ -12031,25 +12488,24 @@
 </ct:contentTypeSchema>
 </file>
 
-<file path=customXml/itemProps1.xml><?xml version="1.0" encoding="utf-8"?>
-<ds:datastoreItem xmlns:ds="http://schemas.openxmlformats.org/officeDocument/2006/customXml" ds:itemID="{B26D5668-1971-40BB-BC7C-94C9B101AAB7}">
-  <ds:schemaRefs>
-    <ds:schemaRef ds:uri="http://schemas.microsoft.com/office/2006/metadata/properties"/>
-    <ds:schemaRef ds:uri="http://schemas.microsoft.com/office/infopath/2007/PartnerControls"/>
-    <ds:schemaRef ds:uri="71af3243-3dd4-4a8d-8c0d-dd76da1f02a5"/>
-  </ds:schemaRefs>
-</ds:datastoreItem>
+<file path=customXml/item2.xml><?xml version="1.0" encoding="utf-8"?>
+<?mso-contentType ?>
+<FormTemplates xmlns="http://schemas.microsoft.com/sharepoint/v3/contenttype/forms">
+  <Display>DocumentLibraryForm</Display>
+  <Edit>DocumentLibraryForm</Edit>
+  <New>DocumentLibraryForm</New>
+</FormTemplates>
 </file>
 
-<file path=customXml/itemProps2.xml><?xml version="1.0" encoding="utf-8"?>
-<ds:datastoreItem xmlns:ds="http://schemas.openxmlformats.org/officeDocument/2006/customXml" ds:itemID="{FE57094B-4684-420B-AFE0-4E41CA2AF714}">
-  <ds:schemaRefs>
-    <ds:schemaRef ds:uri="http://schemas.microsoft.com/sharepoint/v3/contenttype/forms"/>
-  </ds:schemaRefs>
-</ds:datastoreItem>
+<file path=customXml/item3.xml><?xml version="1.0" encoding="utf-8"?>
+<p:properties xmlns:p="http://schemas.microsoft.com/office/2006/metadata/properties" xmlns:xsi="http://www.w3.org/2001/XMLSchema-instance" xmlns:pc="http://schemas.microsoft.com/office/infopath/2007/PartnerControls">
+  <documentManagement>
+    <MediaServiceKeyPoints xmlns="71af3243-3dd4-4a8d-8c0d-dd76da1f02a5" xsi:nil="true"/>
+  </documentManagement>
+</p:properties>
 </file>
 
-<file path=customXml/itemProps3.xml><?xml version="1.0" encoding="utf-8"?>
+<file path=customXml/itemProps1.xml><?xml version="1.0" encoding="utf-8"?>
 <ds:datastoreItem xmlns:ds="http://schemas.openxmlformats.org/officeDocument/2006/customXml" ds:itemID="{3370F4A1-FC59-4361-989F-6C79533DA565}">
   <ds:schemaRefs>
     <ds:schemaRef ds:uri="http://schemas.microsoft.com/office/2006/metadata/contentType"/>
@@ -12066,4 +12522,22 @@
     <ds:schemaRef ds:uri="http://schemas.microsoft.com/internal/obd"/>
   </ds:schemaRefs>
 </ds:datastoreItem>
+</file>
+
+<file path=customXml/itemProps2.xml><?xml version="1.0" encoding="utf-8"?>
+<ds:datastoreItem xmlns:ds="http://schemas.openxmlformats.org/officeDocument/2006/customXml" ds:itemID="{FE57094B-4684-420B-AFE0-4E41CA2AF714}">
+  <ds:schemaRefs>
+    <ds:schemaRef ds:uri="http://schemas.microsoft.com/sharepoint/v3/contenttype/forms"/>
+  </ds:schemaRefs>
+</ds:datastoreItem>
+</file>
+
+<file path=customXml/itemProps3.xml><?xml version="1.0" encoding="utf-8"?>
+<ds:datastoreItem xmlns:ds="http://schemas.openxmlformats.org/officeDocument/2006/customXml" ds:itemID="{B26D5668-1971-40BB-BC7C-94C9B101AAB7}">
+  <ds:schemaRefs>
+    <ds:schemaRef ds:uri="http://schemas.microsoft.com/office/2006/metadata/properties"/>
+    <ds:schemaRef ds:uri="http://schemas.microsoft.com/office/infopath/2007/PartnerControls"/>
+    <ds:schemaRef ds:uri="71af3243-3dd4-4a8d-8c0d-dd76da1f02a5"/>
+  </ds:schemaRefs>
+</ds:datastoreItem>
 </file>
--- a/Presentation.pptx
+++ b/Presentation.pptx
@@ -7151,13 +7151,13 @@
   <p:clrMapOvr>
     <a:overrideClrMapping bg1="dk1" tx1="lt1" bg2="dk2" tx2="lt2" accent1="accent1" accent2="accent2" accent3="accent3" accent4="accent4" accent5="accent5" accent6="accent6" hlink="hlink" folHlink="folHlink"/>
   </p:clrMapOvr>
-  <mc:AlternateContent xmlns:mc="http://schemas.openxmlformats.org/markup-compatibility/2006">
-    <mc:Choice xmlns:p14="http://schemas.microsoft.com/office/powerpoint/2010/main" Requires="p14">
+  <mc:AlternateContent xmlns:mc="http://schemas.openxmlformats.org/markup-compatibility/2006" xmlns:p14="http://schemas.microsoft.com/office/powerpoint/2010/main">
+    <mc:Choice Requires="p14">
       <p:transition spd="med" p14:dur="700">
         <p:fade/>
       </p:transition>
     </mc:Choice>
-    <mc:Fallback>
+    <mc:Fallback xmlns="">
       <p:transition spd="med">
         <p:fade/>
       </p:transition>
@@ -8929,7 +8929,7 @@
                             </p:stCondLst>
                             <p:childTnLst>
                               <p:par>
-                                <p:cTn id="5" presetID="10" presetClass="entr" presetSubtype="0" fill="hold" grpId="0" nodeType="clickEffect">
+                                <p:cTn id="5" presetID="42" presetClass="entr" presetSubtype="0" fill="hold" grpId="0" nodeType="clickEffect">
                                   <p:stCondLst>
                                     <p:cond delay="0"/>
                                   </p:stCondLst>
@@ -8937,59 +8937,6 @@
                                     <p:set>
                                       <p:cBhvr>
                                         <p:cTn id="6" dur="1" fill="hold">
-                                          <p:stCondLst>
-                                            <p:cond delay="0"/>
-                                          </p:stCondLst>
-                                        </p:cTn>
-                                        <p:tgtEl>
-                                          <p:spTgt spid="2"/>
-                                        </p:tgtEl>
-                                        <p:attrNameLst>
-                                          <p:attrName>style.visibility</p:attrName>
-                                        </p:attrNameLst>
-                                      </p:cBhvr>
-                                      <p:to>
-                                        <p:strVal val="visible"/>
-                                      </p:to>
-                                    </p:set>
-                                    <p:animEffect transition="in" filter="fade">
-                                      <p:cBhvr>
-                                        <p:cTn id="7" dur="500"/>
-                                        <p:tgtEl>
-                                          <p:spTgt spid="2"/>
-                                        </p:tgtEl>
-                                      </p:cBhvr>
-                                    </p:animEffect>
-                                  </p:childTnLst>
-                                </p:cTn>
-                              </p:par>
-                            </p:childTnLst>
-                          </p:cTn>
-                        </p:par>
-                      </p:childTnLst>
-                    </p:cTn>
-                  </p:par>
-                  <p:par>
-                    <p:cTn id="8" fill="hold">
-                      <p:stCondLst>
-                        <p:cond delay="indefinite"/>
-                      </p:stCondLst>
-                      <p:childTnLst>
-                        <p:par>
-                          <p:cTn id="9" fill="hold">
-                            <p:stCondLst>
-                              <p:cond delay="0"/>
-                            </p:stCondLst>
-                            <p:childTnLst>
-                              <p:par>
-                                <p:cTn id="10" presetID="42" presetClass="entr" presetSubtype="0" fill="hold" grpId="0" nodeType="clickEffect">
-                                  <p:stCondLst>
-                                    <p:cond delay="0"/>
-                                  </p:stCondLst>
-                                  <p:childTnLst>
-                                    <p:set>
-                                      <p:cBhvr>
-                                        <p:cTn id="11" dur="1" fill="hold">
                                           <p:stCondLst>
                                             <p:cond delay="0"/>
                                           </p:stCondLst>
@@ -9007,7 +8954,7 @@
                                     </p:set>
                                     <p:animEffect transition="in" filter="fade">
                                       <p:cBhvr>
-                                        <p:cTn id="12" dur="1000"/>
+                                        <p:cTn id="7" dur="1000"/>
                                         <p:tgtEl>
                                           <p:spTgt spid="3"/>
                                         </p:tgtEl>
@@ -9015,7 +8962,7 @@
                                     </p:animEffect>
                                     <p:anim calcmode="lin" valueType="num">
                                       <p:cBhvr>
-                                        <p:cTn id="13" dur="1000" fill="hold"/>
+                                        <p:cTn id="8" dur="1000" fill="hold"/>
                                         <p:tgtEl>
                                           <p:spTgt spid="3"/>
                                         </p:tgtEl>
@@ -9038,7 +8985,7 @@
                                     </p:anim>
                                     <p:anim calcmode="lin" valueType="num">
                                       <p:cBhvr>
-                                        <p:cTn id="14" dur="1000" fill="hold"/>
+                                        <p:cTn id="9" dur="1000" fill="hold"/>
                                         <p:tgtEl>
                                           <p:spTgt spid="3"/>
                                         </p:tgtEl>
@@ -9069,26 +9016,26 @@
                     </p:cTn>
                   </p:par>
                   <p:par>
-                    <p:cTn id="15" fill="hold">
+                    <p:cTn id="10" fill="hold">
                       <p:stCondLst>
                         <p:cond delay="indefinite"/>
                       </p:stCondLst>
                       <p:childTnLst>
                         <p:par>
-                          <p:cTn id="16" fill="hold">
+                          <p:cTn id="11" fill="hold">
                             <p:stCondLst>
                               <p:cond delay="0"/>
                             </p:stCondLst>
                             <p:childTnLst>
                               <p:par>
-                                <p:cTn id="17" presetID="2" presetClass="entr" presetSubtype="4" fill="hold" grpId="0" nodeType="clickEffect">
+                                <p:cTn id="12" presetID="2" presetClass="entr" presetSubtype="4" fill="hold" grpId="0" nodeType="clickEffect">
                                   <p:stCondLst>
                                     <p:cond delay="0"/>
                                   </p:stCondLst>
                                   <p:childTnLst>
                                     <p:set>
                                       <p:cBhvr>
-                                        <p:cTn id="18" dur="1" fill="hold">
+                                        <p:cTn id="13" dur="1" fill="hold">
                                           <p:stCondLst>
                                             <p:cond delay="0"/>
                                           </p:stCondLst>
@@ -9106,7 +9053,7 @@
                                     </p:set>
                                     <p:anim calcmode="lin" valueType="num">
                                       <p:cBhvr additive="base">
-                                        <p:cTn id="19" dur="500" fill="hold"/>
+                                        <p:cTn id="14" dur="500" fill="hold"/>
                                         <p:tgtEl>
                                           <p:spTgt spid="4"/>
                                         </p:tgtEl>
@@ -9129,7 +9076,7 @@
                                     </p:anim>
                                     <p:anim calcmode="lin" valueType="num">
                                       <p:cBhvr additive="base">
-                                        <p:cTn id="20" dur="500" fill="hold"/>
+                                        <p:cTn id="15" dur="500" fill="hold"/>
                                         <p:tgtEl>
                                           <p:spTgt spid="4"/>
                                         </p:tgtEl>
@@ -9160,26 +9107,26 @@
                     </p:cTn>
                   </p:par>
                   <p:par>
-                    <p:cTn id="21" fill="hold">
+                    <p:cTn id="16" fill="hold">
                       <p:stCondLst>
                         <p:cond delay="indefinite"/>
                       </p:stCondLst>
                       <p:childTnLst>
                         <p:par>
-                          <p:cTn id="22" fill="hold">
+                          <p:cTn id="17" fill="hold">
                             <p:stCondLst>
                               <p:cond delay="0"/>
                             </p:stCondLst>
                             <p:childTnLst>
                               <p:par>
-                                <p:cTn id="23" presetID="42" presetClass="entr" presetSubtype="0" fill="hold" grpId="0" nodeType="clickEffect">
+                                <p:cTn id="18" presetID="42" presetClass="entr" presetSubtype="0" fill="hold" grpId="0" nodeType="clickEffect">
                                   <p:stCondLst>
                                     <p:cond delay="0"/>
                                   </p:stCondLst>
                                   <p:childTnLst>
                                     <p:set>
                                       <p:cBhvr>
-                                        <p:cTn id="24" dur="1" fill="hold">
+                                        <p:cTn id="19" dur="1" fill="hold">
                                           <p:stCondLst>
                                             <p:cond delay="0"/>
                                           </p:stCondLst>
@@ -9197,7 +9144,7 @@
                                     </p:set>
                                     <p:animEffect transition="in" filter="fade">
                                       <p:cBhvr>
-                                        <p:cTn id="25" dur="1000"/>
+                                        <p:cTn id="20" dur="1000"/>
                                         <p:tgtEl>
                                           <p:spTgt spid="5"/>
                                         </p:tgtEl>
@@ -9205,7 +9152,7 @@
                                     </p:animEffect>
                                     <p:anim calcmode="lin" valueType="num">
                                       <p:cBhvr>
-                                        <p:cTn id="26" dur="1000" fill="hold"/>
+                                        <p:cTn id="21" dur="1000" fill="hold"/>
                                         <p:tgtEl>
                                           <p:spTgt spid="5"/>
                                         </p:tgtEl>
@@ -9228,7 +9175,7 @@
                                     </p:anim>
                                     <p:anim calcmode="lin" valueType="num">
                                       <p:cBhvr>
-                                        <p:cTn id="27" dur="1000" fill="hold"/>
+                                        <p:cTn id="22" dur="1000" fill="hold"/>
                                         <p:tgtEl>
                                           <p:spTgt spid="5"/>
                                         </p:tgtEl>
@@ -9259,26 +9206,26 @@
                     </p:cTn>
                   </p:par>
                   <p:par>
-                    <p:cTn id="28" fill="hold">
+                    <p:cTn id="23" fill="hold">
                       <p:stCondLst>
                         <p:cond delay="indefinite"/>
                       </p:stCondLst>
                       <p:childTnLst>
                         <p:par>
-                          <p:cTn id="29" fill="hold">
+                          <p:cTn id="24" fill="hold">
                             <p:stCondLst>
                               <p:cond delay="0"/>
                             </p:stCondLst>
                             <p:childTnLst>
                               <p:par>
-                                <p:cTn id="30" presetID="2" presetClass="entr" presetSubtype="4" fill="hold" grpId="0" nodeType="clickEffect">
+                                <p:cTn id="25" presetID="2" presetClass="entr" presetSubtype="4" fill="hold" grpId="0" nodeType="clickEffect">
                                   <p:stCondLst>
                                     <p:cond delay="0"/>
                                   </p:stCondLst>
                                   <p:childTnLst>
                                     <p:set>
                                       <p:cBhvr>
-                                        <p:cTn id="31" dur="1" fill="hold">
+                                        <p:cTn id="26" dur="1" fill="hold">
                                           <p:stCondLst>
                                             <p:cond delay="0"/>
                                           </p:stCondLst>
@@ -9296,7 +9243,7 @@
                                     </p:set>
                                     <p:anim calcmode="lin" valueType="num">
                                       <p:cBhvr additive="base">
-                                        <p:cTn id="32" dur="500" fill="hold"/>
+                                        <p:cTn id="27" dur="500" fill="hold"/>
                                         <p:tgtEl>
                                           <p:spTgt spid="7"/>
                                         </p:tgtEl>
@@ -9319,7 +9266,7 @@
                                     </p:anim>
                                     <p:anim calcmode="lin" valueType="num">
                                       <p:cBhvr additive="base">
-                                        <p:cTn id="33" dur="500" fill="hold"/>
+                                        <p:cTn id="28" dur="500" fill="hold"/>
                                         <p:tgtEl>
                                           <p:spTgt spid="7"/>
                                         </p:tgtEl>
@@ -9350,26 +9297,26 @@
                     </p:cTn>
                   </p:par>
                   <p:par>
-                    <p:cTn id="34" fill="hold">
+                    <p:cTn id="29" fill="hold">
                       <p:stCondLst>
                         <p:cond delay="indefinite"/>
                       </p:stCondLst>
                       <p:childTnLst>
                         <p:par>
-                          <p:cTn id="35" fill="hold">
+                          <p:cTn id="30" fill="hold">
                             <p:stCondLst>
                               <p:cond delay="0"/>
                             </p:stCondLst>
                             <p:childTnLst>
                               <p:par>
-                                <p:cTn id="36" presetID="42" presetClass="entr" presetSubtype="0" fill="hold" grpId="0" nodeType="clickEffect">
+                                <p:cTn id="31" presetID="42" presetClass="entr" presetSubtype="0" fill="hold" grpId="0" nodeType="clickEffect">
                                   <p:stCondLst>
                                     <p:cond delay="0"/>
                                   </p:stCondLst>
                                   <p:childTnLst>
                                     <p:set>
                                       <p:cBhvr>
-                                        <p:cTn id="37" dur="1" fill="hold">
+                                        <p:cTn id="32" dur="1" fill="hold">
                                           <p:stCondLst>
                                             <p:cond delay="0"/>
                                           </p:stCondLst>
@@ -9387,7 +9334,7 @@
                                     </p:set>
                                     <p:animEffect transition="in" filter="fade">
                                       <p:cBhvr>
-                                        <p:cTn id="38" dur="1000"/>
+                                        <p:cTn id="33" dur="1000"/>
                                         <p:tgtEl>
                                           <p:spTgt spid="8"/>
                                         </p:tgtEl>
@@ -9395,7 +9342,7 @@
                                     </p:animEffect>
                                     <p:anim calcmode="lin" valueType="num">
                                       <p:cBhvr>
-                                        <p:cTn id="39" dur="1000" fill="hold"/>
+                                        <p:cTn id="34" dur="1000" fill="hold"/>
                                         <p:tgtEl>
                                           <p:spTgt spid="8"/>
                                         </p:tgtEl>
@@ -9418,7 +9365,7 @@
                                     </p:anim>
                                     <p:anim calcmode="lin" valueType="num">
                                       <p:cBhvr>
-                                        <p:cTn id="40" dur="1000" fill="hold"/>
+                                        <p:cTn id="35" dur="1000" fill="hold"/>
                                         <p:tgtEl>
                                           <p:spTgt spid="8"/>
                                         </p:tgtEl>
@@ -9470,7 +9417,6 @@
       </p:par>
     </p:tnLst>
     <p:bldLst>
-      <p:bldP spid="2" grpId="0"/>
       <p:bldP spid="3" grpId="0"/>
       <p:bldP spid="4" grpId="0"/>
       <p:bldP spid="5" grpId="0"/>
@@ -12489,20 +12435,20 @@
 </file>
 
 <file path=customXml/item2.xml><?xml version="1.0" encoding="utf-8"?>
+<p:properties xmlns:p="http://schemas.microsoft.com/office/2006/metadata/properties" xmlns:xsi="http://www.w3.org/2001/XMLSchema-instance" xmlns:pc="http://schemas.microsoft.com/office/infopath/2007/PartnerControls">
+  <documentManagement>
+    <MediaServiceKeyPoints xmlns="71af3243-3dd4-4a8d-8c0d-dd76da1f02a5" xsi:nil="true"/>
+  </documentManagement>
+</p:properties>
+</file>
+
+<file path=customXml/item3.xml><?xml version="1.0" encoding="utf-8"?>
 <?mso-contentType ?>
 <FormTemplates xmlns="http://schemas.microsoft.com/sharepoint/v3/contenttype/forms">
   <Display>DocumentLibraryForm</Display>
   <Edit>DocumentLibraryForm</Edit>
   <New>DocumentLibraryForm</New>
 </FormTemplates>
-</file>
-
-<file path=customXml/item3.xml><?xml version="1.0" encoding="utf-8"?>
-<p:properties xmlns:p="http://schemas.microsoft.com/office/2006/metadata/properties" xmlns:xsi="http://www.w3.org/2001/XMLSchema-instance" xmlns:pc="http://schemas.microsoft.com/office/infopath/2007/PartnerControls">
-  <documentManagement>
-    <MediaServiceKeyPoints xmlns="71af3243-3dd4-4a8d-8c0d-dd76da1f02a5" xsi:nil="true"/>
-  </documentManagement>
-</p:properties>
 </file>
 
 <file path=customXml/itemProps1.xml><?xml version="1.0" encoding="utf-8"?>
@@ -12525,14 +12471,6 @@
 </file>
 
 <file path=customXml/itemProps2.xml><?xml version="1.0" encoding="utf-8"?>
-<ds:datastoreItem xmlns:ds="http://schemas.openxmlformats.org/officeDocument/2006/customXml" ds:itemID="{FE57094B-4684-420B-AFE0-4E41CA2AF714}">
-  <ds:schemaRefs>
-    <ds:schemaRef ds:uri="http://schemas.microsoft.com/sharepoint/v3/contenttype/forms"/>
-  </ds:schemaRefs>
-</ds:datastoreItem>
-</file>
-
-<file path=customXml/itemProps3.xml><?xml version="1.0" encoding="utf-8"?>
 <ds:datastoreItem xmlns:ds="http://schemas.openxmlformats.org/officeDocument/2006/customXml" ds:itemID="{B26D5668-1971-40BB-BC7C-94C9B101AAB7}">
   <ds:schemaRefs>
     <ds:schemaRef ds:uri="http://schemas.microsoft.com/office/2006/metadata/properties"/>
@@ -12540,4 +12478,12 @@
     <ds:schemaRef ds:uri="71af3243-3dd4-4a8d-8c0d-dd76da1f02a5"/>
   </ds:schemaRefs>
 </ds:datastoreItem>
+</file>
+
+<file path=customXml/itemProps3.xml><?xml version="1.0" encoding="utf-8"?>
+<ds:datastoreItem xmlns:ds="http://schemas.openxmlformats.org/officeDocument/2006/customXml" ds:itemID="{FE57094B-4684-420B-AFE0-4E41CA2AF714}">
+  <ds:schemaRefs>
+    <ds:schemaRef ds:uri="http://schemas.microsoft.com/sharepoint/v3/contenttype/forms"/>
+  </ds:schemaRefs>
+</ds:datastoreItem>
 </file>
--- a/Presentation.pptx
+++ b/Presentation.pptx
@@ -780,6 +780,172 @@
         <p:txBody>
           <a:bodyPr rtlCol="0"/>
           <a:lstStyle/>
+          <a:p>
+            <a:pPr marL="0" marR="0" lvl="0" indent="0" algn="l" defTabSz="914400" rtl="0" eaLnBrk="1" fontAlgn="auto" latinLnBrk="0" hangingPunct="1">
+              <a:lnSpc>
+                <a:spcPct val="100000"/>
+              </a:lnSpc>
+              <a:spcBef>
+                <a:spcPts val="0"/>
+              </a:spcBef>
+              <a:spcAft>
+                <a:spcPts val="0"/>
+              </a:spcAft>
+              <a:buClrTx/>
+              <a:buSzTx/>
+              <a:buFontTx/>
+              <a:buNone/>
+              <a:tabLst/>
+              <a:defRPr/>
+            </a:pPr>
+            <a:r>
+              <a:rPr lang="hu-HU" dirty="0"/>
+              <a:t>5 éve tanulom és foglalkozok programozással és szoftverfejlesztéssel.</a:t>
+            </a:r>
+          </a:p>
+          <a:p>
+            <a:pPr rtl="0"/>
+            <a:endParaRPr lang="hu-HU" dirty="0"/>
+          </a:p>
+          <a:p>
+            <a:pPr marL="0" marR="0" lvl="0" indent="0" algn="l" defTabSz="914400" rtl="0" eaLnBrk="1" fontAlgn="auto" latinLnBrk="0" hangingPunct="1">
+              <a:lnSpc>
+                <a:spcPct val="100000"/>
+              </a:lnSpc>
+              <a:spcBef>
+                <a:spcPts val="0"/>
+              </a:spcBef>
+              <a:spcAft>
+                <a:spcPts val="0"/>
+              </a:spcAft>
+              <a:buClrTx/>
+              <a:buSzTx/>
+              <a:buFontTx/>
+              <a:buNone/>
+              <a:tabLst/>
+              <a:defRPr/>
+            </a:pPr>
+            <a:r>
+              <a:rPr lang="hu-HU" dirty="0"/>
+              <a:t>Értek az adatbáziskezeléshez, web/szoftverfejlesztéshez, virtuális gépek működtetésére, videó/képszerkesztéshez illetve még sok más dologhoz.</a:t>
+            </a:r>
+          </a:p>
+          <a:p>
+            <a:pPr rtl="0"/>
+            <a:endParaRPr lang="hu-HU" dirty="0"/>
+          </a:p>
+          <a:p>
+            <a:pPr marL="0" marR="0" lvl="0" indent="0" algn="l" defTabSz="914400" rtl="0" eaLnBrk="1" fontAlgn="auto" latinLnBrk="0" hangingPunct="1">
+              <a:lnSpc>
+                <a:spcPct val="100000"/>
+              </a:lnSpc>
+              <a:spcBef>
+                <a:spcPts val="0"/>
+              </a:spcBef>
+              <a:spcAft>
+                <a:spcPts val="0"/>
+              </a:spcAft>
+              <a:buClrTx/>
+              <a:buSzTx/>
+              <a:buFontTx/>
+              <a:buNone/>
+              <a:tabLst/>
+              <a:defRPr/>
+            </a:pPr>
+            <a:r>
+              <a:rPr lang="hu-HU" dirty="0"/>
+              <a:t>Számomra ez a szakma közel áll és nagy lelkesedéssel végzem a feladataimat.</a:t>
+            </a:r>
+          </a:p>
+          <a:p>
+            <a:pPr rtl="0"/>
+            <a:endParaRPr lang="hu-HU" dirty="0"/>
+          </a:p>
+          <a:p>
+            <a:pPr marL="0" marR="0" lvl="0" indent="0" algn="l" defTabSz="914400" rtl="0" eaLnBrk="1" fontAlgn="auto" latinLnBrk="0" hangingPunct="1">
+              <a:lnSpc>
+                <a:spcPct val="100000"/>
+              </a:lnSpc>
+              <a:spcBef>
+                <a:spcPts val="0"/>
+              </a:spcBef>
+              <a:spcAft>
+                <a:spcPts val="0"/>
+              </a:spcAft>
+              <a:buClrTx/>
+              <a:buSzTx/>
+              <a:buFontTx/>
+              <a:buNone/>
+              <a:tabLst/>
+              <a:defRPr/>
+            </a:pPr>
+            <a:r>
+              <a:rPr lang="hu-HU" dirty="0"/>
+              <a:t>Részemre fontos a folyamatos fejlődés és a meglévő ismereteim gyarapítása ezért szabadidőmben is szívesen foglalkozok a szakmámmal. Emellé mindezt élvezem csinálni. Jók az együttműködési és kommunikációs készségeim ezért szeretek csapatban dolgozni.</a:t>
+            </a:r>
+          </a:p>
+          <a:p>
+            <a:pPr rtl="0"/>
+            <a:endParaRPr lang="hu-HU" dirty="0"/>
+          </a:p>
+          <a:p>
+            <a:pPr marL="0" marR="0" lvl="0" indent="0" algn="l" defTabSz="914400" rtl="0" eaLnBrk="1" fontAlgn="auto" latinLnBrk="0" hangingPunct="1">
+              <a:lnSpc>
+                <a:spcPct val="100000"/>
+              </a:lnSpc>
+              <a:spcBef>
+                <a:spcPts val="0"/>
+              </a:spcBef>
+              <a:spcAft>
+                <a:spcPts val="0"/>
+              </a:spcAft>
+              <a:buClrTx/>
+              <a:buSzTx/>
+              <a:buFontTx/>
+              <a:buNone/>
+              <a:tabLst/>
+              <a:defRPr/>
+            </a:pPr>
+            <a:r>
+              <a:rPr lang="hu-HU" dirty="0"/>
+              <a:t>A terveim és céljaim az, hogy majd egy számomra megfelelő cégnél eltudjak helyezkedni, ahol a szakmai és a nyelvi tudásaimat tudom kamatoztatni. </a:t>
+            </a:r>
+          </a:p>
+          <a:p>
+            <a:pPr rtl="0"/>
+            <a:endParaRPr lang="hu-HU" dirty="0"/>
+          </a:p>
+          <a:p>
+            <a:pPr marL="0" marR="0" lvl="0" indent="0" algn="l" defTabSz="914400" rtl="0" eaLnBrk="1" fontAlgn="auto" latinLnBrk="0" hangingPunct="1">
+              <a:lnSpc>
+                <a:spcPct val="100000"/>
+              </a:lnSpc>
+              <a:spcBef>
+                <a:spcPts val="0"/>
+              </a:spcBef>
+              <a:spcAft>
+                <a:spcPts val="0"/>
+              </a:spcAft>
+              <a:buClrTx/>
+              <a:buSzTx/>
+              <a:buFontTx/>
+              <a:buNone/>
+              <a:tabLst/>
+              <a:defRPr/>
+            </a:pPr>
+            <a:r>
+              <a:rPr lang="hu-HU" dirty="0"/>
+              <a:t>A szakmám kedvenc része a </a:t>
+            </a:r>
+            <a:r>
+              <a:rPr lang="hu-HU" dirty="0" err="1"/>
+              <a:t>webdesignolás</a:t>
+            </a:r>
+            <a:r>
+              <a:rPr lang="hu-HU" dirty="0"/>
+              <a:t> és webfejlesztés ezért ezen a területen szeretnék elhelyezkedni.</a:t>
+            </a:r>
+          </a:p>
           <a:p>
             <a:pPr rtl="0"/>
             <a:endParaRPr lang="en-US" dirty="0"/>
@@ -7299,301 +7465,110 @@
           </a:sp3d>
         </p:spPr>
       </p:pic>
-      <p:sp>
-        <p:nvSpPr>
-          <p:cNvPr id="9" name="Szövegdoboz 8">
+      <p:pic>
+        <p:nvPicPr>
+          <p:cNvPr id="7" name="Kép 6">
             <a:extLst>
               <a:ext uri="{FF2B5EF4-FFF2-40B4-BE49-F238E27FC236}">
-                <a16:creationId xmlns:a16="http://schemas.microsoft.com/office/drawing/2014/main" id="{6F9E2E2C-C746-4320-8F3B-B336A0829900}"/>
+                <a16:creationId xmlns:a16="http://schemas.microsoft.com/office/drawing/2014/main" id="{574620C4-C4D0-4D77-8393-A1B2DD6881D7}"/>
               </a:ext>
             </a:extLst>
           </p:cNvPr>
-          <p:cNvSpPr txBox="1"/>
+          <p:cNvPicPr>
+            <a:picLocks noChangeAspect="1"/>
+          </p:cNvPicPr>
           <p:nvPr/>
-        </p:nvSpPr>
+        </p:nvPicPr>
+        <p:blipFill>
+          <a:blip r:embed="rId4"/>
+          <a:stretch>
+            <a:fillRect/>
+          </a:stretch>
+        </p:blipFill>
         <p:spPr>
           <a:xfrm>
-            <a:off x="1157680" y="1086935"/>
-            <a:ext cx="7516537" cy="369332"/>
+            <a:off x="783174" y="1110417"/>
+            <a:ext cx="6282265" cy="5427877"/>
           </a:xfrm>
           <a:prstGeom prst="rect">
             <a:avLst/>
           </a:prstGeom>
-          <a:noFill/>
+          <a:ln w="38100" cap="sq">
+            <a:solidFill>
+              <a:srgbClr val="000000"/>
+            </a:solidFill>
+            <a:prstDash val="solid"/>
+            <a:miter lim="800000"/>
+          </a:ln>
+          <a:effectLst>
+            <a:outerShdw blurRad="50800" dist="38100" dir="2700000" algn="tl" rotWithShape="0">
+              <a:srgbClr val="000000">
+                <a:alpha val="43000"/>
+              </a:srgbClr>
+            </a:outerShdw>
+          </a:effectLst>
         </p:spPr>
-        <p:txBody>
-          <a:bodyPr wrap="square" rtlCol="0">
-            <a:spAutoFit/>
-          </a:bodyPr>
-          <a:lstStyle/>
-          <a:p>
-            <a:pPr marL="285750" indent="-285750">
-              <a:buFont typeface="Arial" panose="020B0604020202020204" pitchFamily="34" charset="0"/>
-              <a:buChar char="•"/>
-            </a:pPr>
-            <a:r>
-              <a:rPr lang="hu-HU" dirty="0"/>
-              <a:t>5 éve tanulom és foglalkozok programozással és szoftverfejlesztéssel.</a:t>
-            </a:r>
-          </a:p>
-        </p:txBody>
-      </p:sp>
-      <p:sp>
-        <p:nvSpPr>
-          <p:cNvPr id="10" name="Szövegdoboz 9">
+      </p:pic>
+      <p:pic>
+        <p:nvPicPr>
+          <p:cNvPr id="4" name="Kép 3">
             <a:extLst>
               <a:ext uri="{FF2B5EF4-FFF2-40B4-BE49-F238E27FC236}">
-                <a16:creationId xmlns:a16="http://schemas.microsoft.com/office/drawing/2014/main" id="{840C0CF4-F268-4A84-B31F-F18DA29F5ACE}"/>
+                <a16:creationId xmlns:a16="http://schemas.microsoft.com/office/drawing/2014/main" id="{39E808AC-CFBE-4782-8DEA-3F7D16FEA550}"/>
               </a:ext>
             </a:extLst>
           </p:cNvPr>
-          <p:cNvSpPr txBox="1"/>
+          <p:cNvPicPr>
+            <a:picLocks noChangeAspect="1"/>
+          </p:cNvPicPr>
           <p:nvPr/>
-        </p:nvSpPr>
+        </p:nvPicPr>
+        <p:blipFill>
+          <a:blip r:embed="rId5"/>
+          <a:stretch>
+            <a:fillRect/>
+          </a:stretch>
+        </p:blipFill>
         <p:spPr>
           <a:xfrm>
-            <a:off x="1157680" y="1456267"/>
-            <a:ext cx="7751428" cy="646331"/>
+            <a:off x="9561133" y="4362191"/>
+            <a:ext cx="2347603" cy="2347603"/>
           </a:xfrm>
           <a:prstGeom prst="rect">
             <a:avLst/>
           </a:prstGeom>
-          <a:noFill/>
-        </p:spPr>
-        <p:txBody>
-          <a:bodyPr wrap="square" rtlCol="0">
-            <a:spAutoFit/>
-          </a:bodyPr>
-          <a:lstStyle/>
-          <a:p>
-            <a:pPr marL="285750" indent="-285750">
-              <a:buFont typeface="Arial" panose="020B0604020202020204" pitchFamily="34" charset="0"/>
-              <a:buChar char="•"/>
-            </a:pPr>
-            <a:r>
-              <a:rPr lang="hu-HU" dirty="0"/>
-              <a:t>Értek az adatbáziskezeléshez, web/szoftverfejlesztéshez, virtuális gépek működtetésére, videó/képszerkesztéshez illetve még sok más dologhoz.</a:t>
-            </a:r>
-          </a:p>
-        </p:txBody>
-      </p:sp>
-      <p:sp>
-        <p:nvSpPr>
-          <p:cNvPr id="11" name="Szövegdoboz 10">
-            <a:extLst>
-              <a:ext uri="{FF2B5EF4-FFF2-40B4-BE49-F238E27FC236}">
-                <a16:creationId xmlns:a16="http://schemas.microsoft.com/office/drawing/2014/main" id="{B81A7E11-00C7-4AE1-80C2-999781D15AA0}"/>
-              </a:ext>
-            </a:extLst>
-          </p:cNvPr>
-          <p:cNvSpPr txBox="1"/>
-          <p:nvPr/>
-        </p:nvSpPr>
-        <p:spPr>
-          <a:xfrm>
-            <a:off x="1157679" y="2102598"/>
-            <a:ext cx="7751427" cy="369332"/>
-          </a:xfrm>
-          <a:prstGeom prst="rect">
-            <a:avLst/>
-          </a:prstGeom>
-          <a:noFill/>
-        </p:spPr>
-        <p:txBody>
-          <a:bodyPr wrap="square" rtlCol="0">
-            <a:spAutoFit/>
-          </a:bodyPr>
-          <a:lstStyle/>
-          <a:p>
-            <a:pPr marL="285750" indent="-285750">
-              <a:buFont typeface="Arial" panose="020B0604020202020204" pitchFamily="34" charset="0"/>
-              <a:buChar char="•"/>
-            </a:pPr>
-            <a:r>
-              <a:rPr lang="hu-HU" dirty="0"/>
-              <a:t>Számomra ez a szakma közel áll és nagy lelkesedéssel végzem a feladataimat.</a:t>
-            </a:r>
-          </a:p>
-        </p:txBody>
-      </p:sp>
-      <p:sp>
-        <p:nvSpPr>
-          <p:cNvPr id="12" name="Téglalap 11">
-            <a:extLst>
-              <a:ext uri="{FF2B5EF4-FFF2-40B4-BE49-F238E27FC236}">
-                <a16:creationId xmlns:a16="http://schemas.microsoft.com/office/drawing/2014/main" id="{1C8C4CBB-E2D4-4680-835B-1E196A7E32C7}"/>
-              </a:ext>
-            </a:extLst>
-          </p:cNvPr>
-          <p:cNvSpPr/>
-          <p:nvPr/>
-        </p:nvSpPr>
-        <p:spPr>
-          <a:xfrm>
-            <a:off x="683935" y="3739740"/>
-            <a:ext cx="1622560" cy="646331"/>
-          </a:xfrm>
-          <a:prstGeom prst="rect">
-            <a:avLst/>
-          </a:prstGeom>
-          <a:noFill/>
+          <a:solidFill>
+            <a:srgbClr val="FFFFFF">
+              <a:shade val="85000"/>
+            </a:srgbClr>
+          </a:solidFill>
+          <a:ln w="88900" cap="sq">
+            <a:solidFill>
+              <a:srgbClr val="FFFFFF"/>
+            </a:solidFill>
+            <a:miter lim="800000"/>
+          </a:ln>
           <a:effectLst>
-            <a:outerShdw blurRad="50800" dist="38100" dir="2700000" algn="tl" rotWithShape="0">
-              <a:prstClr val="black">
+            <a:outerShdw blurRad="55000" dist="18000" dir="5400000" algn="tl" rotWithShape="0">
+              <a:srgbClr val="000000">
                 <a:alpha val="40000"/>
-              </a:prstClr>
+              </a:srgbClr>
             </a:outerShdw>
           </a:effectLst>
+          <a:scene3d>
+            <a:camera prst="orthographicFront"/>
+            <a:lightRig rig="twoPt" dir="t">
+              <a:rot lat="0" lon="0" rev="7200000"/>
+            </a:lightRig>
+          </a:scene3d>
+          <a:sp3d>
+            <a:bevelT w="25400" h="19050"/>
+            <a:contourClr>
+              <a:srgbClr val="FFFFFF"/>
+            </a:contourClr>
+          </a:sp3d>
         </p:spPr>
-        <p:txBody>
-          <a:bodyPr wrap="none" lIns="91440" tIns="45720" rIns="91440" bIns="45720">
-            <a:spAutoFit/>
-          </a:bodyPr>
-          <a:lstStyle/>
-          <a:p>
-            <a:pPr algn="ctr"/>
-            <a:r>
-              <a:rPr lang="hu-HU" sz="3600" b="1" dirty="0">
-                <a:ln w="0"/>
-                <a:effectLst>
-                  <a:outerShdw blurRad="38100" dist="25400" dir="5400000" algn="ctr" rotWithShape="0">
-                    <a:srgbClr val="6E747A">
-                      <a:alpha val="43000"/>
-                    </a:srgbClr>
-                  </a:outerShdw>
-                </a:effectLst>
-                <a:latin typeface="+mj-lt"/>
-              </a:rPr>
-              <a:t>Terveim</a:t>
-            </a:r>
-            <a:endParaRPr lang="hu-HU" sz="3600" b="1" cap="none" spc="0" dirty="0">
-              <a:ln w="0"/>
-              <a:effectLst>
-                <a:outerShdw blurRad="38100" dist="25400" dir="5400000" algn="ctr" rotWithShape="0">
-                  <a:srgbClr val="6E747A">
-                    <a:alpha val="43000"/>
-                  </a:srgbClr>
-                </a:outerShdw>
-              </a:effectLst>
-              <a:latin typeface="+mj-lt"/>
-            </a:endParaRPr>
-          </a:p>
-        </p:txBody>
-      </p:sp>
-      <p:sp>
-        <p:nvSpPr>
-          <p:cNvPr id="13" name="Szövegdoboz 12">
-            <a:extLst>
-              <a:ext uri="{FF2B5EF4-FFF2-40B4-BE49-F238E27FC236}">
-                <a16:creationId xmlns:a16="http://schemas.microsoft.com/office/drawing/2014/main" id="{F0AE3AA3-7003-4282-A3D2-49D15949EF8E}"/>
-              </a:ext>
-            </a:extLst>
-          </p:cNvPr>
-          <p:cNvSpPr txBox="1"/>
-          <p:nvPr/>
-        </p:nvSpPr>
-        <p:spPr>
-          <a:xfrm>
-            <a:off x="1075189" y="4386071"/>
-            <a:ext cx="10041622" cy="646331"/>
-          </a:xfrm>
-          <a:prstGeom prst="rect">
-            <a:avLst/>
-          </a:prstGeom>
-          <a:noFill/>
-        </p:spPr>
-        <p:txBody>
-          <a:bodyPr wrap="square" rtlCol="0">
-            <a:spAutoFit/>
-          </a:bodyPr>
-          <a:lstStyle/>
-          <a:p>
-            <a:pPr algn="ctr"/>
-            <a:r>
-              <a:rPr lang="hu-HU" dirty="0"/>
-              <a:t>A terveim és céljaim az, hogy majd egy számomra megfelelő cégnél eltudjak helyezkedni, ahol a szakmai és a nyelvi tudásaimat tudom kamatoztatni. </a:t>
-            </a:r>
-          </a:p>
-        </p:txBody>
-      </p:sp>
-      <p:sp>
-        <p:nvSpPr>
-          <p:cNvPr id="14" name="Szövegdoboz 13">
-            <a:extLst>
-              <a:ext uri="{FF2B5EF4-FFF2-40B4-BE49-F238E27FC236}">
-                <a16:creationId xmlns:a16="http://schemas.microsoft.com/office/drawing/2014/main" id="{60DD0AB2-E8CA-449B-A9C5-B47F2920C069}"/>
-              </a:ext>
-            </a:extLst>
-          </p:cNvPr>
-          <p:cNvSpPr txBox="1"/>
-          <p:nvPr/>
-        </p:nvSpPr>
-        <p:spPr>
-          <a:xfrm>
-            <a:off x="586074" y="2543202"/>
-            <a:ext cx="8531601" cy="923330"/>
-          </a:xfrm>
-          <a:prstGeom prst="rect">
-            <a:avLst/>
-          </a:prstGeom>
-          <a:noFill/>
-        </p:spPr>
-        <p:txBody>
-          <a:bodyPr wrap="square" rtlCol="0">
-            <a:spAutoFit/>
-          </a:bodyPr>
-          <a:lstStyle/>
-          <a:p>
-            <a:r>
-              <a:rPr lang="hu-HU" dirty="0"/>
-              <a:t>Részemre fontos a folyamatos fejlődés és a meglévő ismereteim gyarapítása ezért szabadidőmben is szívesen foglalkozok a szakmámmal. Emellé mindezt élvezem csinálni. Jók az együttműködési és kommunikációs készségeim ezért szeretek csapatban dolgozni.</a:t>
-            </a:r>
-          </a:p>
-        </p:txBody>
-      </p:sp>
-      <p:sp>
-        <p:nvSpPr>
-          <p:cNvPr id="15" name="Szövegdoboz 14">
-            <a:extLst>
-              <a:ext uri="{FF2B5EF4-FFF2-40B4-BE49-F238E27FC236}">
-                <a16:creationId xmlns:a16="http://schemas.microsoft.com/office/drawing/2014/main" id="{8E0FBDC9-CDDE-4D7C-A711-ABDBC9D42179}"/>
-              </a:ext>
-            </a:extLst>
-          </p:cNvPr>
-          <p:cNvSpPr txBox="1"/>
-          <p:nvPr/>
-        </p:nvSpPr>
-        <p:spPr>
-          <a:xfrm>
-            <a:off x="1157679" y="5586399"/>
-            <a:ext cx="10303079" cy="369332"/>
-          </a:xfrm>
-          <a:prstGeom prst="rect">
-            <a:avLst/>
-          </a:prstGeom>
-          <a:noFill/>
-        </p:spPr>
-        <p:txBody>
-          <a:bodyPr wrap="square" rtlCol="0">
-            <a:spAutoFit/>
-          </a:bodyPr>
-          <a:lstStyle/>
-          <a:p>
-            <a:r>
-              <a:rPr lang="hu-HU" dirty="0"/>
-              <a:t>A szakmám kedvenc része a </a:t>
-            </a:r>
-            <a:r>
-              <a:rPr lang="hu-HU" dirty="0" err="1"/>
-              <a:t>webdesignolás</a:t>
-            </a:r>
-            <a:r>
-              <a:rPr lang="hu-HU" dirty="0"/>
-              <a:t> és webfejlesztés ezért ezen a területen szeretnék elhelyezkedni.</a:t>
-            </a:r>
-          </a:p>
-        </p:txBody>
-      </p:sp>
+      </p:pic>
     </p:spTree>
     <p:extLst>
       <p:ext uri="{BB962C8B-B14F-4D97-AF65-F5344CB8AC3E}">
@@ -7668,798 +7643,6 @@
                       </p:childTnLst>
                     </p:cTn>
                   </p:par>
-                  <p:par>
-                    <p:cTn id="8" fill="hold">
-                      <p:stCondLst>
-                        <p:cond delay="indefinite"/>
-                      </p:stCondLst>
-                      <p:childTnLst>
-                        <p:par>
-                          <p:cTn id="9" fill="hold">
-                            <p:stCondLst>
-                              <p:cond delay="0"/>
-                            </p:stCondLst>
-                            <p:childTnLst>
-                              <p:par>
-                                <p:cTn id="10" presetID="42" presetClass="entr" presetSubtype="0" fill="hold" nodeType="clickEffect">
-                                  <p:stCondLst>
-                                    <p:cond delay="0"/>
-                                  </p:stCondLst>
-                                  <p:childTnLst>
-                                    <p:set>
-                                      <p:cBhvr>
-                                        <p:cTn id="11" dur="1" fill="hold">
-                                          <p:stCondLst>
-                                            <p:cond delay="0"/>
-                                          </p:stCondLst>
-                                        </p:cTn>
-                                        <p:tgtEl>
-                                          <p:spTgt spid="5"/>
-                                        </p:tgtEl>
-                                        <p:attrNameLst>
-                                          <p:attrName>style.visibility</p:attrName>
-                                        </p:attrNameLst>
-                                      </p:cBhvr>
-                                      <p:to>
-                                        <p:strVal val="visible"/>
-                                      </p:to>
-                                    </p:set>
-                                    <p:animEffect transition="in" filter="fade">
-                                      <p:cBhvr>
-                                        <p:cTn id="12" dur="1000"/>
-                                        <p:tgtEl>
-                                          <p:spTgt spid="5"/>
-                                        </p:tgtEl>
-                                      </p:cBhvr>
-                                    </p:animEffect>
-                                    <p:anim calcmode="lin" valueType="num">
-                                      <p:cBhvr>
-                                        <p:cTn id="13" dur="1000" fill="hold"/>
-                                        <p:tgtEl>
-                                          <p:spTgt spid="5"/>
-                                        </p:tgtEl>
-                                        <p:attrNameLst>
-                                          <p:attrName>ppt_x</p:attrName>
-                                        </p:attrNameLst>
-                                      </p:cBhvr>
-                                      <p:tavLst>
-                                        <p:tav tm="0">
-                                          <p:val>
-                                            <p:strVal val="#ppt_x"/>
-                                          </p:val>
-                                        </p:tav>
-                                        <p:tav tm="100000">
-                                          <p:val>
-                                            <p:strVal val="#ppt_x"/>
-                                          </p:val>
-                                        </p:tav>
-                                      </p:tavLst>
-                                    </p:anim>
-                                    <p:anim calcmode="lin" valueType="num">
-                                      <p:cBhvr>
-                                        <p:cTn id="14" dur="1000" fill="hold"/>
-                                        <p:tgtEl>
-                                          <p:spTgt spid="5"/>
-                                        </p:tgtEl>
-                                        <p:attrNameLst>
-                                          <p:attrName>ppt_y</p:attrName>
-                                        </p:attrNameLst>
-                                      </p:cBhvr>
-                                      <p:tavLst>
-                                        <p:tav tm="0">
-                                          <p:val>
-                                            <p:strVal val="#ppt_y+.1"/>
-                                          </p:val>
-                                        </p:tav>
-                                        <p:tav tm="100000">
-                                          <p:val>
-                                            <p:strVal val="#ppt_y"/>
-                                          </p:val>
-                                        </p:tav>
-                                      </p:tavLst>
-                                    </p:anim>
-                                  </p:childTnLst>
-                                </p:cTn>
-                              </p:par>
-                            </p:childTnLst>
-                          </p:cTn>
-                        </p:par>
-                      </p:childTnLst>
-                    </p:cTn>
-                  </p:par>
-                  <p:par>
-                    <p:cTn id="15" fill="hold">
-                      <p:stCondLst>
-                        <p:cond delay="indefinite"/>
-                      </p:stCondLst>
-                      <p:childTnLst>
-                        <p:par>
-                          <p:cTn id="16" fill="hold">
-                            <p:stCondLst>
-                              <p:cond delay="0"/>
-                            </p:stCondLst>
-                            <p:childTnLst>
-                              <p:par>
-                                <p:cTn id="17" presetID="42" presetClass="entr" presetSubtype="0" fill="hold" grpId="0" nodeType="clickEffect">
-                                  <p:stCondLst>
-                                    <p:cond delay="0"/>
-                                  </p:stCondLst>
-                                  <p:childTnLst>
-                                    <p:set>
-                                      <p:cBhvr>
-                                        <p:cTn id="18" dur="1" fill="hold">
-                                          <p:stCondLst>
-                                            <p:cond delay="0"/>
-                                          </p:stCondLst>
-                                        </p:cTn>
-                                        <p:tgtEl>
-                                          <p:spTgt spid="9"/>
-                                        </p:tgtEl>
-                                        <p:attrNameLst>
-                                          <p:attrName>style.visibility</p:attrName>
-                                        </p:attrNameLst>
-                                      </p:cBhvr>
-                                      <p:to>
-                                        <p:strVal val="visible"/>
-                                      </p:to>
-                                    </p:set>
-                                    <p:animEffect transition="in" filter="fade">
-                                      <p:cBhvr>
-                                        <p:cTn id="19" dur="1000"/>
-                                        <p:tgtEl>
-                                          <p:spTgt spid="9"/>
-                                        </p:tgtEl>
-                                      </p:cBhvr>
-                                    </p:animEffect>
-                                    <p:anim calcmode="lin" valueType="num">
-                                      <p:cBhvr>
-                                        <p:cTn id="20" dur="1000" fill="hold"/>
-                                        <p:tgtEl>
-                                          <p:spTgt spid="9"/>
-                                        </p:tgtEl>
-                                        <p:attrNameLst>
-                                          <p:attrName>ppt_x</p:attrName>
-                                        </p:attrNameLst>
-                                      </p:cBhvr>
-                                      <p:tavLst>
-                                        <p:tav tm="0">
-                                          <p:val>
-                                            <p:strVal val="#ppt_x"/>
-                                          </p:val>
-                                        </p:tav>
-                                        <p:tav tm="100000">
-                                          <p:val>
-                                            <p:strVal val="#ppt_x"/>
-                                          </p:val>
-                                        </p:tav>
-                                      </p:tavLst>
-                                    </p:anim>
-                                    <p:anim calcmode="lin" valueType="num">
-                                      <p:cBhvr>
-                                        <p:cTn id="21" dur="1000" fill="hold"/>
-                                        <p:tgtEl>
-                                          <p:spTgt spid="9"/>
-                                        </p:tgtEl>
-                                        <p:attrNameLst>
-                                          <p:attrName>ppt_y</p:attrName>
-                                        </p:attrNameLst>
-                                      </p:cBhvr>
-                                      <p:tavLst>
-                                        <p:tav tm="0">
-                                          <p:val>
-                                            <p:strVal val="#ppt_y+.1"/>
-                                          </p:val>
-                                        </p:tav>
-                                        <p:tav tm="100000">
-                                          <p:val>
-                                            <p:strVal val="#ppt_y"/>
-                                          </p:val>
-                                        </p:tav>
-                                      </p:tavLst>
-                                    </p:anim>
-                                  </p:childTnLst>
-                                </p:cTn>
-                              </p:par>
-                            </p:childTnLst>
-                          </p:cTn>
-                        </p:par>
-                      </p:childTnLst>
-                    </p:cTn>
-                  </p:par>
-                  <p:par>
-                    <p:cTn id="22" fill="hold">
-                      <p:stCondLst>
-                        <p:cond delay="indefinite"/>
-                      </p:stCondLst>
-                      <p:childTnLst>
-                        <p:par>
-                          <p:cTn id="23" fill="hold">
-                            <p:stCondLst>
-                              <p:cond delay="0"/>
-                            </p:stCondLst>
-                            <p:childTnLst>
-                              <p:par>
-                                <p:cTn id="24" presetID="42" presetClass="entr" presetSubtype="0" fill="hold" grpId="0" nodeType="clickEffect">
-                                  <p:stCondLst>
-                                    <p:cond delay="0"/>
-                                  </p:stCondLst>
-                                  <p:childTnLst>
-                                    <p:set>
-                                      <p:cBhvr>
-                                        <p:cTn id="25" dur="1" fill="hold">
-                                          <p:stCondLst>
-                                            <p:cond delay="0"/>
-                                          </p:stCondLst>
-                                        </p:cTn>
-                                        <p:tgtEl>
-                                          <p:spTgt spid="10"/>
-                                        </p:tgtEl>
-                                        <p:attrNameLst>
-                                          <p:attrName>style.visibility</p:attrName>
-                                        </p:attrNameLst>
-                                      </p:cBhvr>
-                                      <p:to>
-                                        <p:strVal val="visible"/>
-                                      </p:to>
-                                    </p:set>
-                                    <p:animEffect transition="in" filter="fade">
-                                      <p:cBhvr>
-                                        <p:cTn id="26" dur="1000"/>
-                                        <p:tgtEl>
-                                          <p:spTgt spid="10"/>
-                                        </p:tgtEl>
-                                      </p:cBhvr>
-                                    </p:animEffect>
-                                    <p:anim calcmode="lin" valueType="num">
-                                      <p:cBhvr>
-                                        <p:cTn id="27" dur="1000" fill="hold"/>
-                                        <p:tgtEl>
-                                          <p:spTgt spid="10"/>
-                                        </p:tgtEl>
-                                        <p:attrNameLst>
-                                          <p:attrName>ppt_x</p:attrName>
-                                        </p:attrNameLst>
-                                      </p:cBhvr>
-                                      <p:tavLst>
-                                        <p:tav tm="0">
-                                          <p:val>
-                                            <p:strVal val="#ppt_x"/>
-                                          </p:val>
-                                        </p:tav>
-                                        <p:tav tm="100000">
-                                          <p:val>
-                                            <p:strVal val="#ppt_x"/>
-                                          </p:val>
-                                        </p:tav>
-                                      </p:tavLst>
-                                    </p:anim>
-                                    <p:anim calcmode="lin" valueType="num">
-                                      <p:cBhvr>
-                                        <p:cTn id="28" dur="1000" fill="hold"/>
-                                        <p:tgtEl>
-                                          <p:spTgt spid="10"/>
-                                        </p:tgtEl>
-                                        <p:attrNameLst>
-                                          <p:attrName>ppt_y</p:attrName>
-                                        </p:attrNameLst>
-                                      </p:cBhvr>
-                                      <p:tavLst>
-                                        <p:tav tm="0">
-                                          <p:val>
-                                            <p:strVal val="#ppt_y+.1"/>
-                                          </p:val>
-                                        </p:tav>
-                                        <p:tav tm="100000">
-                                          <p:val>
-                                            <p:strVal val="#ppt_y"/>
-                                          </p:val>
-                                        </p:tav>
-                                      </p:tavLst>
-                                    </p:anim>
-                                  </p:childTnLst>
-                                </p:cTn>
-                              </p:par>
-                            </p:childTnLst>
-                          </p:cTn>
-                        </p:par>
-                      </p:childTnLst>
-                    </p:cTn>
-                  </p:par>
-                  <p:par>
-                    <p:cTn id="29" fill="hold">
-                      <p:stCondLst>
-                        <p:cond delay="indefinite"/>
-                      </p:stCondLst>
-                      <p:childTnLst>
-                        <p:par>
-                          <p:cTn id="30" fill="hold">
-                            <p:stCondLst>
-                              <p:cond delay="0"/>
-                            </p:stCondLst>
-                            <p:childTnLst>
-                              <p:par>
-                                <p:cTn id="31" presetID="42" presetClass="entr" presetSubtype="0" fill="hold" grpId="0" nodeType="clickEffect">
-                                  <p:stCondLst>
-                                    <p:cond delay="0"/>
-                                  </p:stCondLst>
-                                  <p:childTnLst>
-                                    <p:set>
-                                      <p:cBhvr>
-                                        <p:cTn id="32" dur="1" fill="hold">
-                                          <p:stCondLst>
-                                            <p:cond delay="0"/>
-                                          </p:stCondLst>
-                                        </p:cTn>
-                                        <p:tgtEl>
-                                          <p:spTgt spid="11"/>
-                                        </p:tgtEl>
-                                        <p:attrNameLst>
-                                          <p:attrName>style.visibility</p:attrName>
-                                        </p:attrNameLst>
-                                      </p:cBhvr>
-                                      <p:to>
-                                        <p:strVal val="visible"/>
-                                      </p:to>
-                                    </p:set>
-                                    <p:animEffect transition="in" filter="fade">
-                                      <p:cBhvr>
-                                        <p:cTn id="33" dur="1000"/>
-                                        <p:tgtEl>
-                                          <p:spTgt spid="11"/>
-                                        </p:tgtEl>
-                                      </p:cBhvr>
-                                    </p:animEffect>
-                                    <p:anim calcmode="lin" valueType="num">
-                                      <p:cBhvr>
-                                        <p:cTn id="34" dur="1000" fill="hold"/>
-                                        <p:tgtEl>
-                                          <p:spTgt spid="11"/>
-                                        </p:tgtEl>
-                                        <p:attrNameLst>
-                                          <p:attrName>ppt_x</p:attrName>
-                                        </p:attrNameLst>
-                                      </p:cBhvr>
-                                      <p:tavLst>
-                                        <p:tav tm="0">
-                                          <p:val>
-                                            <p:strVal val="#ppt_x"/>
-                                          </p:val>
-                                        </p:tav>
-                                        <p:tav tm="100000">
-                                          <p:val>
-                                            <p:strVal val="#ppt_x"/>
-                                          </p:val>
-                                        </p:tav>
-                                      </p:tavLst>
-                                    </p:anim>
-                                    <p:anim calcmode="lin" valueType="num">
-                                      <p:cBhvr>
-                                        <p:cTn id="35" dur="1000" fill="hold"/>
-                                        <p:tgtEl>
-                                          <p:spTgt spid="11"/>
-                                        </p:tgtEl>
-                                        <p:attrNameLst>
-                                          <p:attrName>ppt_y</p:attrName>
-                                        </p:attrNameLst>
-                                      </p:cBhvr>
-                                      <p:tavLst>
-                                        <p:tav tm="0">
-                                          <p:val>
-                                            <p:strVal val="#ppt_y+.1"/>
-                                          </p:val>
-                                        </p:tav>
-                                        <p:tav tm="100000">
-                                          <p:val>
-                                            <p:strVal val="#ppt_y"/>
-                                          </p:val>
-                                        </p:tav>
-                                      </p:tavLst>
-                                    </p:anim>
-                                  </p:childTnLst>
-                                </p:cTn>
-                              </p:par>
-                            </p:childTnLst>
-                          </p:cTn>
-                        </p:par>
-                      </p:childTnLst>
-                    </p:cTn>
-                  </p:par>
-                  <p:par>
-                    <p:cTn id="36" fill="hold">
-                      <p:stCondLst>
-                        <p:cond delay="indefinite"/>
-                      </p:stCondLst>
-                      <p:childTnLst>
-                        <p:par>
-                          <p:cTn id="37" fill="hold">
-                            <p:stCondLst>
-                              <p:cond delay="0"/>
-                            </p:stCondLst>
-                            <p:childTnLst>
-                              <p:par>
-                                <p:cTn id="38" presetID="53" presetClass="entr" presetSubtype="16" fill="hold" grpId="0" nodeType="clickEffect">
-                                  <p:stCondLst>
-                                    <p:cond delay="0"/>
-                                  </p:stCondLst>
-                                  <p:childTnLst>
-                                    <p:set>
-                                      <p:cBhvr>
-                                        <p:cTn id="39" dur="1" fill="hold">
-                                          <p:stCondLst>
-                                            <p:cond delay="0"/>
-                                          </p:stCondLst>
-                                        </p:cTn>
-                                        <p:tgtEl>
-                                          <p:spTgt spid="14"/>
-                                        </p:tgtEl>
-                                        <p:attrNameLst>
-                                          <p:attrName>style.visibility</p:attrName>
-                                        </p:attrNameLst>
-                                      </p:cBhvr>
-                                      <p:to>
-                                        <p:strVal val="visible"/>
-                                      </p:to>
-                                    </p:set>
-                                    <p:anim calcmode="lin" valueType="num">
-                                      <p:cBhvr>
-                                        <p:cTn id="40" dur="500" fill="hold"/>
-                                        <p:tgtEl>
-                                          <p:spTgt spid="14"/>
-                                        </p:tgtEl>
-                                        <p:attrNameLst>
-                                          <p:attrName>ppt_w</p:attrName>
-                                        </p:attrNameLst>
-                                      </p:cBhvr>
-                                      <p:tavLst>
-                                        <p:tav tm="0">
-                                          <p:val>
-                                            <p:fltVal val="0"/>
-                                          </p:val>
-                                        </p:tav>
-                                        <p:tav tm="100000">
-                                          <p:val>
-                                            <p:strVal val="#ppt_w"/>
-                                          </p:val>
-                                        </p:tav>
-                                      </p:tavLst>
-                                    </p:anim>
-                                    <p:anim calcmode="lin" valueType="num">
-                                      <p:cBhvr>
-                                        <p:cTn id="41" dur="500" fill="hold"/>
-                                        <p:tgtEl>
-                                          <p:spTgt spid="14"/>
-                                        </p:tgtEl>
-                                        <p:attrNameLst>
-                                          <p:attrName>ppt_h</p:attrName>
-                                        </p:attrNameLst>
-                                      </p:cBhvr>
-                                      <p:tavLst>
-                                        <p:tav tm="0">
-                                          <p:val>
-                                            <p:fltVal val="0"/>
-                                          </p:val>
-                                        </p:tav>
-                                        <p:tav tm="100000">
-                                          <p:val>
-                                            <p:strVal val="#ppt_h"/>
-                                          </p:val>
-                                        </p:tav>
-                                      </p:tavLst>
-                                    </p:anim>
-                                    <p:animEffect transition="in" filter="fade">
-                                      <p:cBhvr>
-                                        <p:cTn id="42" dur="500"/>
-                                        <p:tgtEl>
-                                          <p:spTgt spid="14"/>
-                                        </p:tgtEl>
-                                      </p:cBhvr>
-                                    </p:animEffect>
-                                  </p:childTnLst>
-                                </p:cTn>
-                              </p:par>
-                            </p:childTnLst>
-                          </p:cTn>
-                        </p:par>
-                      </p:childTnLst>
-                    </p:cTn>
-                  </p:par>
-                  <p:par>
-                    <p:cTn id="43" fill="hold">
-                      <p:stCondLst>
-                        <p:cond delay="indefinite"/>
-                      </p:stCondLst>
-                      <p:childTnLst>
-                        <p:par>
-                          <p:cTn id="44" fill="hold">
-                            <p:stCondLst>
-                              <p:cond delay="0"/>
-                            </p:stCondLst>
-                            <p:childTnLst>
-                              <p:par>
-                                <p:cTn id="45" presetID="42" presetClass="entr" presetSubtype="0" fill="hold" grpId="0" nodeType="clickEffect">
-                                  <p:stCondLst>
-                                    <p:cond delay="0"/>
-                                  </p:stCondLst>
-                                  <p:childTnLst>
-                                    <p:set>
-                                      <p:cBhvr>
-                                        <p:cTn id="46" dur="1" fill="hold">
-                                          <p:stCondLst>
-                                            <p:cond delay="0"/>
-                                          </p:stCondLst>
-                                        </p:cTn>
-                                        <p:tgtEl>
-                                          <p:spTgt spid="12"/>
-                                        </p:tgtEl>
-                                        <p:attrNameLst>
-                                          <p:attrName>style.visibility</p:attrName>
-                                        </p:attrNameLst>
-                                      </p:cBhvr>
-                                      <p:to>
-                                        <p:strVal val="visible"/>
-                                      </p:to>
-                                    </p:set>
-                                    <p:animEffect transition="in" filter="fade">
-                                      <p:cBhvr>
-                                        <p:cTn id="47" dur="1000"/>
-                                        <p:tgtEl>
-                                          <p:spTgt spid="12"/>
-                                        </p:tgtEl>
-                                      </p:cBhvr>
-                                    </p:animEffect>
-                                    <p:anim calcmode="lin" valueType="num">
-                                      <p:cBhvr>
-                                        <p:cTn id="48" dur="1000" fill="hold"/>
-                                        <p:tgtEl>
-                                          <p:spTgt spid="12"/>
-                                        </p:tgtEl>
-                                        <p:attrNameLst>
-                                          <p:attrName>ppt_x</p:attrName>
-                                        </p:attrNameLst>
-                                      </p:cBhvr>
-                                      <p:tavLst>
-                                        <p:tav tm="0">
-                                          <p:val>
-                                            <p:strVal val="#ppt_x"/>
-                                          </p:val>
-                                        </p:tav>
-                                        <p:tav tm="100000">
-                                          <p:val>
-                                            <p:strVal val="#ppt_x"/>
-                                          </p:val>
-                                        </p:tav>
-                                      </p:tavLst>
-                                    </p:anim>
-                                    <p:anim calcmode="lin" valueType="num">
-                                      <p:cBhvr>
-                                        <p:cTn id="49" dur="1000" fill="hold"/>
-                                        <p:tgtEl>
-                                          <p:spTgt spid="12"/>
-                                        </p:tgtEl>
-                                        <p:attrNameLst>
-                                          <p:attrName>ppt_y</p:attrName>
-                                        </p:attrNameLst>
-                                      </p:cBhvr>
-                                      <p:tavLst>
-                                        <p:tav tm="0">
-                                          <p:val>
-                                            <p:strVal val="#ppt_y+.1"/>
-                                          </p:val>
-                                        </p:tav>
-                                        <p:tav tm="100000">
-                                          <p:val>
-                                            <p:strVal val="#ppt_y"/>
-                                          </p:val>
-                                        </p:tav>
-                                      </p:tavLst>
-                                    </p:anim>
-                                  </p:childTnLst>
-                                </p:cTn>
-                              </p:par>
-                            </p:childTnLst>
-                          </p:cTn>
-                        </p:par>
-                      </p:childTnLst>
-                    </p:cTn>
-                  </p:par>
-                  <p:par>
-                    <p:cTn id="50" fill="hold">
-                      <p:stCondLst>
-                        <p:cond delay="indefinite"/>
-                      </p:stCondLst>
-                      <p:childTnLst>
-                        <p:par>
-                          <p:cTn id="51" fill="hold">
-                            <p:stCondLst>
-                              <p:cond delay="0"/>
-                            </p:stCondLst>
-                            <p:childTnLst>
-                              <p:par>
-                                <p:cTn id="52" presetID="42" presetClass="entr" presetSubtype="0" fill="hold" grpId="0" nodeType="clickEffect">
-                                  <p:stCondLst>
-                                    <p:cond delay="0"/>
-                                  </p:stCondLst>
-                                  <p:childTnLst>
-                                    <p:set>
-                                      <p:cBhvr>
-                                        <p:cTn id="53" dur="1" fill="hold">
-                                          <p:stCondLst>
-                                            <p:cond delay="0"/>
-                                          </p:stCondLst>
-                                        </p:cTn>
-                                        <p:tgtEl>
-                                          <p:spTgt spid="13"/>
-                                        </p:tgtEl>
-                                        <p:attrNameLst>
-                                          <p:attrName>style.visibility</p:attrName>
-                                        </p:attrNameLst>
-                                      </p:cBhvr>
-                                      <p:to>
-                                        <p:strVal val="visible"/>
-                                      </p:to>
-                                    </p:set>
-                                    <p:animEffect transition="in" filter="fade">
-                                      <p:cBhvr>
-                                        <p:cTn id="54" dur="1000"/>
-                                        <p:tgtEl>
-                                          <p:spTgt spid="13"/>
-                                        </p:tgtEl>
-                                      </p:cBhvr>
-                                    </p:animEffect>
-                                    <p:anim calcmode="lin" valueType="num">
-                                      <p:cBhvr>
-                                        <p:cTn id="55" dur="1000" fill="hold"/>
-                                        <p:tgtEl>
-                                          <p:spTgt spid="13"/>
-                                        </p:tgtEl>
-                                        <p:attrNameLst>
-                                          <p:attrName>ppt_x</p:attrName>
-                                        </p:attrNameLst>
-                                      </p:cBhvr>
-                                      <p:tavLst>
-                                        <p:tav tm="0">
-                                          <p:val>
-                                            <p:strVal val="#ppt_x"/>
-                                          </p:val>
-                                        </p:tav>
-                                        <p:tav tm="100000">
-                                          <p:val>
-                                            <p:strVal val="#ppt_x"/>
-                                          </p:val>
-                                        </p:tav>
-                                      </p:tavLst>
-                                    </p:anim>
-                                    <p:anim calcmode="lin" valueType="num">
-                                      <p:cBhvr>
-                                        <p:cTn id="56" dur="1000" fill="hold"/>
-                                        <p:tgtEl>
-                                          <p:spTgt spid="13"/>
-                                        </p:tgtEl>
-                                        <p:attrNameLst>
-                                          <p:attrName>ppt_y</p:attrName>
-                                        </p:attrNameLst>
-                                      </p:cBhvr>
-                                      <p:tavLst>
-                                        <p:tav tm="0">
-                                          <p:val>
-                                            <p:strVal val="#ppt_y+.1"/>
-                                          </p:val>
-                                        </p:tav>
-                                        <p:tav tm="100000">
-                                          <p:val>
-                                            <p:strVal val="#ppt_y"/>
-                                          </p:val>
-                                        </p:tav>
-                                      </p:tavLst>
-                                    </p:anim>
-                                  </p:childTnLst>
-                                </p:cTn>
-                              </p:par>
-                            </p:childTnLst>
-                          </p:cTn>
-                        </p:par>
-                      </p:childTnLst>
-                    </p:cTn>
-                  </p:par>
-                  <p:par>
-                    <p:cTn id="57" fill="hold">
-                      <p:stCondLst>
-                        <p:cond delay="indefinite"/>
-                      </p:stCondLst>
-                      <p:childTnLst>
-                        <p:par>
-                          <p:cTn id="58" fill="hold">
-                            <p:stCondLst>
-                              <p:cond delay="0"/>
-                            </p:stCondLst>
-                            <p:childTnLst>
-                              <p:par>
-                                <p:cTn id="59" presetID="42" presetClass="entr" presetSubtype="0" fill="hold" grpId="0" nodeType="clickEffect">
-                                  <p:stCondLst>
-                                    <p:cond delay="0"/>
-                                  </p:stCondLst>
-                                  <p:childTnLst>
-                                    <p:set>
-                                      <p:cBhvr>
-                                        <p:cTn id="60" dur="1" fill="hold">
-                                          <p:stCondLst>
-                                            <p:cond delay="0"/>
-                                          </p:stCondLst>
-                                        </p:cTn>
-                                        <p:tgtEl>
-                                          <p:spTgt spid="15"/>
-                                        </p:tgtEl>
-                                        <p:attrNameLst>
-                                          <p:attrName>style.visibility</p:attrName>
-                                        </p:attrNameLst>
-                                      </p:cBhvr>
-                                      <p:to>
-                                        <p:strVal val="visible"/>
-                                      </p:to>
-                                    </p:set>
-                                    <p:animEffect transition="in" filter="fade">
-                                      <p:cBhvr>
-                                        <p:cTn id="61" dur="1000"/>
-                                        <p:tgtEl>
-                                          <p:spTgt spid="15"/>
-                                        </p:tgtEl>
-                                      </p:cBhvr>
-                                    </p:animEffect>
-                                    <p:anim calcmode="lin" valueType="num">
-                                      <p:cBhvr>
-                                        <p:cTn id="62" dur="1000" fill="hold"/>
-                                        <p:tgtEl>
-                                          <p:spTgt spid="15"/>
-                                        </p:tgtEl>
-                                        <p:attrNameLst>
-                                          <p:attrName>ppt_x</p:attrName>
-                                        </p:attrNameLst>
-                                      </p:cBhvr>
-                                      <p:tavLst>
-                                        <p:tav tm="0">
-                                          <p:val>
-                                            <p:strVal val="#ppt_x"/>
-                                          </p:val>
-                                        </p:tav>
-                                        <p:tav tm="100000">
-                                          <p:val>
-                                            <p:strVal val="#ppt_x"/>
-                                          </p:val>
-                                        </p:tav>
-                                      </p:tavLst>
-                                    </p:anim>
-                                    <p:anim calcmode="lin" valueType="num">
-                                      <p:cBhvr>
-                                        <p:cTn id="63" dur="1000" fill="hold"/>
-                                        <p:tgtEl>
-                                          <p:spTgt spid="15"/>
-                                        </p:tgtEl>
-                                        <p:attrNameLst>
-                                          <p:attrName>ppt_y</p:attrName>
-                                        </p:attrNameLst>
-                                      </p:cBhvr>
-                                      <p:tavLst>
-                                        <p:tav tm="0">
-                                          <p:val>
-                                            <p:strVal val="#ppt_y+.1"/>
-                                          </p:val>
-                                        </p:tav>
-                                        <p:tav tm="100000">
-                                          <p:val>
-                                            <p:strVal val="#ppt_y"/>
-                                          </p:val>
-                                        </p:tav>
-                                      </p:tavLst>
-                                    </p:anim>
-                                  </p:childTnLst>
-                                </p:cTn>
-                              </p:par>
-                            </p:childTnLst>
-                          </p:cTn>
-                        </p:par>
-                      </p:childTnLst>
-                    </p:cTn>
-                  </p:par>
                 </p:childTnLst>
               </p:cTn>
               <p:prevCondLst>
@@ -8483,13 +7666,6 @@
     </p:tnLst>
     <p:bldLst>
       <p:bldP spid="2" grpId="0"/>
-      <p:bldP spid="9" grpId="0"/>
-      <p:bldP spid="10" grpId="0"/>
-      <p:bldP spid="11" grpId="0"/>
-      <p:bldP spid="12" grpId="0"/>
-      <p:bldP spid="13" grpId="0"/>
-      <p:bldP spid="14" grpId="0"/>
-      <p:bldP spid="15" grpId="0"/>
     </p:bldLst>
   </p:timing>
 </p:sld>
@@ -8562,295 +7738,6 @@
           </a:p>
         </p:txBody>
       </p:sp>
-      <p:sp>
-        <p:nvSpPr>
-          <p:cNvPr id="3" name="Szövegdoboz 2">
-            <a:extLst>
-              <a:ext uri="{FF2B5EF4-FFF2-40B4-BE49-F238E27FC236}">
-                <a16:creationId xmlns:a16="http://schemas.microsoft.com/office/drawing/2014/main" id="{F4617741-3817-451B-9BF1-2473BB44CC94}"/>
-              </a:ext>
-            </a:extLst>
-          </p:cNvPr>
-          <p:cNvSpPr txBox="1"/>
-          <p:nvPr/>
-        </p:nvSpPr>
-        <p:spPr>
-          <a:xfrm>
-            <a:off x="864065" y="990280"/>
-            <a:ext cx="8019875" cy="646331"/>
-          </a:xfrm>
-          <a:prstGeom prst="rect">
-            <a:avLst/>
-          </a:prstGeom>
-          <a:noFill/>
-        </p:spPr>
-        <p:txBody>
-          <a:bodyPr wrap="square" rtlCol="0">
-            <a:spAutoFit/>
-          </a:bodyPr>
-          <a:lstStyle/>
-          <a:p>
-            <a:pPr marL="285750" indent="-285750">
-              <a:buFont typeface="Arial" panose="020B0604020202020204" pitchFamily="34" charset="0"/>
-              <a:buChar char="•"/>
-            </a:pPr>
-            <a:r>
-              <a:rPr lang="hu-HU" dirty="0"/>
-              <a:t>Ez egy olyan webalkalmazás ami egy autó-alkatrész bolt webáruházát szimulálja </a:t>
-            </a:r>
-            <a:r>
-              <a:rPr lang="hu-HU" dirty="0">
-                <a:solidFill>
-                  <a:srgbClr val="00B0F0"/>
-                </a:solidFill>
-              </a:rPr>
-              <a:t>felhasználói</a:t>
-            </a:r>
-            <a:r>
-              <a:rPr lang="hu-HU" dirty="0"/>
-              <a:t> és </a:t>
-            </a:r>
-            <a:r>
-              <a:rPr lang="hu-HU" dirty="0">
-                <a:solidFill>
-                  <a:srgbClr val="00B0F0"/>
-                </a:solidFill>
-              </a:rPr>
-              <a:t>fejlesztői</a:t>
-            </a:r>
-            <a:r>
-              <a:rPr lang="hu-HU" dirty="0"/>
-              <a:t> szempontból is.</a:t>
-            </a:r>
-          </a:p>
-        </p:txBody>
-      </p:sp>
-      <p:sp>
-        <p:nvSpPr>
-          <p:cNvPr id="4" name="Szövegdoboz 3">
-            <a:extLst>
-              <a:ext uri="{FF2B5EF4-FFF2-40B4-BE49-F238E27FC236}">
-                <a16:creationId xmlns:a16="http://schemas.microsoft.com/office/drawing/2014/main" id="{540CFB06-5CD5-44A3-A759-F3C49589FA25}"/>
-              </a:ext>
-            </a:extLst>
-          </p:cNvPr>
-          <p:cNvSpPr txBox="1"/>
-          <p:nvPr/>
-        </p:nvSpPr>
-        <p:spPr>
-          <a:xfrm>
-            <a:off x="209724" y="1636611"/>
-            <a:ext cx="9563450" cy="369332"/>
-          </a:xfrm>
-          <a:prstGeom prst="rect">
-            <a:avLst/>
-          </a:prstGeom>
-          <a:noFill/>
-        </p:spPr>
-        <p:txBody>
-          <a:bodyPr wrap="square" rtlCol="0">
-            <a:spAutoFit/>
-          </a:bodyPr>
-          <a:lstStyle/>
-          <a:p>
-            <a:r>
-              <a:rPr lang="hu-HU" dirty="0"/>
-              <a:t>Minden olyan dolgot lehet rajta végezni mint egy rendes webáruházon: a </a:t>
-            </a:r>
-            <a:r>
-              <a:rPr lang="hu-HU" dirty="0">
-                <a:solidFill>
-                  <a:srgbClr val="00B0F0"/>
-                </a:solidFill>
-              </a:rPr>
-              <a:t>felhasználó</a:t>
-            </a:r>
-            <a:r>
-              <a:rPr lang="hu-HU" dirty="0"/>
-              <a:t> szemszögéből</a:t>
-            </a:r>
-          </a:p>
-        </p:txBody>
-      </p:sp>
-      <p:sp>
-        <p:nvSpPr>
-          <p:cNvPr id="5" name="Szövegdoboz 4">
-            <a:extLst>
-              <a:ext uri="{FF2B5EF4-FFF2-40B4-BE49-F238E27FC236}">
-                <a16:creationId xmlns:a16="http://schemas.microsoft.com/office/drawing/2014/main" id="{D62F1F43-B97A-4A38-B8D8-35F444831808}"/>
-              </a:ext>
-            </a:extLst>
-          </p:cNvPr>
-          <p:cNvSpPr txBox="1"/>
-          <p:nvPr/>
-        </p:nvSpPr>
-        <p:spPr>
-          <a:xfrm>
-            <a:off x="1040235" y="2098276"/>
-            <a:ext cx="4127383" cy="1200329"/>
-          </a:xfrm>
-          <a:prstGeom prst="rect">
-            <a:avLst/>
-          </a:prstGeom>
-          <a:noFill/>
-        </p:spPr>
-        <p:txBody>
-          <a:bodyPr wrap="square" rtlCol="0">
-            <a:spAutoFit/>
-          </a:bodyPr>
-          <a:lstStyle/>
-          <a:p>
-            <a:pPr marL="285750" indent="-285750">
-              <a:buFont typeface="Arial" panose="020B0604020202020204" pitchFamily="34" charset="0"/>
-              <a:buChar char="•"/>
-            </a:pPr>
-            <a:r>
-              <a:rPr lang="hu-HU" dirty="0"/>
-              <a:t>Bejelentkezés felület</a:t>
-            </a:r>
-          </a:p>
-          <a:p>
-            <a:pPr marL="285750" indent="-285750">
-              <a:buFont typeface="Arial" panose="020B0604020202020204" pitchFamily="34" charset="0"/>
-              <a:buChar char="•"/>
-            </a:pPr>
-            <a:r>
-              <a:rPr lang="hu-HU" dirty="0" err="1"/>
-              <a:t>About</a:t>
-            </a:r>
-            <a:r>
-              <a:rPr lang="hu-HU" dirty="0"/>
-              <a:t>/GYIK oldal</a:t>
-            </a:r>
-          </a:p>
-          <a:p>
-            <a:pPr marL="285750" indent="-285750">
-              <a:buFont typeface="Arial" panose="020B0604020202020204" pitchFamily="34" charset="0"/>
-              <a:buChar char="•"/>
-            </a:pPr>
-            <a:r>
-              <a:rPr lang="hu-HU" dirty="0"/>
-              <a:t>Áruk megtekintése, kosárba rakás</a:t>
-            </a:r>
-          </a:p>
-          <a:p>
-            <a:pPr marL="285750" indent="-285750">
-              <a:buFont typeface="Arial" panose="020B0604020202020204" pitchFamily="34" charset="0"/>
-              <a:buChar char="•"/>
-            </a:pPr>
-            <a:r>
-              <a:rPr lang="hu-HU" dirty="0"/>
-              <a:t>Rendelés szimulálás</a:t>
-            </a:r>
-          </a:p>
-        </p:txBody>
-      </p:sp>
-      <p:sp>
-        <p:nvSpPr>
-          <p:cNvPr id="7" name="Szövegdoboz 6">
-            <a:extLst>
-              <a:ext uri="{FF2B5EF4-FFF2-40B4-BE49-F238E27FC236}">
-                <a16:creationId xmlns:a16="http://schemas.microsoft.com/office/drawing/2014/main" id="{4971F12B-79E7-4E20-98C5-E91C2FBC03CE}"/>
-              </a:ext>
-            </a:extLst>
-          </p:cNvPr>
-          <p:cNvSpPr txBox="1"/>
-          <p:nvPr/>
-        </p:nvSpPr>
-        <p:spPr>
-          <a:xfrm>
-            <a:off x="209725" y="3423466"/>
-            <a:ext cx="3716324" cy="369332"/>
-          </a:xfrm>
-          <a:prstGeom prst="rect">
-            <a:avLst/>
-          </a:prstGeom>
-          <a:noFill/>
-        </p:spPr>
-        <p:txBody>
-          <a:bodyPr wrap="square" rtlCol="0">
-            <a:spAutoFit/>
-          </a:bodyPr>
-          <a:lstStyle/>
-          <a:p>
-            <a:r>
-              <a:rPr lang="hu-HU" dirty="0"/>
-              <a:t>A </a:t>
-            </a:r>
-            <a:r>
-              <a:rPr lang="hu-HU" dirty="0">
-                <a:solidFill>
-                  <a:srgbClr val="00B0F0"/>
-                </a:solidFill>
-              </a:rPr>
-              <a:t>fejlesztők</a:t>
-            </a:r>
-            <a:r>
-              <a:rPr lang="hu-HU" dirty="0"/>
-              <a:t> képesek az árukat kezelni</a:t>
-            </a:r>
-          </a:p>
-        </p:txBody>
-      </p:sp>
-      <p:sp>
-        <p:nvSpPr>
-          <p:cNvPr id="8" name="Szövegdoboz 7">
-            <a:extLst>
-              <a:ext uri="{FF2B5EF4-FFF2-40B4-BE49-F238E27FC236}">
-                <a16:creationId xmlns:a16="http://schemas.microsoft.com/office/drawing/2014/main" id="{1CD50F07-60B2-4CB9-A53F-49E77AEE8E85}"/>
-              </a:ext>
-            </a:extLst>
-          </p:cNvPr>
-          <p:cNvSpPr txBox="1"/>
-          <p:nvPr/>
-        </p:nvSpPr>
-        <p:spPr>
-          <a:xfrm>
-            <a:off x="1040235" y="3917659"/>
-            <a:ext cx="2399251" cy="923330"/>
-          </a:xfrm>
-          <a:prstGeom prst="rect">
-            <a:avLst/>
-          </a:prstGeom>
-          <a:noFill/>
-        </p:spPr>
-        <p:txBody>
-          <a:bodyPr wrap="square" rtlCol="0">
-            <a:spAutoFit/>
-          </a:bodyPr>
-          <a:lstStyle/>
-          <a:p>
-            <a:pPr marL="285750" indent="-285750">
-              <a:buFont typeface="Arial" panose="020B0604020202020204" pitchFamily="34" charset="0"/>
-              <a:buChar char="•"/>
-            </a:pPr>
-            <a:r>
-              <a:rPr lang="hu-HU" dirty="0"/>
-              <a:t>Új áru felvétele</a:t>
-            </a:r>
-          </a:p>
-          <a:p>
-            <a:pPr marL="285750" indent="-285750">
-              <a:buFont typeface="Arial" panose="020B0604020202020204" pitchFamily="34" charset="0"/>
-              <a:buChar char="•"/>
-            </a:pPr>
-            <a:r>
-              <a:rPr lang="hu-HU" dirty="0"/>
-              <a:t>Áru módosítása</a:t>
-            </a:r>
-          </a:p>
-          <a:p>
-            <a:pPr marL="285750" indent="-285750">
-              <a:buFont typeface="Arial" panose="020B0604020202020204" pitchFamily="34" charset="0"/>
-              <a:buChar char="•"/>
-            </a:pPr>
-            <a:r>
-              <a:rPr lang="hu-HU" dirty="0"/>
-              <a:t>Áru törlése</a:t>
-            </a:r>
-          </a:p>
-        </p:txBody>
-      </p:sp>
       <p:pic>
         <p:nvPicPr>
           <p:cNvPr id="9" name="Kép 8">
@@ -8873,8 +7760,8 @@
         </p:blipFill>
         <p:spPr>
           <a:xfrm>
-            <a:off x="4530055" y="3383523"/>
-            <a:ext cx="7024382" cy="3091828"/>
+            <a:off x="348283" y="1454260"/>
+            <a:ext cx="11495434" cy="5059791"/>
           </a:xfrm>
           <a:prstGeom prst="rect">
             <a:avLst/>
@@ -8908,522 +7795,6 @@
   <p:transition spd="slow">
     <p:push dir="u"/>
   </p:transition>
-  <p:timing>
-    <p:tnLst>
-      <p:par>
-        <p:cTn id="1" dur="indefinite" restart="never" nodeType="tmRoot">
-          <p:childTnLst>
-            <p:seq concurrent="1" nextAc="seek">
-              <p:cTn id="2" dur="indefinite" nodeType="mainSeq">
-                <p:childTnLst>
-                  <p:par>
-                    <p:cTn id="3" fill="hold">
-                      <p:stCondLst>
-                        <p:cond delay="indefinite"/>
-                      </p:stCondLst>
-                      <p:childTnLst>
-                        <p:par>
-                          <p:cTn id="4" fill="hold">
-                            <p:stCondLst>
-                              <p:cond delay="0"/>
-                            </p:stCondLst>
-                            <p:childTnLst>
-                              <p:par>
-                                <p:cTn id="5" presetID="42" presetClass="entr" presetSubtype="0" fill="hold" grpId="0" nodeType="clickEffect">
-                                  <p:stCondLst>
-                                    <p:cond delay="0"/>
-                                  </p:stCondLst>
-                                  <p:childTnLst>
-                                    <p:set>
-                                      <p:cBhvr>
-                                        <p:cTn id="6" dur="1" fill="hold">
-                                          <p:stCondLst>
-                                            <p:cond delay="0"/>
-                                          </p:stCondLst>
-                                        </p:cTn>
-                                        <p:tgtEl>
-                                          <p:spTgt spid="3"/>
-                                        </p:tgtEl>
-                                        <p:attrNameLst>
-                                          <p:attrName>style.visibility</p:attrName>
-                                        </p:attrNameLst>
-                                      </p:cBhvr>
-                                      <p:to>
-                                        <p:strVal val="visible"/>
-                                      </p:to>
-                                    </p:set>
-                                    <p:animEffect transition="in" filter="fade">
-                                      <p:cBhvr>
-                                        <p:cTn id="7" dur="1000"/>
-                                        <p:tgtEl>
-                                          <p:spTgt spid="3"/>
-                                        </p:tgtEl>
-                                      </p:cBhvr>
-                                    </p:animEffect>
-                                    <p:anim calcmode="lin" valueType="num">
-                                      <p:cBhvr>
-                                        <p:cTn id="8" dur="1000" fill="hold"/>
-                                        <p:tgtEl>
-                                          <p:spTgt spid="3"/>
-                                        </p:tgtEl>
-                                        <p:attrNameLst>
-                                          <p:attrName>ppt_x</p:attrName>
-                                        </p:attrNameLst>
-                                      </p:cBhvr>
-                                      <p:tavLst>
-                                        <p:tav tm="0">
-                                          <p:val>
-                                            <p:strVal val="#ppt_x"/>
-                                          </p:val>
-                                        </p:tav>
-                                        <p:tav tm="100000">
-                                          <p:val>
-                                            <p:strVal val="#ppt_x"/>
-                                          </p:val>
-                                        </p:tav>
-                                      </p:tavLst>
-                                    </p:anim>
-                                    <p:anim calcmode="lin" valueType="num">
-                                      <p:cBhvr>
-                                        <p:cTn id="9" dur="1000" fill="hold"/>
-                                        <p:tgtEl>
-                                          <p:spTgt spid="3"/>
-                                        </p:tgtEl>
-                                        <p:attrNameLst>
-                                          <p:attrName>ppt_y</p:attrName>
-                                        </p:attrNameLst>
-                                      </p:cBhvr>
-                                      <p:tavLst>
-                                        <p:tav tm="0">
-                                          <p:val>
-                                            <p:strVal val="#ppt_y+.1"/>
-                                          </p:val>
-                                        </p:tav>
-                                        <p:tav tm="100000">
-                                          <p:val>
-                                            <p:strVal val="#ppt_y"/>
-                                          </p:val>
-                                        </p:tav>
-                                      </p:tavLst>
-                                    </p:anim>
-                                  </p:childTnLst>
-                                </p:cTn>
-                              </p:par>
-                            </p:childTnLst>
-                          </p:cTn>
-                        </p:par>
-                      </p:childTnLst>
-                    </p:cTn>
-                  </p:par>
-                  <p:par>
-                    <p:cTn id="10" fill="hold">
-                      <p:stCondLst>
-                        <p:cond delay="indefinite"/>
-                      </p:stCondLst>
-                      <p:childTnLst>
-                        <p:par>
-                          <p:cTn id="11" fill="hold">
-                            <p:stCondLst>
-                              <p:cond delay="0"/>
-                            </p:stCondLst>
-                            <p:childTnLst>
-                              <p:par>
-                                <p:cTn id="12" presetID="2" presetClass="entr" presetSubtype="4" fill="hold" grpId="0" nodeType="clickEffect">
-                                  <p:stCondLst>
-                                    <p:cond delay="0"/>
-                                  </p:stCondLst>
-                                  <p:childTnLst>
-                                    <p:set>
-                                      <p:cBhvr>
-                                        <p:cTn id="13" dur="1" fill="hold">
-                                          <p:stCondLst>
-                                            <p:cond delay="0"/>
-                                          </p:stCondLst>
-                                        </p:cTn>
-                                        <p:tgtEl>
-                                          <p:spTgt spid="4"/>
-                                        </p:tgtEl>
-                                        <p:attrNameLst>
-                                          <p:attrName>style.visibility</p:attrName>
-                                        </p:attrNameLst>
-                                      </p:cBhvr>
-                                      <p:to>
-                                        <p:strVal val="visible"/>
-                                      </p:to>
-                                    </p:set>
-                                    <p:anim calcmode="lin" valueType="num">
-                                      <p:cBhvr additive="base">
-                                        <p:cTn id="14" dur="500" fill="hold"/>
-                                        <p:tgtEl>
-                                          <p:spTgt spid="4"/>
-                                        </p:tgtEl>
-                                        <p:attrNameLst>
-                                          <p:attrName>ppt_x</p:attrName>
-                                        </p:attrNameLst>
-                                      </p:cBhvr>
-                                      <p:tavLst>
-                                        <p:tav tm="0">
-                                          <p:val>
-                                            <p:strVal val="#ppt_x"/>
-                                          </p:val>
-                                        </p:tav>
-                                        <p:tav tm="100000">
-                                          <p:val>
-                                            <p:strVal val="#ppt_x"/>
-                                          </p:val>
-                                        </p:tav>
-                                      </p:tavLst>
-                                    </p:anim>
-                                    <p:anim calcmode="lin" valueType="num">
-                                      <p:cBhvr additive="base">
-                                        <p:cTn id="15" dur="500" fill="hold"/>
-                                        <p:tgtEl>
-                                          <p:spTgt spid="4"/>
-                                        </p:tgtEl>
-                                        <p:attrNameLst>
-                                          <p:attrName>ppt_y</p:attrName>
-                                        </p:attrNameLst>
-                                      </p:cBhvr>
-                                      <p:tavLst>
-                                        <p:tav tm="0">
-                                          <p:val>
-                                            <p:strVal val="1+#ppt_h/2"/>
-                                          </p:val>
-                                        </p:tav>
-                                        <p:tav tm="100000">
-                                          <p:val>
-                                            <p:strVal val="#ppt_y"/>
-                                          </p:val>
-                                        </p:tav>
-                                      </p:tavLst>
-                                    </p:anim>
-                                  </p:childTnLst>
-                                </p:cTn>
-                              </p:par>
-                            </p:childTnLst>
-                          </p:cTn>
-                        </p:par>
-                      </p:childTnLst>
-                    </p:cTn>
-                  </p:par>
-                  <p:par>
-                    <p:cTn id="16" fill="hold">
-                      <p:stCondLst>
-                        <p:cond delay="indefinite"/>
-                      </p:stCondLst>
-                      <p:childTnLst>
-                        <p:par>
-                          <p:cTn id="17" fill="hold">
-                            <p:stCondLst>
-                              <p:cond delay="0"/>
-                            </p:stCondLst>
-                            <p:childTnLst>
-                              <p:par>
-                                <p:cTn id="18" presetID="42" presetClass="entr" presetSubtype="0" fill="hold" grpId="0" nodeType="clickEffect">
-                                  <p:stCondLst>
-                                    <p:cond delay="0"/>
-                                  </p:stCondLst>
-                                  <p:childTnLst>
-                                    <p:set>
-                                      <p:cBhvr>
-                                        <p:cTn id="19" dur="1" fill="hold">
-                                          <p:stCondLst>
-                                            <p:cond delay="0"/>
-                                          </p:stCondLst>
-                                        </p:cTn>
-                                        <p:tgtEl>
-                                          <p:spTgt spid="5"/>
-                                        </p:tgtEl>
-                                        <p:attrNameLst>
-                                          <p:attrName>style.visibility</p:attrName>
-                                        </p:attrNameLst>
-                                      </p:cBhvr>
-                                      <p:to>
-                                        <p:strVal val="visible"/>
-                                      </p:to>
-                                    </p:set>
-                                    <p:animEffect transition="in" filter="fade">
-                                      <p:cBhvr>
-                                        <p:cTn id="20" dur="1000"/>
-                                        <p:tgtEl>
-                                          <p:spTgt spid="5"/>
-                                        </p:tgtEl>
-                                      </p:cBhvr>
-                                    </p:animEffect>
-                                    <p:anim calcmode="lin" valueType="num">
-                                      <p:cBhvr>
-                                        <p:cTn id="21" dur="1000" fill="hold"/>
-                                        <p:tgtEl>
-                                          <p:spTgt spid="5"/>
-                                        </p:tgtEl>
-                                        <p:attrNameLst>
-                                          <p:attrName>ppt_x</p:attrName>
-                                        </p:attrNameLst>
-                                      </p:cBhvr>
-                                      <p:tavLst>
-                                        <p:tav tm="0">
-                                          <p:val>
-                                            <p:strVal val="#ppt_x"/>
-                                          </p:val>
-                                        </p:tav>
-                                        <p:tav tm="100000">
-                                          <p:val>
-                                            <p:strVal val="#ppt_x"/>
-                                          </p:val>
-                                        </p:tav>
-                                      </p:tavLst>
-                                    </p:anim>
-                                    <p:anim calcmode="lin" valueType="num">
-                                      <p:cBhvr>
-                                        <p:cTn id="22" dur="1000" fill="hold"/>
-                                        <p:tgtEl>
-                                          <p:spTgt spid="5"/>
-                                        </p:tgtEl>
-                                        <p:attrNameLst>
-                                          <p:attrName>ppt_y</p:attrName>
-                                        </p:attrNameLst>
-                                      </p:cBhvr>
-                                      <p:tavLst>
-                                        <p:tav tm="0">
-                                          <p:val>
-                                            <p:strVal val="#ppt_y+.1"/>
-                                          </p:val>
-                                        </p:tav>
-                                        <p:tav tm="100000">
-                                          <p:val>
-                                            <p:strVal val="#ppt_y"/>
-                                          </p:val>
-                                        </p:tav>
-                                      </p:tavLst>
-                                    </p:anim>
-                                  </p:childTnLst>
-                                </p:cTn>
-                              </p:par>
-                            </p:childTnLst>
-                          </p:cTn>
-                        </p:par>
-                      </p:childTnLst>
-                    </p:cTn>
-                  </p:par>
-                  <p:par>
-                    <p:cTn id="23" fill="hold">
-                      <p:stCondLst>
-                        <p:cond delay="indefinite"/>
-                      </p:stCondLst>
-                      <p:childTnLst>
-                        <p:par>
-                          <p:cTn id="24" fill="hold">
-                            <p:stCondLst>
-                              <p:cond delay="0"/>
-                            </p:stCondLst>
-                            <p:childTnLst>
-                              <p:par>
-                                <p:cTn id="25" presetID="2" presetClass="entr" presetSubtype="4" fill="hold" grpId="0" nodeType="clickEffect">
-                                  <p:stCondLst>
-                                    <p:cond delay="0"/>
-                                  </p:stCondLst>
-                                  <p:childTnLst>
-                                    <p:set>
-                                      <p:cBhvr>
-                                        <p:cTn id="26" dur="1" fill="hold">
-                                          <p:stCondLst>
-                                            <p:cond delay="0"/>
-                                          </p:stCondLst>
-                                        </p:cTn>
-                                        <p:tgtEl>
-                                          <p:spTgt spid="7"/>
-                                        </p:tgtEl>
-                                        <p:attrNameLst>
-                                          <p:attrName>style.visibility</p:attrName>
-                                        </p:attrNameLst>
-                                      </p:cBhvr>
-                                      <p:to>
-                                        <p:strVal val="visible"/>
-                                      </p:to>
-                                    </p:set>
-                                    <p:anim calcmode="lin" valueType="num">
-                                      <p:cBhvr additive="base">
-                                        <p:cTn id="27" dur="500" fill="hold"/>
-                                        <p:tgtEl>
-                                          <p:spTgt spid="7"/>
-                                        </p:tgtEl>
-                                        <p:attrNameLst>
-                                          <p:attrName>ppt_x</p:attrName>
-                                        </p:attrNameLst>
-                                      </p:cBhvr>
-                                      <p:tavLst>
-                                        <p:tav tm="0">
-                                          <p:val>
-                                            <p:strVal val="#ppt_x"/>
-                                          </p:val>
-                                        </p:tav>
-                                        <p:tav tm="100000">
-                                          <p:val>
-                                            <p:strVal val="#ppt_x"/>
-                                          </p:val>
-                                        </p:tav>
-                                      </p:tavLst>
-                                    </p:anim>
-                                    <p:anim calcmode="lin" valueType="num">
-                                      <p:cBhvr additive="base">
-                                        <p:cTn id="28" dur="500" fill="hold"/>
-                                        <p:tgtEl>
-                                          <p:spTgt spid="7"/>
-                                        </p:tgtEl>
-                                        <p:attrNameLst>
-                                          <p:attrName>ppt_y</p:attrName>
-                                        </p:attrNameLst>
-                                      </p:cBhvr>
-                                      <p:tavLst>
-                                        <p:tav tm="0">
-                                          <p:val>
-                                            <p:strVal val="1+#ppt_h/2"/>
-                                          </p:val>
-                                        </p:tav>
-                                        <p:tav tm="100000">
-                                          <p:val>
-                                            <p:strVal val="#ppt_y"/>
-                                          </p:val>
-                                        </p:tav>
-                                      </p:tavLst>
-                                    </p:anim>
-                                  </p:childTnLst>
-                                </p:cTn>
-                              </p:par>
-                            </p:childTnLst>
-                          </p:cTn>
-                        </p:par>
-                      </p:childTnLst>
-                    </p:cTn>
-                  </p:par>
-                  <p:par>
-                    <p:cTn id="29" fill="hold">
-                      <p:stCondLst>
-                        <p:cond delay="indefinite"/>
-                      </p:stCondLst>
-                      <p:childTnLst>
-                        <p:par>
-                          <p:cTn id="30" fill="hold">
-                            <p:stCondLst>
-                              <p:cond delay="0"/>
-                            </p:stCondLst>
-                            <p:childTnLst>
-                              <p:par>
-                                <p:cTn id="31" presetID="42" presetClass="entr" presetSubtype="0" fill="hold" grpId="0" nodeType="clickEffect">
-                                  <p:stCondLst>
-                                    <p:cond delay="0"/>
-                                  </p:stCondLst>
-                                  <p:childTnLst>
-                                    <p:set>
-                                      <p:cBhvr>
-                                        <p:cTn id="32" dur="1" fill="hold">
-                                          <p:stCondLst>
-                                            <p:cond delay="0"/>
-                                          </p:stCondLst>
-                                        </p:cTn>
-                                        <p:tgtEl>
-                                          <p:spTgt spid="8"/>
-                                        </p:tgtEl>
-                                        <p:attrNameLst>
-                                          <p:attrName>style.visibility</p:attrName>
-                                        </p:attrNameLst>
-                                      </p:cBhvr>
-                                      <p:to>
-                                        <p:strVal val="visible"/>
-                                      </p:to>
-                                    </p:set>
-                                    <p:animEffect transition="in" filter="fade">
-                                      <p:cBhvr>
-                                        <p:cTn id="33" dur="1000"/>
-                                        <p:tgtEl>
-                                          <p:spTgt spid="8"/>
-                                        </p:tgtEl>
-                                      </p:cBhvr>
-                                    </p:animEffect>
-                                    <p:anim calcmode="lin" valueType="num">
-                                      <p:cBhvr>
-                                        <p:cTn id="34" dur="1000" fill="hold"/>
-                                        <p:tgtEl>
-                                          <p:spTgt spid="8"/>
-                                        </p:tgtEl>
-                                        <p:attrNameLst>
-                                          <p:attrName>ppt_x</p:attrName>
-                                        </p:attrNameLst>
-                                      </p:cBhvr>
-                                      <p:tavLst>
-                                        <p:tav tm="0">
-                                          <p:val>
-                                            <p:strVal val="#ppt_x"/>
-                                          </p:val>
-                                        </p:tav>
-                                        <p:tav tm="100000">
-                                          <p:val>
-                                            <p:strVal val="#ppt_x"/>
-                                          </p:val>
-                                        </p:tav>
-                                      </p:tavLst>
-                                    </p:anim>
-                                    <p:anim calcmode="lin" valueType="num">
-                                      <p:cBhvr>
-                                        <p:cTn id="35" dur="1000" fill="hold"/>
-                                        <p:tgtEl>
-                                          <p:spTgt spid="8"/>
-                                        </p:tgtEl>
-                                        <p:attrNameLst>
-                                          <p:attrName>ppt_y</p:attrName>
-                                        </p:attrNameLst>
-                                      </p:cBhvr>
-                                      <p:tavLst>
-                                        <p:tav tm="0">
-                                          <p:val>
-                                            <p:strVal val="#ppt_y+.1"/>
-                                          </p:val>
-                                        </p:tav>
-                                        <p:tav tm="100000">
-                                          <p:val>
-                                            <p:strVal val="#ppt_y"/>
-                                          </p:val>
-                                        </p:tav>
-                                      </p:tavLst>
-                                    </p:anim>
-                                  </p:childTnLst>
-                                </p:cTn>
-                              </p:par>
-                            </p:childTnLst>
-                          </p:cTn>
-                        </p:par>
-                      </p:childTnLst>
-                    </p:cTn>
-                  </p:par>
-                </p:childTnLst>
-              </p:cTn>
-              <p:prevCondLst>
-                <p:cond evt="onPrev" delay="0">
-                  <p:tgtEl>
-                    <p:sldTgt/>
-                  </p:tgtEl>
-                </p:cond>
-              </p:prevCondLst>
-              <p:nextCondLst>
-                <p:cond evt="onNext" delay="0">
-                  <p:tgtEl>
-                    <p:sldTgt/>
-                  </p:tgtEl>
-                </p:cond>
-              </p:nextCondLst>
-            </p:seq>
-          </p:childTnLst>
-        </p:cTn>
-      </p:par>
-    </p:tnLst>
-    <p:bldLst>
-      <p:bldP spid="3" grpId="0"/>
-      <p:bldP spid="4" grpId="0"/>
-      <p:bldP spid="5" grpId="0"/>
-      <p:bldP spid="7" grpId="0"/>
-      <p:bldP spid="8" grpId="0"/>
-    </p:bldLst>
-  </p:timing>
 </p:sld>
 </file>
 
@@ -12224,6 +10595,14 @@
 </file>
 
 <file path=customXml/item1.xml><?xml version="1.0" encoding="utf-8"?>
+<p:properties xmlns:p="http://schemas.microsoft.com/office/2006/metadata/properties" xmlns:xsi="http://www.w3.org/2001/XMLSchema-instance" xmlns:pc="http://schemas.microsoft.com/office/infopath/2007/PartnerControls">
+  <documentManagement>
+    <MediaServiceKeyPoints xmlns="71af3243-3dd4-4a8d-8c0d-dd76da1f02a5" xsi:nil="true"/>
+  </documentManagement>
+</p:properties>
+</file>
+
+<file path=customXml/item2.xml><?xml version="1.0" encoding="utf-8"?>
 <ct:contentTypeSchema xmlns:ct="http://schemas.microsoft.com/office/2006/metadata/contentType" xmlns:ma="http://schemas.microsoft.com/office/2006/metadata/properties/metaAttributes" ct:_="" ma:_="" ma:contentTypeName="Document" ma:contentTypeID="0x01010079F111ED35F8CC479449609E8A0923A6" ma:contentTypeVersion="11" ma:contentTypeDescription="Create a new document." ma:contentTypeScope="" ma:versionID="9677210f24a1be23c92c90fd886aa0aa">
   <xsd:schema xmlns:xsd="http://www.w3.org/2001/XMLSchema" xmlns:xs="http://www.w3.org/2001/XMLSchema" xmlns:p="http://schemas.microsoft.com/office/2006/metadata/properties" xmlns:ns2="71af3243-3dd4-4a8d-8c0d-dd76da1f02a5" xmlns:ns3="16c05727-aa75-4e4a-9b5f-8a80a1165891" targetNamespace="http://schemas.microsoft.com/office/2006/metadata/properties" ma:root="true" ma:fieldsID="60e05723c5c1908df1a1a4ebf11d344e" ns2:_="" ns3:_="">
     <xsd:import namespace="71af3243-3dd4-4a8d-8c0d-dd76da1f02a5"/>
@@ -12434,14 +10813,6 @@
 </ct:contentTypeSchema>
 </file>
 
-<file path=customXml/item2.xml><?xml version="1.0" encoding="utf-8"?>
-<p:properties xmlns:p="http://schemas.microsoft.com/office/2006/metadata/properties" xmlns:xsi="http://www.w3.org/2001/XMLSchema-instance" xmlns:pc="http://schemas.microsoft.com/office/infopath/2007/PartnerControls">
-  <documentManagement>
-    <MediaServiceKeyPoints xmlns="71af3243-3dd4-4a8d-8c0d-dd76da1f02a5" xsi:nil="true"/>
-  </documentManagement>
-</p:properties>
-</file>
-
 <file path=customXml/item3.xml><?xml version="1.0" encoding="utf-8"?>
 <?mso-contentType ?>
 <FormTemplates xmlns="http://schemas.microsoft.com/sharepoint/v3/contenttype/forms">
@@ -12452,6 +10823,16 @@
 </file>
 
 <file path=customXml/itemProps1.xml><?xml version="1.0" encoding="utf-8"?>
+<ds:datastoreItem xmlns:ds="http://schemas.openxmlformats.org/officeDocument/2006/customXml" ds:itemID="{B26D5668-1971-40BB-BC7C-94C9B101AAB7}">
+  <ds:schemaRefs>
+    <ds:schemaRef ds:uri="http://schemas.microsoft.com/office/2006/metadata/properties"/>
+    <ds:schemaRef ds:uri="http://schemas.microsoft.com/office/infopath/2007/PartnerControls"/>
+    <ds:schemaRef ds:uri="71af3243-3dd4-4a8d-8c0d-dd76da1f02a5"/>
+  </ds:schemaRefs>
+</ds:datastoreItem>
+</file>
+
+<file path=customXml/itemProps2.xml><?xml version="1.0" encoding="utf-8"?>
 <ds:datastoreItem xmlns:ds="http://schemas.openxmlformats.org/officeDocument/2006/customXml" ds:itemID="{3370F4A1-FC59-4361-989F-6C79533DA565}">
   <ds:schemaRefs>
     <ds:schemaRef ds:uri="http://schemas.microsoft.com/office/2006/metadata/contentType"/>
@@ -12470,16 +10851,6 @@
 </ds:datastoreItem>
 </file>
 
-<file path=customXml/itemProps2.xml><?xml version="1.0" encoding="utf-8"?>
-<ds:datastoreItem xmlns:ds="http://schemas.openxmlformats.org/officeDocument/2006/customXml" ds:itemID="{B26D5668-1971-40BB-BC7C-94C9B101AAB7}">
-  <ds:schemaRefs>
-    <ds:schemaRef ds:uri="http://schemas.microsoft.com/office/2006/metadata/properties"/>
-    <ds:schemaRef ds:uri="http://schemas.microsoft.com/office/infopath/2007/PartnerControls"/>
-    <ds:schemaRef ds:uri="71af3243-3dd4-4a8d-8c0d-dd76da1f02a5"/>
-  </ds:schemaRefs>
-</ds:datastoreItem>
-</file>
-
 <file path=customXml/itemProps3.xml><?xml version="1.0" encoding="utf-8"?>
 <ds:datastoreItem xmlns:ds="http://schemas.openxmlformats.org/officeDocument/2006/customXml" ds:itemID="{FE57094B-4684-420B-AFE0-4E41CA2AF714}">
   <ds:schemaRefs>

--- a/Presentation.pptx
+++ b/Presentation.pptx
@@ -1396,6 +1396,114 @@
     <p:extLst>
       <p:ext uri="{BB962C8B-B14F-4D97-AF65-F5344CB8AC3E}">
         <p14:creationId xmlns:p14="http://schemas.microsoft.com/office/powerpoint/2010/main" val="413790069"/>
+      </p:ext>
+    </p:extLst>
+  </p:cSld>
+  <p:clrMapOvr>
+    <a:masterClrMapping/>
+  </p:clrMapOvr>
+</p:notes>
+</file>
+
+<file path=ppt/notesSlides/notesSlide5.xml><?xml version="1.0" encoding="utf-8"?>
+<p:notes xmlns:a="http://schemas.openxmlformats.org/drawingml/2006/main" xmlns:r="http://schemas.openxmlformats.org/officeDocument/2006/relationships" xmlns:p="http://schemas.openxmlformats.org/presentationml/2006/main">
+  <p:cSld>
+    <p:spTree>
+      <p:nvGrpSpPr>
+        <p:cNvPr id="1" name=""/>
+        <p:cNvGrpSpPr/>
+        <p:nvPr/>
+      </p:nvGrpSpPr>
+      <p:grpSpPr>
+        <a:xfrm>
+          <a:off x="0" y="0"/>
+          <a:ext cx="0" cy="0"/>
+          <a:chOff x="0" y="0"/>
+          <a:chExt cx="0" cy="0"/>
+        </a:xfrm>
+      </p:grpSpPr>
+      <p:sp>
+        <p:nvSpPr>
+          <p:cNvPr id="2" name="Diakép helye 1"/>
+          <p:cNvSpPr>
+            <a:spLocks noGrp="1" noRot="1" noChangeAspect="1"/>
+          </p:cNvSpPr>
+          <p:nvPr>
+            <p:ph type="sldImg"/>
+          </p:nvPr>
+        </p:nvSpPr>
+        <p:spPr/>
+      </p:sp>
+      <p:sp>
+        <p:nvSpPr>
+          <p:cNvPr id="3" name="Jegyzetek helye 2"/>
+          <p:cNvSpPr>
+            <a:spLocks noGrp="1"/>
+          </p:cNvSpPr>
+          <p:nvPr>
+            <p:ph type="body" idx="1"/>
+          </p:nvPr>
+        </p:nvSpPr>
+        <p:spPr/>
+        <p:txBody>
+          <a:bodyPr/>
+          <a:lstStyle/>
+          <a:p>
+            <a:r>
+              <a:rPr lang="hu-HU" dirty="0" err="1"/>
+              <a:t>Loggedinusersból</a:t>
+            </a:r>
+            <a:r>
+              <a:rPr lang="hu-HU" dirty="0"/>
+              <a:t> kapjuk meg a </a:t>
+            </a:r>
+            <a:r>
+              <a:rPr lang="hu-HU" dirty="0" err="1"/>
+              <a:t>cartba</a:t>
+            </a:r>
+            <a:r>
+              <a:rPr lang="hu-HU" dirty="0"/>
+              <a:t> a </a:t>
+            </a:r>
+            <a:r>
+              <a:rPr lang="hu-HU" dirty="0" err="1"/>
+              <a:t>shoppingId</a:t>
+            </a:r>
+            <a:r>
+              <a:rPr lang="hu-HU" dirty="0"/>
+              <a:t>-t. </a:t>
+            </a:r>
+          </a:p>
+        </p:txBody>
+      </p:sp>
+      <p:sp>
+        <p:nvSpPr>
+          <p:cNvPr id="4" name="Dia számának helye 3"/>
+          <p:cNvSpPr>
+            <a:spLocks noGrp="1"/>
+          </p:cNvSpPr>
+          <p:nvPr>
+            <p:ph type="sldNum" sz="quarter" idx="5"/>
+          </p:nvPr>
+        </p:nvSpPr>
+        <p:spPr/>
+        <p:txBody>
+          <a:bodyPr/>
+          <a:lstStyle/>
+          <a:p>
+            <a:pPr rtl="0"/>
+            <a:fld id="{9946CEE3-4835-4F73-BA0B-02C09C038718}" type="slidenum">
+              <a:rPr lang="en-US" noProof="0" smtClean="0"/>
+              <a:t>5</a:t>
+            </a:fld>
+            <a:endParaRPr lang="en-US" noProof="0" dirty="0"/>
+          </a:p>
+        </p:txBody>
+      </p:sp>
+    </p:spTree>
+    <p:extLst>
+      <p:ext uri="{BB962C8B-B14F-4D97-AF65-F5344CB8AC3E}">
+        <p14:creationId xmlns:p14="http://schemas.microsoft.com/office/powerpoint/2010/main" val="1987798054"/>
       </p:ext>
     </p:extLst>
   </p:cSld>
@@ -7582,92 +7690,6 @@
   <p:transition spd="slow">
     <p:push dir="u"/>
   </p:transition>
-  <p:timing>
-    <p:tnLst>
-      <p:par>
-        <p:cTn id="1" dur="indefinite" restart="never" nodeType="tmRoot">
-          <p:childTnLst>
-            <p:seq concurrent="1" nextAc="seek">
-              <p:cTn id="2" dur="indefinite" nodeType="mainSeq">
-                <p:childTnLst>
-                  <p:par>
-                    <p:cTn id="3" fill="hold">
-                      <p:stCondLst>
-                        <p:cond delay="indefinite"/>
-                      </p:stCondLst>
-                      <p:childTnLst>
-                        <p:par>
-                          <p:cTn id="4" fill="hold">
-                            <p:stCondLst>
-                              <p:cond delay="0"/>
-                            </p:stCondLst>
-                            <p:childTnLst>
-                              <p:par>
-                                <p:cTn id="5" presetID="10" presetClass="entr" presetSubtype="0" fill="hold" grpId="0" nodeType="clickEffect">
-                                  <p:stCondLst>
-                                    <p:cond delay="0"/>
-                                  </p:stCondLst>
-                                  <p:childTnLst>
-                                    <p:set>
-                                      <p:cBhvr>
-                                        <p:cTn id="6" dur="1" fill="hold">
-                                          <p:stCondLst>
-                                            <p:cond delay="0"/>
-                                          </p:stCondLst>
-                                        </p:cTn>
-                                        <p:tgtEl>
-                                          <p:spTgt spid="2"/>
-                                        </p:tgtEl>
-                                        <p:attrNameLst>
-                                          <p:attrName>style.visibility</p:attrName>
-                                        </p:attrNameLst>
-                                      </p:cBhvr>
-                                      <p:to>
-                                        <p:strVal val="visible"/>
-                                      </p:to>
-                                    </p:set>
-                                    <p:animEffect transition="in" filter="fade">
-                                      <p:cBhvr>
-                                        <p:cTn id="7" dur="500"/>
-                                        <p:tgtEl>
-                                          <p:spTgt spid="2"/>
-                                        </p:tgtEl>
-                                      </p:cBhvr>
-                                    </p:animEffect>
-                                  </p:childTnLst>
-                                </p:cTn>
-                              </p:par>
-                            </p:childTnLst>
-                          </p:cTn>
-                        </p:par>
-                      </p:childTnLst>
-                    </p:cTn>
-                  </p:par>
-                </p:childTnLst>
-              </p:cTn>
-              <p:prevCondLst>
-                <p:cond evt="onPrev" delay="0">
-                  <p:tgtEl>
-                    <p:sldTgt/>
-                  </p:tgtEl>
-                </p:cond>
-              </p:prevCondLst>
-              <p:nextCondLst>
-                <p:cond evt="onNext" delay="0">
-                  <p:tgtEl>
-                    <p:sldTgt/>
-                  </p:tgtEl>
-                </p:cond>
-              </p:nextCondLst>
-            </p:seq>
-          </p:childTnLst>
-        </p:cTn>
-      </p:par>
-    </p:tnLst>
-    <p:bldLst>
-      <p:bldP spid="2" grpId="0"/>
-    </p:bldLst>
-  </p:timing>
 </p:sld>
 </file>
 
@@ -8976,50 +8998,6 @@
           <a:chExt cx="0" cy="0"/>
         </a:xfrm>
       </p:grpSpPr>
-      <p:sp>
-        <p:nvSpPr>
-          <p:cNvPr id="4" name="Szövegdoboz 3">
-            <a:extLst>
-              <a:ext uri="{FF2B5EF4-FFF2-40B4-BE49-F238E27FC236}">
-                <a16:creationId xmlns:a16="http://schemas.microsoft.com/office/drawing/2014/main" id="{823CB1F3-6DEC-49F4-8D91-8D2A37CB6FD1}"/>
-              </a:ext>
-            </a:extLst>
-          </p:cNvPr>
-          <p:cNvSpPr txBox="1"/>
-          <p:nvPr/>
-        </p:nvSpPr>
-        <p:spPr>
-          <a:xfrm>
-            <a:off x="3792908" y="173962"/>
-            <a:ext cx="4606183" cy="923330"/>
-          </a:xfrm>
-          <a:prstGeom prst="rect">
-            <a:avLst/>
-          </a:prstGeom>
-          <a:noFill/>
-        </p:spPr>
-        <p:txBody>
-          <a:bodyPr wrap="square" rtlCol="0">
-            <a:spAutoFit/>
-          </a:bodyPr>
-          <a:lstStyle/>
-          <a:p>
-            <a:pPr algn="ctr"/>
-            <a:r>
-              <a:rPr lang="hu-HU" sz="5400" dirty="0">
-                <a:effectLst>
-                  <a:outerShdw blurRad="38100" dist="38100" dir="2700000" algn="tl">
-                    <a:srgbClr val="000000">
-                      <a:alpha val="43137"/>
-                    </a:srgbClr>
-                  </a:outerShdw>
-                </a:effectLst>
-              </a:rPr>
-              <a:t>Az adatbázisom</a:t>
-            </a:r>
-          </a:p>
-        </p:txBody>
-      </p:sp>
       <p:pic>
         <p:nvPicPr>
           <p:cNvPr id="10" name="Kép 9">
@@ -9035,31 +9013,49 @@
           <p:nvPr/>
         </p:nvPicPr>
         <p:blipFill>
-          <a:blip r:embed="rId2"/>
+          <a:blip r:embed="rId3"/>
           <a:stretch>
             <a:fillRect/>
           </a:stretch>
         </p:blipFill>
         <p:spPr>
           <a:xfrm>
-            <a:off x="1426128" y="1322692"/>
-            <a:ext cx="9339743" cy="5050223"/>
+            <a:off x="118997" y="101536"/>
+            <a:ext cx="11954005" cy="6463817"/>
           </a:xfrm>
           <a:prstGeom prst="rect">
             <a:avLst/>
           </a:prstGeom>
-          <a:ln w="88900" cap="sq" cmpd="thickThin">
+          <a:solidFill>
+            <a:srgbClr val="FFFFFF">
+              <a:shade val="85000"/>
+            </a:srgbClr>
+          </a:solidFill>
+          <a:ln w="88900" cap="sq">
             <a:solidFill>
-              <a:srgbClr val="000000"/>
+              <a:srgbClr val="FFFFFF"/>
             </a:solidFill>
-            <a:prstDash val="solid"/>
             <a:miter lim="800000"/>
           </a:ln>
           <a:effectLst>
-            <a:innerShdw blurRad="76200">
-              <a:srgbClr val="000000"/>
-            </a:innerShdw>
+            <a:outerShdw blurRad="55000" dist="18000" dir="5400000" algn="tl" rotWithShape="0">
+              <a:srgbClr val="000000">
+                <a:alpha val="40000"/>
+              </a:srgbClr>
+            </a:outerShdw>
           </a:effectLst>
+          <a:scene3d>
+            <a:camera prst="orthographicFront"/>
+            <a:lightRig rig="twoPt" dir="t">
+              <a:rot lat="0" lon="0" rev="7200000"/>
+            </a:lightRig>
+          </a:scene3d>
+          <a:sp3d>
+            <a:bevelT w="25400" h="19050"/>
+            <a:contourClr>
+              <a:srgbClr val="FFFFFF"/>
+            </a:contourClr>
+          </a:sp3d>
         </p:spPr>
       </p:pic>
     </p:spTree>
@@ -9454,234 +9450,6 @@
   <p:transition spd="slow">
     <p:push dir="u"/>
   </p:transition>
-  <p:timing>
-    <p:tnLst>
-      <p:par>
-        <p:cTn id="1" dur="indefinite" restart="never" nodeType="tmRoot">
-          <p:childTnLst>
-            <p:seq concurrent="1" nextAc="seek">
-              <p:cTn id="2" dur="indefinite" nodeType="mainSeq">
-                <p:childTnLst>
-                  <p:par>
-                    <p:cTn id="3" fill="hold">
-                      <p:stCondLst>
-                        <p:cond delay="indefinite"/>
-                      </p:stCondLst>
-                      <p:childTnLst>
-                        <p:par>
-                          <p:cTn id="4" fill="hold">
-                            <p:stCondLst>
-                              <p:cond delay="0"/>
-                            </p:stCondLst>
-                            <p:childTnLst>
-                              <p:par>
-                                <p:cTn id="5" presetID="42" presetClass="entr" presetSubtype="0" fill="hold" nodeType="clickEffect">
-                                  <p:stCondLst>
-                                    <p:cond delay="0"/>
-                                  </p:stCondLst>
-                                  <p:childTnLst>
-                                    <p:set>
-                                      <p:cBhvr>
-                                        <p:cTn id="6" dur="1" fill="hold">
-                                          <p:stCondLst>
-                                            <p:cond delay="0"/>
-                                          </p:stCondLst>
-                                        </p:cTn>
-                                        <p:tgtEl>
-                                          <p:spTgt spid="6"/>
-                                        </p:tgtEl>
-                                        <p:attrNameLst>
-                                          <p:attrName>style.visibility</p:attrName>
-                                        </p:attrNameLst>
-                                      </p:cBhvr>
-                                      <p:to>
-                                        <p:strVal val="visible"/>
-                                      </p:to>
-                                    </p:set>
-                                    <p:animEffect transition="in" filter="fade">
-                                      <p:cBhvr>
-                                        <p:cTn id="7" dur="1000"/>
-                                        <p:tgtEl>
-                                          <p:spTgt spid="6"/>
-                                        </p:tgtEl>
-                                      </p:cBhvr>
-                                    </p:animEffect>
-                                    <p:anim calcmode="lin" valueType="num">
-                                      <p:cBhvr>
-                                        <p:cTn id="8" dur="1000" fill="hold"/>
-                                        <p:tgtEl>
-                                          <p:spTgt spid="6"/>
-                                        </p:tgtEl>
-                                        <p:attrNameLst>
-                                          <p:attrName>ppt_x</p:attrName>
-                                        </p:attrNameLst>
-                                      </p:cBhvr>
-                                      <p:tavLst>
-                                        <p:tav tm="0">
-                                          <p:val>
-                                            <p:strVal val="#ppt_x"/>
-                                          </p:val>
-                                        </p:tav>
-                                        <p:tav tm="100000">
-                                          <p:val>
-                                            <p:strVal val="#ppt_x"/>
-                                          </p:val>
-                                        </p:tav>
-                                      </p:tavLst>
-                                    </p:anim>
-                                    <p:anim calcmode="lin" valueType="num">
-                                      <p:cBhvr>
-                                        <p:cTn id="9" dur="1000" fill="hold"/>
-                                        <p:tgtEl>
-                                          <p:spTgt spid="6"/>
-                                        </p:tgtEl>
-                                        <p:attrNameLst>
-                                          <p:attrName>ppt_y</p:attrName>
-                                        </p:attrNameLst>
-                                      </p:cBhvr>
-                                      <p:tavLst>
-                                        <p:tav tm="0">
-                                          <p:val>
-                                            <p:strVal val="#ppt_y+.1"/>
-                                          </p:val>
-                                        </p:tav>
-                                        <p:tav tm="100000">
-                                          <p:val>
-                                            <p:strVal val="#ppt_y"/>
-                                          </p:val>
-                                        </p:tav>
-                                      </p:tavLst>
-                                    </p:anim>
-                                  </p:childTnLst>
-                                </p:cTn>
-                              </p:par>
-                            </p:childTnLst>
-                          </p:cTn>
-                        </p:par>
-                      </p:childTnLst>
-                    </p:cTn>
-                  </p:par>
-                  <p:par>
-                    <p:cTn id="10" fill="hold">
-                      <p:stCondLst>
-                        <p:cond delay="indefinite"/>
-                      </p:stCondLst>
-                      <p:childTnLst>
-                        <p:par>
-                          <p:cTn id="11" fill="hold">
-                            <p:stCondLst>
-                              <p:cond delay="0"/>
-                            </p:stCondLst>
-                            <p:childTnLst>
-                              <p:par>
-                                <p:cTn id="12" presetID="42" presetClass="entr" presetSubtype="0" fill="hold" nodeType="clickEffect">
-                                  <p:stCondLst>
-                                    <p:cond delay="0"/>
-                                  </p:stCondLst>
-                                  <p:childTnLst>
-                                    <p:set>
-                                      <p:cBhvr>
-                                        <p:cTn id="13" dur="1" fill="hold">
-                                          <p:stCondLst>
-                                            <p:cond delay="0"/>
-                                          </p:stCondLst>
-                                        </p:cTn>
-                                        <p:tgtEl>
-                                          <p:spTgt spid="8"/>
-                                        </p:tgtEl>
-                                        <p:attrNameLst>
-                                          <p:attrName>style.visibility</p:attrName>
-                                        </p:attrNameLst>
-                                      </p:cBhvr>
-                                      <p:to>
-                                        <p:strVal val="visible"/>
-                                      </p:to>
-                                    </p:set>
-                                    <p:animEffect transition="in" filter="fade">
-                                      <p:cBhvr>
-                                        <p:cTn id="14" dur="1000"/>
-                                        <p:tgtEl>
-                                          <p:spTgt spid="8"/>
-                                        </p:tgtEl>
-                                      </p:cBhvr>
-                                    </p:animEffect>
-                                    <p:anim calcmode="lin" valueType="num">
-                                      <p:cBhvr>
-                                        <p:cTn id="15" dur="1000" fill="hold"/>
-                                        <p:tgtEl>
-                                          <p:spTgt spid="8"/>
-                                        </p:tgtEl>
-                                        <p:attrNameLst>
-                                          <p:attrName>ppt_x</p:attrName>
-                                        </p:attrNameLst>
-                                      </p:cBhvr>
-                                      <p:tavLst>
-                                        <p:tav tm="0">
-                                          <p:val>
-                                            <p:strVal val="#ppt_x"/>
-                                          </p:val>
-                                        </p:tav>
-                                        <p:tav tm="100000">
-                                          <p:val>
-                                            <p:strVal val="#ppt_x"/>
-                                          </p:val>
-                                        </p:tav>
-                                      </p:tavLst>
-                                    </p:anim>
-                                    <p:anim calcmode="lin" valueType="num">
-                                      <p:cBhvr>
-                                        <p:cTn id="16" dur="1000" fill="hold"/>
-                                        <p:tgtEl>
-                                          <p:spTgt spid="8"/>
-                                        </p:tgtEl>
-                                        <p:attrNameLst>
-                                          <p:attrName>ppt_y</p:attrName>
-                                        </p:attrNameLst>
-                                      </p:cBhvr>
-                                      <p:tavLst>
-                                        <p:tav tm="0">
-                                          <p:val>
-                                            <p:strVal val="#ppt_y+.1"/>
-                                          </p:val>
-                                        </p:tav>
-                                        <p:tav tm="100000">
-                                          <p:val>
-                                            <p:strVal val="#ppt_y"/>
-                                          </p:val>
-                                        </p:tav>
-                                      </p:tavLst>
-                                    </p:anim>
-                                  </p:childTnLst>
-                                </p:cTn>
-                              </p:par>
-                            </p:childTnLst>
-                          </p:cTn>
-                        </p:par>
-                      </p:childTnLst>
-                    </p:cTn>
-                  </p:par>
-                </p:childTnLst>
-              </p:cTn>
-              <p:prevCondLst>
-                <p:cond evt="onPrev" delay="0">
-                  <p:tgtEl>
-                    <p:sldTgt/>
-                  </p:tgtEl>
-                </p:cond>
-              </p:prevCondLst>
-              <p:nextCondLst>
-                <p:cond evt="onNext" delay="0">
-                  <p:tgtEl>
-                    <p:sldTgt/>
-                  </p:tgtEl>
-                </p:cond>
-              </p:nextCondLst>
-            </p:seq>
-          </p:childTnLst>
-        </p:cTn>
-      </p:par>
-    </p:tnLst>
-  </p:timing>
 </p:sld>
 </file>
 
@@ -10595,14 +10363,6 @@
 </file>
 
 <file path=customXml/item1.xml><?xml version="1.0" encoding="utf-8"?>
-<p:properties xmlns:p="http://schemas.microsoft.com/office/2006/metadata/properties" xmlns:xsi="http://www.w3.org/2001/XMLSchema-instance" xmlns:pc="http://schemas.microsoft.com/office/infopath/2007/PartnerControls">
-  <documentManagement>
-    <MediaServiceKeyPoints xmlns="71af3243-3dd4-4a8d-8c0d-dd76da1f02a5" xsi:nil="true"/>
-  </documentManagement>
-</p:properties>
-</file>
-
-<file path=customXml/item2.xml><?xml version="1.0" encoding="utf-8"?>
 <ct:contentTypeSchema xmlns:ct="http://schemas.microsoft.com/office/2006/metadata/contentType" xmlns:ma="http://schemas.microsoft.com/office/2006/metadata/properties/metaAttributes" ct:_="" ma:_="" ma:contentTypeName="Document" ma:contentTypeID="0x01010079F111ED35F8CC479449609E8A0923A6" ma:contentTypeVersion="11" ma:contentTypeDescription="Create a new document." ma:contentTypeScope="" ma:versionID="9677210f24a1be23c92c90fd886aa0aa">
   <xsd:schema xmlns:xsd="http://www.w3.org/2001/XMLSchema" xmlns:xs="http://www.w3.org/2001/XMLSchema" xmlns:p="http://schemas.microsoft.com/office/2006/metadata/properties" xmlns:ns2="71af3243-3dd4-4a8d-8c0d-dd76da1f02a5" xmlns:ns3="16c05727-aa75-4e4a-9b5f-8a80a1165891" targetNamespace="http://schemas.microsoft.com/office/2006/metadata/properties" ma:root="true" ma:fieldsID="60e05723c5c1908df1a1a4ebf11d344e" ns2:_="" ns3:_="">
     <xsd:import namespace="71af3243-3dd4-4a8d-8c0d-dd76da1f02a5"/>
@@ -10813,6 +10573,14 @@
 </ct:contentTypeSchema>
 </file>
 
+<file path=customXml/item2.xml><?xml version="1.0" encoding="utf-8"?>
+<p:properties xmlns:p="http://schemas.microsoft.com/office/2006/metadata/properties" xmlns:xsi="http://www.w3.org/2001/XMLSchema-instance" xmlns:pc="http://schemas.microsoft.com/office/infopath/2007/PartnerControls">
+  <documentManagement>
+    <MediaServiceKeyPoints xmlns="71af3243-3dd4-4a8d-8c0d-dd76da1f02a5" xsi:nil="true"/>
+  </documentManagement>
+</p:properties>
+</file>
+
 <file path=customXml/item3.xml><?xml version="1.0" encoding="utf-8"?>
 <?mso-contentType ?>
 <FormTemplates xmlns="http://schemas.microsoft.com/sharepoint/v3/contenttype/forms">
@@ -10823,16 +10591,6 @@
 </file>
 
 <file path=customXml/itemProps1.xml><?xml version="1.0" encoding="utf-8"?>
-<ds:datastoreItem xmlns:ds="http://schemas.openxmlformats.org/officeDocument/2006/customXml" ds:itemID="{B26D5668-1971-40BB-BC7C-94C9B101AAB7}">
-  <ds:schemaRefs>
-    <ds:schemaRef ds:uri="http://schemas.microsoft.com/office/2006/metadata/properties"/>
-    <ds:schemaRef ds:uri="http://schemas.microsoft.com/office/infopath/2007/PartnerControls"/>
-    <ds:schemaRef ds:uri="71af3243-3dd4-4a8d-8c0d-dd76da1f02a5"/>
-  </ds:schemaRefs>
-</ds:datastoreItem>
-</file>
-
-<file path=customXml/itemProps2.xml><?xml version="1.0" encoding="utf-8"?>
 <ds:datastoreItem xmlns:ds="http://schemas.openxmlformats.org/officeDocument/2006/customXml" ds:itemID="{3370F4A1-FC59-4361-989F-6C79533DA565}">
   <ds:schemaRefs>
     <ds:schemaRef ds:uri="http://schemas.microsoft.com/office/2006/metadata/contentType"/>
@@ -10851,6 +10609,16 @@
 </ds:datastoreItem>
 </file>
 
+<file path=customXml/itemProps2.xml><?xml version="1.0" encoding="utf-8"?>
+<ds:datastoreItem xmlns:ds="http://schemas.openxmlformats.org/officeDocument/2006/customXml" ds:itemID="{B26D5668-1971-40BB-BC7C-94C9B101AAB7}">
+  <ds:schemaRefs>
+    <ds:schemaRef ds:uri="http://schemas.microsoft.com/office/2006/metadata/properties"/>
+    <ds:schemaRef ds:uri="http://schemas.microsoft.com/office/infopath/2007/PartnerControls"/>
+    <ds:schemaRef ds:uri="71af3243-3dd4-4a8d-8c0d-dd76da1f02a5"/>
+  </ds:schemaRefs>
+</ds:datastoreItem>
+</file>
+
 <file path=customXml/itemProps3.xml><?xml version="1.0" encoding="utf-8"?>
 <ds:datastoreItem xmlns:ds="http://schemas.openxmlformats.org/officeDocument/2006/customXml" ds:itemID="{FE57094B-4684-420B-AFE0-4E41CA2AF714}">
   <ds:schemaRefs>
